--- a/Slide/Healthcare Service.pptx
+++ b/Slide/Healthcare Service.pptx
@@ -2,7 +2,7 @@
 <file path=ppt/presentation.xml><?xml version="1.0" encoding="utf-8"?>
 <p:presentation xmlns:a="http://schemas.openxmlformats.org/drawingml/2006/main" xmlns:r="http://schemas.openxmlformats.org/officeDocument/2006/relationships" xmlns:p="http://schemas.openxmlformats.org/presentationml/2006/main" saveSubsetFonts="1">
   <p:sldMasterIdLst>
-    <p:sldMasterId id="2147483648" r:id="rId1"/>
+    <p:sldMasterId id="2147483678" r:id="rId1"/>
   </p:sldMasterIdLst>
   <p:sldIdLst>
     <p:sldId id="256" r:id="rId2"/>
@@ -10,12 +10,11 @@
     <p:sldId id="258" r:id="rId4"/>
     <p:sldId id="259" r:id="rId5"/>
     <p:sldId id="260" r:id="rId6"/>
-    <p:sldId id="261" r:id="rId7"/>
-    <p:sldId id="266" r:id="rId8"/>
-    <p:sldId id="262" r:id="rId9"/>
-    <p:sldId id="265" r:id="rId10"/>
-    <p:sldId id="263" r:id="rId11"/>
-    <p:sldId id="264" r:id="rId12"/>
+    <p:sldId id="266" r:id="rId7"/>
+    <p:sldId id="262" r:id="rId8"/>
+    <p:sldId id="265" r:id="rId9"/>
+    <p:sldId id="263" r:id="rId10"/>
+    <p:sldId id="264" r:id="rId11"/>
   </p:sldIdLst>
   <p:sldSz cx="12192000" cy="6858000"/>
   <p:notesSz cx="6858000" cy="9144000"/>
@@ -114,6 +113,11 @@
       </a:defRPr>
     </a:lvl9pPr>
   </p:defaultTextStyle>
+  <p:extLst>
+    <p:ext uri="{EFAFB233-063F-42B5-8137-9DF3F51BA10A}">
+      <p15:sldGuideLst xmlns:p15="http://schemas.microsoft.com/office/powerpoint/2012/main"/>
+    </p:ext>
+  </p:extLst>
 </p:presentation>
 </file>
 
@@ -248,7 +252,7 @@
           <a:p>
             <a:fld id="{CC188A0C-F359-4D55-A4A1-397CC3952450}" type="datetimeFigureOut">
               <a:rPr lang="en-US" smtClean="0"/>
-              <a:t>4/21/2018</a:t>
+              <a:t>4/23/2018</a:t>
             </a:fld>
             <a:endParaRPr lang="en-US"/>
           </a:p>
@@ -299,7 +303,7 @@
     </p:spTree>
     <p:extLst>
       <p:ext uri="{BB962C8B-B14F-4D97-AF65-F5344CB8AC3E}">
-        <p14:creationId xmlns:p14="http://schemas.microsoft.com/office/powerpoint/2010/main" val="3514213216"/>
+        <p14:creationId xmlns:p14="http://schemas.microsoft.com/office/powerpoint/2010/main" val="1451439896"/>
       </p:ext>
     </p:extLst>
   </p:cSld>
@@ -418,7 +422,7 @@
           <a:p>
             <a:fld id="{CC188A0C-F359-4D55-A4A1-397CC3952450}" type="datetimeFigureOut">
               <a:rPr lang="en-US" smtClean="0"/>
-              <a:t>4/21/2018</a:t>
+              <a:t>4/23/2018</a:t>
             </a:fld>
             <a:endParaRPr lang="en-US"/>
           </a:p>
@@ -469,7 +473,7 @@
     </p:spTree>
     <p:extLst>
       <p:ext uri="{BB962C8B-B14F-4D97-AF65-F5344CB8AC3E}">
-        <p14:creationId xmlns:p14="http://schemas.microsoft.com/office/powerpoint/2010/main" val="1694534029"/>
+        <p14:creationId xmlns:p14="http://schemas.microsoft.com/office/powerpoint/2010/main" val="2872325083"/>
       </p:ext>
     </p:extLst>
   </p:cSld>
@@ -598,7 +602,7 @@
           <a:p>
             <a:fld id="{CC188A0C-F359-4D55-A4A1-397CC3952450}" type="datetimeFigureOut">
               <a:rPr lang="en-US" smtClean="0"/>
-              <a:t>4/21/2018</a:t>
+              <a:t>4/23/2018</a:t>
             </a:fld>
             <a:endParaRPr lang="en-US"/>
           </a:p>
@@ -649,7 +653,7 @@
     </p:spTree>
     <p:extLst>
       <p:ext uri="{BB962C8B-B14F-4D97-AF65-F5344CB8AC3E}">
-        <p14:creationId xmlns:p14="http://schemas.microsoft.com/office/powerpoint/2010/main" val="400342668"/>
+        <p14:creationId xmlns:p14="http://schemas.microsoft.com/office/powerpoint/2010/main" val="3994691386"/>
       </p:ext>
     </p:extLst>
   </p:cSld>
@@ -768,7 +772,7 @@
           <a:p>
             <a:fld id="{CC188A0C-F359-4D55-A4A1-397CC3952450}" type="datetimeFigureOut">
               <a:rPr lang="en-US" smtClean="0"/>
-              <a:t>4/21/2018</a:t>
+              <a:t>4/23/2018</a:t>
             </a:fld>
             <a:endParaRPr lang="en-US"/>
           </a:p>
@@ -819,7 +823,7 @@
     </p:spTree>
     <p:extLst>
       <p:ext uri="{BB962C8B-B14F-4D97-AF65-F5344CB8AC3E}">
-        <p14:creationId xmlns:p14="http://schemas.microsoft.com/office/powerpoint/2010/main" val="1073085921"/>
+        <p14:creationId xmlns:p14="http://schemas.microsoft.com/office/powerpoint/2010/main" val="1251357310"/>
       </p:ext>
     </p:extLst>
   </p:cSld>
@@ -1014,7 +1018,7 @@
           <a:p>
             <a:fld id="{CC188A0C-F359-4D55-A4A1-397CC3952450}" type="datetimeFigureOut">
               <a:rPr lang="en-US" smtClean="0"/>
-              <a:t>4/21/2018</a:t>
+              <a:t>4/23/2018</a:t>
             </a:fld>
             <a:endParaRPr lang="en-US"/>
           </a:p>
@@ -1065,7 +1069,7 @@
     </p:spTree>
     <p:extLst>
       <p:ext uri="{BB962C8B-B14F-4D97-AF65-F5344CB8AC3E}">
-        <p14:creationId xmlns:p14="http://schemas.microsoft.com/office/powerpoint/2010/main" val="2372153104"/>
+        <p14:creationId xmlns:p14="http://schemas.microsoft.com/office/powerpoint/2010/main" val="429233468"/>
       </p:ext>
     </p:extLst>
   </p:cSld>
@@ -1246,7 +1250,7 @@
           <a:p>
             <a:fld id="{CC188A0C-F359-4D55-A4A1-397CC3952450}" type="datetimeFigureOut">
               <a:rPr lang="en-US" smtClean="0"/>
-              <a:t>4/21/2018</a:t>
+              <a:t>4/23/2018</a:t>
             </a:fld>
             <a:endParaRPr lang="en-US"/>
           </a:p>
@@ -1297,7 +1301,7 @@
     </p:spTree>
     <p:extLst>
       <p:ext uri="{BB962C8B-B14F-4D97-AF65-F5344CB8AC3E}">
-        <p14:creationId xmlns:p14="http://schemas.microsoft.com/office/powerpoint/2010/main" val="2705956935"/>
+        <p14:creationId xmlns:p14="http://schemas.microsoft.com/office/powerpoint/2010/main" val="3557398704"/>
       </p:ext>
     </p:extLst>
   </p:cSld>
@@ -1613,7 +1617,7 @@
           <a:p>
             <a:fld id="{CC188A0C-F359-4D55-A4A1-397CC3952450}" type="datetimeFigureOut">
               <a:rPr lang="en-US" smtClean="0"/>
-              <a:t>4/21/2018</a:t>
+              <a:t>4/23/2018</a:t>
             </a:fld>
             <a:endParaRPr lang="en-US"/>
           </a:p>
@@ -1664,7 +1668,7 @@
     </p:spTree>
     <p:extLst>
       <p:ext uri="{BB962C8B-B14F-4D97-AF65-F5344CB8AC3E}">
-        <p14:creationId xmlns:p14="http://schemas.microsoft.com/office/powerpoint/2010/main" val="241575586"/>
+        <p14:creationId xmlns:p14="http://schemas.microsoft.com/office/powerpoint/2010/main" val="2747352830"/>
       </p:ext>
     </p:extLst>
   </p:cSld>
@@ -1731,7 +1735,7 @@
           <a:p>
             <a:fld id="{CC188A0C-F359-4D55-A4A1-397CC3952450}" type="datetimeFigureOut">
               <a:rPr lang="en-US" smtClean="0"/>
-              <a:t>4/21/2018</a:t>
+              <a:t>4/23/2018</a:t>
             </a:fld>
             <a:endParaRPr lang="en-US"/>
           </a:p>
@@ -1782,7 +1786,7 @@
     </p:spTree>
     <p:extLst>
       <p:ext uri="{BB962C8B-B14F-4D97-AF65-F5344CB8AC3E}">
-        <p14:creationId xmlns:p14="http://schemas.microsoft.com/office/powerpoint/2010/main" val="2386499592"/>
+        <p14:creationId xmlns:p14="http://schemas.microsoft.com/office/powerpoint/2010/main" val="2798381640"/>
       </p:ext>
     </p:extLst>
   </p:cSld>
@@ -1826,7 +1830,7 @@
           <a:p>
             <a:fld id="{CC188A0C-F359-4D55-A4A1-397CC3952450}" type="datetimeFigureOut">
               <a:rPr lang="en-US" smtClean="0"/>
-              <a:t>4/21/2018</a:t>
+              <a:t>4/23/2018</a:t>
             </a:fld>
             <a:endParaRPr lang="en-US"/>
           </a:p>
@@ -1877,7 +1881,7 @@
     </p:spTree>
     <p:extLst>
       <p:ext uri="{BB962C8B-B14F-4D97-AF65-F5344CB8AC3E}">
-        <p14:creationId xmlns:p14="http://schemas.microsoft.com/office/powerpoint/2010/main" val="2047436842"/>
+        <p14:creationId xmlns:p14="http://schemas.microsoft.com/office/powerpoint/2010/main" val="2326975787"/>
       </p:ext>
     </p:extLst>
   </p:cSld>
@@ -2103,7 +2107,7 @@
           <a:p>
             <a:fld id="{CC188A0C-F359-4D55-A4A1-397CC3952450}" type="datetimeFigureOut">
               <a:rPr lang="en-US" smtClean="0"/>
-              <a:t>4/21/2018</a:t>
+              <a:t>4/23/2018</a:t>
             </a:fld>
             <a:endParaRPr lang="en-US"/>
           </a:p>
@@ -2154,7 +2158,7 @@
     </p:spTree>
     <p:extLst>
       <p:ext uri="{BB962C8B-B14F-4D97-AF65-F5344CB8AC3E}">
-        <p14:creationId xmlns:p14="http://schemas.microsoft.com/office/powerpoint/2010/main" val="611219634"/>
+        <p14:creationId xmlns:p14="http://schemas.microsoft.com/office/powerpoint/2010/main" val="440155460"/>
       </p:ext>
     </p:extLst>
   </p:cSld>
@@ -2356,7 +2360,7 @@
           <a:p>
             <a:fld id="{CC188A0C-F359-4D55-A4A1-397CC3952450}" type="datetimeFigureOut">
               <a:rPr lang="en-US" smtClean="0"/>
-              <a:t>4/21/2018</a:t>
+              <a:t>4/23/2018</a:t>
             </a:fld>
             <a:endParaRPr lang="en-US"/>
           </a:p>
@@ -2407,7 +2411,7 @@
     </p:spTree>
     <p:extLst>
       <p:ext uri="{BB962C8B-B14F-4D97-AF65-F5344CB8AC3E}">
-        <p14:creationId xmlns:p14="http://schemas.microsoft.com/office/powerpoint/2010/main" val="1303876698"/>
+        <p14:creationId xmlns:p14="http://schemas.microsoft.com/office/powerpoint/2010/main" val="4128356127"/>
       </p:ext>
     </p:extLst>
   </p:cSld>
@@ -2569,7 +2573,7 @@
           <a:p>
             <a:fld id="{CC188A0C-F359-4D55-A4A1-397CC3952450}" type="datetimeFigureOut">
               <a:rPr lang="en-US" smtClean="0"/>
-              <a:t>4/21/2018</a:t>
+              <a:t>4/23/2018</a:t>
             </a:fld>
             <a:endParaRPr lang="en-US"/>
           </a:p>
@@ -2656,23 +2660,23 @@
     </p:spTree>
     <p:extLst>
       <p:ext uri="{BB962C8B-B14F-4D97-AF65-F5344CB8AC3E}">
-        <p14:creationId xmlns:p14="http://schemas.microsoft.com/office/powerpoint/2010/main" val="2561600480"/>
+        <p14:creationId xmlns:p14="http://schemas.microsoft.com/office/powerpoint/2010/main" val="4188305357"/>
       </p:ext>
     </p:extLst>
   </p:cSld>
   <p:clrMap bg1="lt1" tx1="dk1" bg2="lt2" tx2="dk2" accent1="accent1" accent2="accent2" accent3="accent3" accent4="accent4" accent5="accent5" accent6="accent6" hlink="hlink" folHlink="folHlink"/>
   <p:sldLayoutIdLst>
-    <p:sldLayoutId id="2147483649" r:id="rId1"/>
-    <p:sldLayoutId id="2147483650" r:id="rId2"/>
-    <p:sldLayoutId id="2147483651" r:id="rId3"/>
-    <p:sldLayoutId id="2147483652" r:id="rId4"/>
-    <p:sldLayoutId id="2147483653" r:id="rId5"/>
-    <p:sldLayoutId id="2147483654" r:id="rId6"/>
-    <p:sldLayoutId id="2147483655" r:id="rId7"/>
-    <p:sldLayoutId id="2147483656" r:id="rId8"/>
-    <p:sldLayoutId id="2147483657" r:id="rId9"/>
-    <p:sldLayoutId id="2147483658" r:id="rId10"/>
-    <p:sldLayoutId id="2147483659" r:id="rId11"/>
+    <p:sldLayoutId id="2147483679" r:id="rId1"/>
+    <p:sldLayoutId id="2147483680" r:id="rId2"/>
+    <p:sldLayoutId id="2147483681" r:id="rId3"/>
+    <p:sldLayoutId id="2147483682" r:id="rId4"/>
+    <p:sldLayoutId id="2147483683" r:id="rId5"/>
+    <p:sldLayoutId id="2147483684" r:id="rId6"/>
+    <p:sldLayoutId id="2147483685" r:id="rId7"/>
+    <p:sldLayoutId id="2147483686" r:id="rId8"/>
+    <p:sldLayoutId id="2147483687" r:id="rId9"/>
+    <p:sldLayoutId id="2147483688" r:id="rId10"/>
+    <p:sldLayoutId id="2147483689" r:id="rId11"/>
   </p:sldLayoutIdLst>
   <p:txStyles>
     <p:titleStyle>
@@ -3450,6 +3454,13 @@
   <p:clrMapOvr>
     <a:masterClrMapping/>
   </p:clrMapOvr>
+  <p:timing>
+    <p:tnLst>
+      <p:par>
+        <p:cTn id="1" dur="indefinite" restart="never" nodeType="tmRoot"/>
+      </p:par>
+    </p:tnLst>
+  </p:timing>
 </p:sld>
 </file>
 
@@ -3477,110 +3488,24 @@
             <a:spLocks noGrp="1"/>
           </p:cNvSpPr>
           <p:nvPr>
-            <p:ph type="title"/>
-          </p:nvPr>
-        </p:nvSpPr>
-        <p:spPr/>
+            <p:ph type="title" idx="4294967295"/>
+          </p:nvPr>
+        </p:nvSpPr>
+        <p:spPr>
+          <a:xfrm>
+            <a:off x="0" y="2767013"/>
+            <a:ext cx="10515600" cy="1325562"/>
+          </a:xfrm>
+        </p:spPr>
         <p:txBody>
           <a:bodyPr/>
           <a:lstStyle/>
           <a:p>
-            <a:r>
-              <a:rPr lang="en-US" dirty="0" smtClean="0"/>
-              <a:t>7. Demo Software</a:t>
-            </a:r>
-            <a:endParaRPr lang="en-US" dirty="0"/>
-          </a:p>
-        </p:txBody>
-      </p:sp>
-      <p:sp>
-        <p:nvSpPr>
-          <p:cNvPr id="3" name="Content Placeholder 2"/>
-          <p:cNvSpPr>
-            <a:spLocks noGrp="1"/>
-          </p:cNvSpPr>
-          <p:nvPr>
-            <p:ph idx="1"/>
-          </p:nvPr>
-        </p:nvSpPr>
-        <p:spPr/>
-        <p:txBody>
-          <a:bodyPr/>
-          <a:lstStyle/>
-          <a:p>
-            <a:endParaRPr lang="en-US" dirty="0"/>
-          </a:p>
-        </p:txBody>
-      </p:sp>
-    </p:spTree>
-    <p:extLst>
-      <p:ext uri="{BB962C8B-B14F-4D97-AF65-F5344CB8AC3E}">
-        <p14:creationId xmlns:p14="http://schemas.microsoft.com/office/powerpoint/2010/main" val="989374158"/>
-      </p:ext>
-    </p:extLst>
-  </p:cSld>
-  <p:clrMapOvr>
-    <a:masterClrMapping/>
-  </p:clrMapOvr>
-</p:sld>
-</file>
-
-<file path=ppt/slides/slide11.xml><?xml version="1.0" encoding="utf-8"?>
-<p:sld xmlns:a="http://schemas.openxmlformats.org/drawingml/2006/main" xmlns:r="http://schemas.openxmlformats.org/officeDocument/2006/relationships" xmlns:p="http://schemas.openxmlformats.org/presentationml/2006/main">
-  <p:cSld>
-    <p:spTree>
-      <p:nvGrpSpPr>
-        <p:cNvPr id="1" name=""/>
-        <p:cNvGrpSpPr/>
-        <p:nvPr/>
-      </p:nvGrpSpPr>
-      <p:grpSpPr>
-        <a:xfrm>
-          <a:off x="0" y="0"/>
-          <a:ext cx="0" cy="0"/>
-          <a:chOff x="0" y="0"/>
-          <a:chExt cx="0" cy="0"/>
-        </a:xfrm>
-      </p:grpSpPr>
-      <p:sp>
-        <p:nvSpPr>
-          <p:cNvPr id="2" name="Title 1"/>
-          <p:cNvSpPr>
-            <a:spLocks noGrp="1"/>
-          </p:cNvSpPr>
-          <p:nvPr>
-            <p:ph type="title"/>
-          </p:nvPr>
-        </p:nvSpPr>
-        <p:spPr/>
-        <p:txBody>
-          <a:bodyPr/>
-          <a:lstStyle/>
-          <a:p>
             <a:pPr algn="ctr"/>
             <a:r>
               <a:rPr lang="en-US" dirty="0" smtClean="0"/>
               <a:t>Thank you</a:t>
             </a:r>
-            <a:endParaRPr lang="en-US" dirty="0"/>
-          </a:p>
-        </p:txBody>
-      </p:sp>
-      <p:sp>
-        <p:nvSpPr>
-          <p:cNvPr id="3" name="Content Placeholder 2"/>
-          <p:cNvSpPr>
-            <a:spLocks noGrp="1"/>
-          </p:cNvSpPr>
-          <p:nvPr>
-            <p:ph idx="1"/>
-          </p:nvPr>
-        </p:nvSpPr>
-        <p:spPr/>
-        <p:txBody>
-          <a:bodyPr/>
-          <a:lstStyle/>
-          <a:p>
             <a:endParaRPr lang="en-US" dirty="0"/>
           </a:p>
         </p:txBody>
@@ -3595,6 +3520,13 @@
   <p:clrMapOvr>
     <a:masterClrMapping/>
   </p:clrMapOvr>
+  <p:timing>
+    <p:tnLst>
+      <p:par>
+        <p:cTn id="1" dur="indefinite" restart="never" nodeType="tmRoot"/>
+      </p:par>
+    </p:tnLst>
+  </p:timing>
 </p:sld>
 </file>
 
@@ -3746,6 +3678,13 @@
   <p:clrMapOvr>
     <a:masterClrMapping/>
   </p:clrMapOvr>
+  <p:timing>
+    <p:tnLst>
+      <p:par>
+        <p:cTn id="1" dur="indefinite" restart="never" nodeType="tmRoot"/>
+      </p:par>
+    </p:tnLst>
+  </p:timing>
 </p:sld>
 </file>
 
@@ -3799,15 +3738,58 @@
             <p:ph idx="1"/>
           </p:nvPr>
         </p:nvSpPr>
-        <p:spPr/>
-        <p:txBody>
-          <a:bodyPr/>
+        <p:spPr>
+          <a:xfrm>
+            <a:off x="838200" y="3056021"/>
+            <a:ext cx="10515600" cy="3120942"/>
+          </a:xfrm>
+        </p:spPr>
+        <p:txBody>
+          <a:bodyPr>
+            <a:normAutofit/>
+          </a:bodyPr>
           <a:lstStyle/>
           <a:p>
-            <a:endParaRPr lang="en-US" dirty="0"/>
-          </a:p>
-        </p:txBody>
-      </p:sp>
+            <a:pPr marL="0" indent="0">
+              <a:buNone/>
+            </a:pPr>
+            <a:r>
+              <a:rPr lang="en-US" sz="2000" dirty="0" smtClean="0"/>
+              <a:t>Planning</a:t>
+            </a:r>
+          </a:p>
+        </p:txBody>
+      </p:sp>
+      <p:pic>
+        <p:nvPicPr>
+          <p:cNvPr id="8" name="Picture 7"/>
+          <p:cNvPicPr>
+            <a:picLocks noChangeAspect="1"/>
+          </p:cNvPicPr>
+          <p:nvPr/>
+        </p:nvPicPr>
+        <p:blipFill>
+          <a:blip r:embed="rId2" cstate="print">
+            <a:extLst>
+              <a:ext uri="{28A0092B-C50C-407E-A947-70E740481C1C}">
+                <a14:useLocalDpi xmlns:a14="http://schemas.microsoft.com/office/drawing/2010/main" val="0"/>
+              </a:ext>
+            </a:extLst>
+          </a:blip>
+          <a:stretch>
+            <a:fillRect/>
+          </a:stretch>
+        </p:blipFill>
+        <p:spPr>
+          <a:xfrm>
+            <a:off x="1300887" y="4005260"/>
+            <a:ext cx="9590227" cy="896112"/>
+          </a:xfrm>
+          <a:prstGeom prst="rect">
+            <a:avLst/>
+          </a:prstGeom>
+        </p:spPr>
+      </p:pic>
     </p:spTree>
     <p:extLst>
       <p:ext uri="{BB962C8B-B14F-4D97-AF65-F5344CB8AC3E}">
@@ -3818,6 +3800,13 @@
   <p:clrMapOvr>
     <a:masterClrMapping/>
   </p:clrMapOvr>
+  <p:timing>
+    <p:tnLst>
+      <p:par>
+        <p:cTn id="1" dur="indefinite" restart="never" nodeType="tmRoot"/>
+      </p:par>
+    </p:tnLst>
+  </p:timing>
 </p:sld>
 </file>
 
@@ -3947,6 +3936,13 @@
   <p:clrMapOvr>
     <a:masterClrMapping/>
   </p:clrMapOvr>
+  <p:timing>
+    <p:tnLst>
+      <p:par>
+        <p:cTn id="1" dur="indefinite" restart="never" nodeType="tmRoot"/>
+      </p:par>
+    </p:tnLst>
+  </p:timing>
 </p:sld>
 </file>
 
@@ -4011,17 +4007,8 @@
             </a:r>
             <a:r>
               <a:rPr lang="en-US" dirty="0" smtClean="0"/>
-              <a:t>rogramming </a:t>
-            </a:r>
-            <a:r>
-              <a:rPr lang="en-US" dirty="0" smtClean="0"/>
-              <a:t>L</a:t>
-            </a:r>
-            <a:r>
-              <a:rPr lang="en-US" dirty="0" smtClean="0"/>
-              <a:t>anguage: Java</a:t>
-            </a:r>
-            <a:endParaRPr lang="en-US" dirty="0" smtClean="0"/>
+              <a:t>rogramming Language: Java</a:t>
+            </a:r>
           </a:p>
           <a:p>
             <a:r>
@@ -4053,85 +4040,17 @@
   <p:clrMapOvr>
     <a:masterClrMapping/>
   </p:clrMapOvr>
+  <p:timing>
+    <p:tnLst>
+      <p:par>
+        <p:cTn id="1" dur="indefinite" restart="never" nodeType="tmRoot"/>
+      </p:par>
+    </p:tnLst>
+  </p:timing>
 </p:sld>
 </file>
 
 <file path=ppt/slides/slide6.xml><?xml version="1.0" encoding="utf-8"?>
-<p:sld xmlns:a="http://schemas.openxmlformats.org/drawingml/2006/main" xmlns:r="http://schemas.openxmlformats.org/officeDocument/2006/relationships" xmlns:p="http://schemas.openxmlformats.org/presentationml/2006/main">
-  <p:cSld>
-    <p:spTree>
-      <p:nvGrpSpPr>
-        <p:cNvPr id="1" name=""/>
-        <p:cNvGrpSpPr/>
-        <p:nvPr/>
-      </p:nvGrpSpPr>
-      <p:grpSpPr>
-        <a:xfrm>
-          <a:off x="0" y="0"/>
-          <a:ext cx="0" cy="0"/>
-          <a:chOff x="0" y="0"/>
-          <a:chExt cx="0" cy="0"/>
-        </a:xfrm>
-      </p:grpSpPr>
-      <p:sp>
-        <p:nvSpPr>
-          <p:cNvPr id="2" name="Title 1"/>
-          <p:cNvSpPr>
-            <a:spLocks noGrp="1"/>
-          </p:cNvSpPr>
-          <p:nvPr>
-            <p:ph type="title"/>
-          </p:nvPr>
-        </p:nvSpPr>
-        <p:spPr/>
-        <p:txBody>
-          <a:bodyPr/>
-          <a:lstStyle/>
-          <a:p>
-            <a:r>
-              <a:rPr lang="en-US" dirty="0" smtClean="0"/>
-              <a:t>4. Database Design</a:t>
-            </a:r>
-            <a:endParaRPr lang="en-US" dirty="0"/>
-          </a:p>
-        </p:txBody>
-      </p:sp>
-      <p:sp>
-        <p:nvSpPr>
-          <p:cNvPr id="3" name="Content Placeholder 2"/>
-          <p:cNvSpPr>
-            <a:spLocks noGrp="1"/>
-          </p:cNvSpPr>
-          <p:nvPr>
-            <p:ph idx="1"/>
-          </p:nvPr>
-        </p:nvSpPr>
-        <p:spPr/>
-        <p:txBody>
-          <a:bodyPr/>
-          <a:lstStyle/>
-          <a:p>
-            <a:pPr marL="0" indent="0">
-              <a:buNone/>
-            </a:pPr>
-            <a:endParaRPr lang="en-US" dirty="0" smtClean="0"/>
-          </a:p>
-        </p:txBody>
-      </p:sp>
-    </p:spTree>
-    <p:extLst>
-      <p:ext uri="{BB962C8B-B14F-4D97-AF65-F5344CB8AC3E}">
-        <p14:creationId xmlns:p14="http://schemas.microsoft.com/office/powerpoint/2010/main" val="316098635"/>
-      </p:ext>
-    </p:extLst>
-  </p:cSld>
-  <p:clrMapOvr>
-    <a:masterClrMapping/>
-  </p:clrMapOvr>
-</p:sld>
-</file>
-
-<file path=ppt/slides/slide7.xml><?xml version="1.0" encoding="utf-8"?>
 <p:sld xmlns:a="http://schemas.openxmlformats.org/drawingml/2006/main" xmlns:r="http://schemas.openxmlformats.org/officeDocument/2006/relationships" xmlns:p="http://schemas.openxmlformats.org/presentationml/2006/main">
   <p:cSld>
     <p:spTree>
@@ -5997,7 +5916,6 @@
                 <a:rPr lang="en-US" dirty="0"/>
                 <a:t>M</a:t>
               </a:r>
-              <a:endParaRPr lang="en-US" dirty="0"/>
             </a:p>
           </p:txBody>
         </p:sp>
@@ -6607,7 +6525,6 @@
               <a:rPr lang="en-US" dirty="0"/>
               <a:t>1</a:t>
             </a:r>
-            <a:endParaRPr lang="en-US" dirty="0"/>
           </a:p>
         </p:txBody>
       </p:sp>
@@ -6645,6 +6562,145 @@
     <p:extLst>
       <p:ext uri="{BB962C8B-B14F-4D97-AF65-F5344CB8AC3E}">
         <p14:creationId xmlns:p14="http://schemas.microsoft.com/office/powerpoint/2010/main" val="3223511622"/>
+      </p:ext>
+    </p:extLst>
+  </p:cSld>
+  <p:clrMapOvr>
+    <a:masterClrMapping/>
+  </p:clrMapOvr>
+  <p:timing>
+    <p:tnLst>
+      <p:par>
+        <p:cTn id="1" dur="indefinite" restart="never" nodeType="tmRoot"/>
+      </p:par>
+    </p:tnLst>
+  </p:timing>
+</p:sld>
+</file>
+
+<file path=ppt/slides/slide7.xml><?xml version="1.0" encoding="utf-8"?>
+<p:sld xmlns:a="http://schemas.openxmlformats.org/drawingml/2006/main" xmlns:r="http://schemas.openxmlformats.org/officeDocument/2006/relationships" xmlns:p="http://schemas.openxmlformats.org/presentationml/2006/main">
+  <p:cSld>
+    <p:spTree>
+      <p:nvGrpSpPr>
+        <p:cNvPr id="1" name=""/>
+        <p:cNvGrpSpPr/>
+        <p:nvPr/>
+      </p:nvGrpSpPr>
+      <p:grpSpPr>
+        <a:xfrm>
+          <a:off x="0" y="0"/>
+          <a:ext cx="0" cy="0"/>
+          <a:chOff x="0" y="0"/>
+          <a:chExt cx="0" cy="0"/>
+        </a:xfrm>
+      </p:grpSpPr>
+      <p:sp>
+        <p:nvSpPr>
+          <p:cNvPr id="2" name="Title 1"/>
+          <p:cNvSpPr>
+            <a:spLocks noGrp="1"/>
+          </p:cNvSpPr>
+          <p:nvPr>
+            <p:ph type="title"/>
+          </p:nvPr>
+        </p:nvSpPr>
+        <p:spPr/>
+        <p:txBody>
+          <a:bodyPr/>
+          <a:lstStyle/>
+          <a:p>
+            <a:r>
+              <a:rPr lang="en-US" dirty="0" smtClean="0"/>
+              <a:t>5. Form Design</a:t>
+            </a:r>
+            <a:endParaRPr lang="en-US" dirty="0"/>
+          </a:p>
+        </p:txBody>
+      </p:sp>
+      <p:sp>
+        <p:nvSpPr>
+          <p:cNvPr id="3" name="Content Placeholder 2"/>
+          <p:cNvSpPr>
+            <a:spLocks noGrp="1"/>
+          </p:cNvSpPr>
+          <p:nvPr>
+            <p:ph idx="1"/>
+          </p:nvPr>
+        </p:nvSpPr>
+        <p:spPr/>
+        <p:txBody>
+          <a:bodyPr/>
+          <a:lstStyle/>
+          <a:p>
+            <a:pPr marL="514350" indent="-514350">
+              <a:buFont typeface="+mj-lt"/>
+              <a:buAutoNum type="arabicPeriod"/>
+            </a:pPr>
+            <a:r>
+              <a:rPr lang="en-US" dirty="0" smtClean="0"/>
+              <a:t>Login and Register</a:t>
+            </a:r>
+          </a:p>
+          <a:p>
+            <a:pPr marL="514350" indent="-514350">
+              <a:buFont typeface="+mj-lt"/>
+              <a:buAutoNum type="arabicPeriod"/>
+            </a:pPr>
+            <a:r>
+              <a:rPr lang="en-US" dirty="0" smtClean="0"/>
+              <a:t>Data Entry</a:t>
+            </a:r>
+          </a:p>
+          <a:p>
+            <a:pPr marL="514350" indent="-514350">
+              <a:buFont typeface="+mj-lt"/>
+              <a:buAutoNum type="arabicPeriod"/>
+            </a:pPr>
+            <a:r>
+              <a:rPr lang="en-US" dirty="0" smtClean="0"/>
+              <a:t>Healthcare Provider</a:t>
+            </a:r>
+          </a:p>
+          <a:p>
+            <a:pPr marL="514350" indent="-514350">
+              <a:buFont typeface="+mj-lt"/>
+              <a:buAutoNum type="arabicPeriod"/>
+            </a:pPr>
+            <a:r>
+              <a:rPr lang="en-US" dirty="0" smtClean="0"/>
+              <a:t>Search ( Disease )</a:t>
+            </a:r>
+          </a:p>
+          <a:p>
+            <a:pPr marL="514350" indent="-514350">
+              <a:buFont typeface="+mj-lt"/>
+              <a:buAutoNum type="arabicPeriod"/>
+            </a:pPr>
+            <a:r>
+              <a:rPr lang="en-US" dirty="0" smtClean="0"/>
+              <a:t>Doctor</a:t>
+            </a:r>
+          </a:p>
+          <a:p>
+            <a:pPr marL="514350" indent="-514350">
+              <a:buFont typeface="+mj-lt"/>
+              <a:buAutoNum type="arabicPeriod"/>
+            </a:pPr>
+            <a:r>
+              <a:rPr lang="en-US" dirty="0" smtClean="0"/>
+              <a:t>Patient</a:t>
+            </a:r>
+          </a:p>
+          <a:p>
+            <a:endParaRPr lang="en-US" dirty="0"/>
+          </a:p>
+        </p:txBody>
+      </p:sp>
+    </p:spTree>
+    <p:extLst>
+      <p:ext uri="{BB962C8B-B14F-4D97-AF65-F5344CB8AC3E}">
+        <p14:creationId xmlns:p14="http://schemas.microsoft.com/office/powerpoint/2010/main" val="3795049348"/>
       </p:ext>
     </p:extLst>
   </p:cSld>
@@ -6695,41 +6751,58 @@
           <a:p>
             <a:r>
               <a:rPr lang="en-US" dirty="0" smtClean="0"/>
-              <a:t>5. Form Design</a:t>
+              <a:t>6. Java Application Development</a:t>
             </a:r>
             <a:endParaRPr lang="en-US" dirty="0"/>
           </a:p>
         </p:txBody>
       </p:sp>
-      <p:sp>
-        <p:nvSpPr>
-          <p:cNvPr id="3" name="Content Placeholder 2"/>
-          <p:cNvSpPr>
-            <a:spLocks noGrp="1"/>
-          </p:cNvSpPr>
+      <p:pic>
+        <p:nvPicPr>
+          <p:cNvPr id="4" name="Content Placeholder 3"/>
+          <p:cNvPicPr>
+            <a:picLocks noGrp="1" noChangeAspect="1"/>
+          </p:cNvPicPr>
           <p:nvPr>
             <p:ph idx="1"/>
           </p:nvPr>
-        </p:nvSpPr>
-        <p:spPr/>
-        <p:txBody>
-          <a:bodyPr/>
-          <a:lstStyle/>
-          <a:p>
-            <a:endParaRPr lang="en-US"/>
-          </a:p>
-        </p:txBody>
-      </p:sp>
+        </p:nvPicPr>
+        <p:blipFill>
+          <a:blip r:embed="rId2">
+            <a:extLst>
+              <a:ext uri="{28A0092B-C50C-407E-A947-70E740481C1C}">
+                <a14:useLocalDpi xmlns:a14="http://schemas.microsoft.com/office/drawing/2010/main" val="0"/>
+              </a:ext>
+            </a:extLst>
+          </a:blip>
+          <a:stretch>
+            <a:fillRect/>
+          </a:stretch>
+        </p:blipFill>
+        <p:spPr>
+          <a:xfrm>
+            <a:off x="1949116" y="2069433"/>
+            <a:ext cx="8590547" cy="3393766"/>
+          </a:xfrm>
+        </p:spPr>
+      </p:pic>
     </p:spTree>
     <p:extLst>
       <p:ext uri="{BB962C8B-B14F-4D97-AF65-F5344CB8AC3E}">
-        <p14:creationId xmlns:p14="http://schemas.microsoft.com/office/powerpoint/2010/main" val="3795049348"/>
+        <p14:creationId xmlns:p14="http://schemas.microsoft.com/office/powerpoint/2010/main" val="3590439644"/>
       </p:ext>
     </p:extLst>
   </p:cSld>
   <p:clrMapOvr>
     <a:masterClrMapping/>
   </p:clrMapOvr>
+  <p:timing>
+    <p:tnLst>
+      <p:par>
+        <p:cTn id="1" dur="indefinite" restart="never" nodeType="tmRoot"/>
+      </p:par>
+    </p:tnLst>
+  </p:timing>
 </p:sld>
 </file>
 
@@ -6757,51 +6830,45 @@
             <a:spLocks noGrp="1"/>
           </p:cNvSpPr>
           <p:nvPr>
-            <p:ph type="title"/>
-          </p:nvPr>
-        </p:nvSpPr>
-        <p:spPr/>
+            <p:ph type="title" idx="4294967295"/>
+          </p:nvPr>
+        </p:nvSpPr>
+        <p:spPr>
+          <a:xfrm>
+            <a:off x="0" y="2767013"/>
+            <a:ext cx="10515600" cy="1325562"/>
+          </a:xfrm>
+        </p:spPr>
         <p:txBody>
           <a:bodyPr/>
           <a:lstStyle/>
           <a:p>
+            <a:pPr algn="ctr"/>
             <a:r>
               <a:rPr lang="en-US" dirty="0" smtClean="0"/>
-              <a:t>6. Java Application Development</a:t>
+              <a:t>7. Demo Software</a:t>
             </a:r>
             <a:endParaRPr lang="en-US" dirty="0"/>
-          </a:p>
-        </p:txBody>
-      </p:sp>
-      <p:sp>
-        <p:nvSpPr>
-          <p:cNvPr id="3" name="Content Placeholder 2"/>
-          <p:cNvSpPr>
-            <a:spLocks noGrp="1"/>
-          </p:cNvSpPr>
-          <p:nvPr>
-            <p:ph idx="1"/>
-          </p:nvPr>
-        </p:nvSpPr>
-        <p:spPr/>
-        <p:txBody>
-          <a:bodyPr/>
-          <a:lstStyle/>
-          <a:p>
-            <a:endParaRPr lang="en-US"/>
           </a:p>
         </p:txBody>
       </p:sp>
     </p:spTree>
     <p:extLst>
       <p:ext uri="{BB962C8B-B14F-4D97-AF65-F5344CB8AC3E}">
-        <p14:creationId xmlns:p14="http://schemas.microsoft.com/office/powerpoint/2010/main" val="3590439644"/>
+        <p14:creationId xmlns:p14="http://schemas.microsoft.com/office/powerpoint/2010/main" val="989374158"/>
       </p:ext>
     </p:extLst>
   </p:cSld>
   <p:clrMapOvr>
     <a:masterClrMapping/>
   </p:clrMapOvr>
+  <p:timing>
+    <p:tnLst>
+      <p:par>
+        <p:cTn id="1" dur="indefinite" restart="never" nodeType="tmRoot"/>
+      </p:par>
+    </p:tnLst>
+  </p:timing>
 </p:sld>
 </file>
 

--- a/Slide/Healthcare Service.pptx
+++ b/Slide/Healthcare Service.pptx
@@ -4,12 +4,15 @@
   <p:sldMasterIdLst>
     <p:sldMasterId id="2147483678" r:id="rId1"/>
   </p:sldMasterIdLst>
+  <p:notesMasterIdLst>
+    <p:notesMasterId r:id="rId12"/>
+  </p:notesMasterIdLst>
   <p:sldIdLst>
     <p:sldId id="256" r:id="rId2"/>
     <p:sldId id="257" r:id="rId3"/>
     <p:sldId id="258" r:id="rId4"/>
-    <p:sldId id="259" r:id="rId5"/>
-    <p:sldId id="260" r:id="rId6"/>
+    <p:sldId id="260" r:id="rId5"/>
+    <p:sldId id="267" r:id="rId6"/>
     <p:sldId id="266" r:id="rId7"/>
     <p:sldId id="262" r:id="rId8"/>
     <p:sldId id="265" r:id="rId9"/>
@@ -121,6 +124,1178 @@
 </p:presentation>
 </file>
 
+<file path=ppt/notesMasters/notesMaster1.xml><?xml version="1.0" encoding="utf-8"?>
+<p:notesMaster xmlns:a="http://schemas.openxmlformats.org/drawingml/2006/main" xmlns:r="http://schemas.openxmlformats.org/officeDocument/2006/relationships" xmlns:p="http://schemas.openxmlformats.org/presentationml/2006/main">
+  <p:cSld>
+    <p:bg>
+      <p:bgRef idx="1001">
+        <a:schemeClr val="bg1"/>
+      </p:bgRef>
+    </p:bg>
+    <p:spTree>
+      <p:nvGrpSpPr>
+        <p:cNvPr id="1" name=""/>
+        <p:cNvGrpSpPr/>
+        <p:nvPr/>
+      </p:nvGrpSpPr>
+      <p:grpSpPr>
+        <a:xfrm>
+          <a:off x="0" y="0"/>
+          <a:ext cx="0" cy="0"/>
+          <a:chOff x="0" y="0"/>
+          <a:chExt cx="0" cy="0"/>
+        </a:xfrm>
+      </p:grpSpPr>
+      <p:sp>
+        <p:nvSpPr>
+          <p:cNvPr id="2" name="Header Placeholder 1"/>
+          <p:cNvSpPr>
+            <a:spLocks noGrp="1"/>
+          </p:cNvSpPr>
+          <p:nvPr>
+            <p:ph type="hdr" sz="quarter"/>
+          </p:nvPr>
+        </p:nvSpPr>
+        <p:spPr>
+          <a:xfrm>
+            <a:off x="0" y="0"/>
+            <a:ext cx="2971800" cy="458788"/>
+          </a:xfrm>
+          <a:prstGeom prst="rect">
+            <a:avLst/>
+          </a:prstGeom>
+        </p:spPr>
+        <p:txBody>
+          <a:bodyPr vert="horz" lIns="91440" tIns="45720" rIns="91440" bIns="45720" rtlCol="0"/>
+          <a:lstStyle>
+            <a:lvl1pPr algn="l">
+              <a:defRPr sz="1200"/>
+            </a:lvl1pPr>
+          </a:lstStyle>
+          <a:p>
+            <a:endParaRPr lang="en-US"/>
+          </a:p>
+        </p:txBody>
+      </p:sp>
+      <p:sp>
+        <p:nvSpPr>
+          <p:cNvPr id="3" name="Date Placeholder 2"/>
+          <p:cNvSpPr>
+            <a:spLocks noGrp="1"/>
+          </p:cNvSpPr>
+          <p:nvPr>
+            <p:ph type="dt" idx="1"/>
+          </p:nvPr>
+        </p:nvSpPr>
+        <p:spPr>
+          <a:xfrm>
+            <a:off x="3884613" y="0"/>
+            <a:ext cx="2971800" cy="458788"/>
+          </a:xfrm>
+          <a:prstGeom prst="rect">
+            <a:avLst/>
+          </a:prstGeom>
+        </p:spPr>
+        <p:txBody>
+          <a:bodyPr vert="horz" lIns="91440" tIns="45720" rIns="91440" bIns="45720" rtlCol="0"/>
+          <a:lstStyle>
+            <a:lvl1pPr algn="r">
+              <a:defRPr sz="1200"/>
+            </a:lvl1pPr>
+          </a:lstStyle>
+          <a:p>
+            <a:fld id="{B91A1932-D19C-41CF-A399-33952B5FFD01}" type="datetimeFigureOut">
+              <a:rPr lang="en-US" smtClean="0"/>
+              <a:t>4/24/2018</a:t>
+            </a:fld>
+            <a:endParaRPr lang="en-US"/>
+          </a:p>
+        </p:txBody>
+      </p:sp>
+      <p:sp>
+        <p:nvSpPr>
+          <p:cNvPr id="4" name="Slide Image Placeholder 3"/>
+          <p:cNvSpPr>
+            <a:spLocks noGrp="1" noRot="1" noChangeAspect="1"/>
+          </p:cNvSpPr>
+          <p:nvPr>
+            <p:ph type="sldImg" idx="2"/>
+          </p:nvPr>
+        </p:nvSpPr>
+        <p:spPr>
+          <a:xfrm>
+            <a:off x="685800" y="1143000"/>
+            <a:ext cx="5486400" cy="3086100"/>
+          </a:xfrm>
+          <a:prstGeom prst="rect">
+            <a:avLst/>
+          </a:prstGeom>
+          <a:noFill/>
+          <a:ln w="12700">
+            <a:solidFill>
+              <a:prstClr val="black"/>
+            </a:solidFill>
+          </a:ln>
+        </p:spPr>
+        <p:txBody>
+          <a:bodyPr vert="horz" lIns="91440" tIns="45720" rIns="91440" bIns="45720" rtlCol="0" anchor="ctr"/>
+          <a:lstStyle/>
+          <a:p>
+            <a:endParaRPr lang="en-US"/>
+          </a:p>
+        </p:txBody>
+      </p:sp>
+      <p:sp>
+        <p:nvSpPr>
+          <p:cNvPr id="5" name="Notes Placeholder 4"/>
+          <p:cNvSpPr>
+            <a:spLocks noGrp="1"/>
+          </p:cNvSpPr>
+          <p:nvPr>
+            <p:ph type="body" sz="quarter" idx="3"/>
+          </p:nvPr>
+        </p:nvSpPr>
+        <p:spPr>
+          <a:xfrm>
+            <a:off x="685800" y="4400550"/>
+            <a:ext cx="5486400" cy="3600450"/>
+          </a:xfrm>
+          <a:prstGeom prst="rect">
+            <a:avLst/>
+          </a:prstGeom>
+        </p:spPr>
+        <p:txBody>
+          <a:bodyPr vert="horz" lIns="91440" tIns="45720" rIns="91440" bIns="45720" rtlCol="0"/>
+          <a:lstStyle/>
+          <a:p>
+            <a:pPr lvl="0"/>
+            <a:r>
+              <a:rPr lang="en-US" smtClean="0"/>
+              <a:t>Click to edit Master text styles</a:t>
+            </a:r>
+          </a:p>
+          <a:p>
+            <a:pPr lvl="1"/>
+            <a:r>
+              <a:rPr lang="en-US" smtClean="0"/>
+              <a:t>Second level</a:t>
+            </a:r>
+          </a:p>
+          <a:p>
+            <a:pPr lvl="2"/>
+            <a:r>
+              <a:rPr lang="en-US" smtClean="0"/>
+              <a:t>Third level</a:t>
+            </a:r>
+          </a:p>
+          <a:p>
+            <a:pPr lvl="3"/>
+            <a:r>
+              <a:rPr lang="en-US" smtClean="0"/>
+              <a:t>Fourth level</a:t>
+            </a:r>
+          </a:p>
+          <a:p>
+            <a:pPr lvl="4"/>
+            <a:r>
+              <a:rPr lang="en-US" smtClean="0"/>
+              <a:t>Fifth level</a:t>
+            </a:r>
+            <a:endParaRPr lang="en-US"/>
+          </a:p>
+        </p:txBody>
+      </p:sp>
+      <p:sp>
+        <p:nvSpPr>
+          <p:cNvPr id="6" name="Footer Placeholder 5"/>
+          <p:cNvSpPr>
+            <a:spLocks noGrp="1"/>
+          </p:cNvSpPr>
+          <p:nvPr>
+            <p:ph type="ftr" sz="quarter" idx="4"/>
+          </p:nvPr>
+        </p:nvSpPr>
+        <p:spPr>
+          <a:xfrm>
+            <a:off x="0" y="8685213"/>
+            <a:ext cx="2971800" cy="458787"/>
+          </a:xfrm>
+          <a:prstGeom prst="rect">
+            <a:avLst/>
+          </a:prstGeom>
+        </p:spPr>
+        <p:txBody>
+          <a:bodyPr vert="horz" lIns="91440" tIns="45720" rIns="91440" bIns="45720" rtlCol="0" anchor="b"/>
+          <a:lstStyle>
+            <a:lvl1pPr algn="l">
+              <a:defRPr sz="1200"/>
+            </a:lvl1pPr>
+          </a:lstStyle>
+          <a:p>
+            <a:endParaRPr lang="en-US"/>
+          </a:p>
+        </p:txBody>
+      </p:sp>
+      <p:sp>
+        <p:nvSpPr>
+          <p:cNvPr id="7" name="Slide Number Placeholder 6"/>
+          <p:cNvSpPr>
+            <a:spLocks noGrp="1"/>
+          </p:cNvSpPr>
+          <p:nvPr>
+            <p:ph type="sldNum" sz="quarter" idx="5"/>
+          </p:nvPr>
+        </p:nvSpPr>
+        <p:spPr>
+          <a:xfrm>
+            <a:off x="3884613" y="8685213"/>
+            <a:ext cx="2971800" cy="458787"/>
+          </a:xfrm>
+          <a:prstGeom prst="rect">
+            <a:avLst/>
+          </a:prstGeom>
+        </p:spPr>
+        <p:txBody>
+          <a:bodyPr vert="horz" lIns="91440" tIns="45720" rIns="91440" bIns="45720" rtlCol="0" anchor="b"/>
+          <a:lstStyle>
+            <a:lvl1pPr algn="r">
+              <a:defRPr sz="1200"/>
+            </a:lvl1pPr>
+          </a:lstStyle>
+          <a:p>
+            <a:fld id="{62D51877-00F8-4A38-8BEE-C04F4624D251}" type="slidenum">
+              <a:rPr lang="en-US" smtClean="0"/>
+              <a:t>‹#›</a:t>
+            </a:fld>
+            <a:endParaRPr lang="en-US"/>
+          </a:p>
+        </p:txBody>
+      </p:sp>
+    </p:spTree>
+    <p:extLst>
+      <p:ext uri="{BB962C8B-B14F-4D97-AF65-F5344CB8AC3E}">
+        <p14:creationId xmlns:p14="http://schemas.microsoft.com/office/powerpoint/2010/main" val="110199347"/>
+      </p:ext>
+    </p:extLst>
+  </p:cSld>
+  <p:clrMap bg1="lt1" tx1="dk1" bg2="lt2" tx2="dk2" accent1="accent1" accent2="accent2" accent3="accent3" accent4="accent4" accent5="accent5" accent6="accent6" hlink="hlink" folHlink="folHlink"/>
+  <p:notesStyle>
+    <a:lvl1pPr marL="0" algn="l" defTabSz="914400" rtl="0" eaLnBrk="1" latinLnBrk="0" hangingPunct="1">
+      <a:defRPr sz="1200" kern="1200">
+        <a:solidFill>
+          <a:schemeClr val="tx1"/>
+        </a:solidFill>
+        <a:latin typeface="+mn-lt"/>
+        <a:ea typeface="+mn-ea"/>
+        <a:cs typeface="+mn-cs"/>
+      </a:defRPr>
+    </a:lvl1pPr>
+    <a:lvl2pPr marL="457200" algn="l" defTabSz="914400" rtl="0" eaLnBrk="1" latinLnBrk="0" hangingPunct="1">
+      <a:defRPr sz="1200" kern="1200">
+        <a:solidFill>
+          <a:schemeClr val="tx1"/>
+        </a:solidFill>
+        <a:latin typeface="+mn-lt"/>
+        <a:ea typeface="+mn-ea"/>
+        <a:cs typeface="+mn-cs"/>
+      </a:defRPr>
+    </a:lvl2pPr>
+    <a:lvl3pPr marL="914400" algn="l" defTabSz="914400" rtl="0" eaLnBrk="1" latinLnBrk="0" hangingPunct="1">
+      <a:defRPr sz="1200" kern="1200">
+        <a:solidFill>
+          <a:schemeClr val="tx1"/>
+        </a:solidFill>
+        <a:latin typeface="+mn-lt"/>
+        <a:ea typeface="+mn-ea"/>
+        <a:cs typeface="+mn-cs"/>
+      </a:defRPr>
+    </a:lvl3pPr>
+    <a:lvl4pPr marL="1371600" algn="l" defTabSz="914400" rtl="0" eaLnBrk="1" latinLnBrk="0" hangingPunct="1">
+      <a:defRPr sz="1200" kern="1200">
+        <a:solidFill>
+          <a:schemeClr val="tx1"/>
+        </a:solidFill>
+        <a:latin typeface="+mn-lt"/>
+        <a:ea typeface="+mn-ea"/>
+        <a:cs typeface="+mn-cs"/>
+      </a:defRPr>
+    </a:lvl4pPr>
+    <a:lvl5pPr marL="1828800" algn="l" defTabSz="914400" rtl="0" eaLnBrk="1" latinLnBrk="0" hangingPunct="1">
+      <a:defRPr sz="1200" kern="1200">
+        <a:solidFill>
+          <a:schemeClr val="tx1"/>
+        </a:solidFill>
+        <a:latin typeface="+mn-lt"/>
+        <a:ea typeface="+mn-ea"/>
+        <a:cs typeface="+mn-cs"/>
+      </a:defRPr>
+    </a:lvl5pPr>
+    <a:lvl6pPr marL="2286000" algn="l" defTabSz="914400" rtl="0" eaLnBrk="1" latinLnBrk="0" hangingPunct="1">
+      <a:defRPr sz="1200" kern="1200">
+        <a:solidFill>
+          <a:schemeClr val="tx1"/>
+        </a:solidFill>
+        <a:latin typeface="+mn-lt"/>
+        <a:ea typeface="+mn-ea"/>
+        <a:cs typeface="+mn-cs"/>
+      </a:defRPr>
+    </a:lvl6pPr>
+    <a:lvl7pPr marL="2743200" algn="l" defTabSz="914400" rtl="0" eaLnBrk="1" latinLnBrk="0" hangingPunct="1">
+      <a:defRPr sz="1200" kern="1200">
+        <a:solidFill>
+          <a:schemeClr val="tx1"/>
+        </a:solidFill>
+        <a:latin typeface="+mn-lt"/>
+        <a:ea typeface="+mn-ea"/>
+        <a:cs typeface="+mn-cs"/>
+      </a:defRPr>
+    </a:lvl7pPr>
+    <a:lvl8pPr marL="3200400" algn="l" defTabSz="914400" rtl="0" eaLnBrk="1" latinLnBrk="0" hangingPunct="1">
+      <a:defRPr sz="1200" kern="1200">
+        <a:solidFill>
+          <a:schemeClr val="tx1"/>
+        </a:solidFill>
+        <a:latin typeface="+mn-lt"/>
+        <a:ea typeface="+mn-ea"/>
+        <a:cs typeface="+mn-cs"/>
+      </a:defRPr>
+    </a:lvl8pPr>
+    <a:lvl9pPr marL="3657600" algn="l" defTabSz="914400" rtl="0" eaLnBrk="1" latinLnBrk="0" hangingPunct="1">
+      <a:defRPr sz="1200" kern="1200">
+        <a:solidFill>
+          <a:schemeClr val="tx1"/>
+        </a:solidFill>
+        <a:latin typeface="+mn-lt"/>
+        <a:ea typeface="+mn-ea"/>
+        <a:cs typeface="+mn-cs"/>
+      </a:defRPr>
+    </a:lvl9pPr>
+  </p:notesStyle>
+</p:notesMaster>
+</file>
+
+<file path=ppt/notesSlides/notesSlide1.xml><?xml version="1.0" encoding="utf-8"?>
+<p:notes xmlns:a="http://schemas.openxmlformats.org/drawingml/2006/main" xmlns:r="http://schemas.openxmlformats.org/officeDocument/2006/relationships" xmlns:p="http://schemas.openxmlformats.org/presentationml/2006/main">
+  <p:cSld>
+    <p:spTree>
+      <p:nvGrpSpPr>
+        <p:cNvPr id="1" name=""/>
+        <p:cNvGrpSpPr/>
+        <p:nvPr/>
+      </p:nvGrpSpPr>
+      <p:grpSpPr>
+        <a:xfrm>
+          <a:off x="0" y="0"/>
+          <a:ext cx="0" cy="0"/>
+          <a:chOff x="0" y="0"/>
+          <a:chExt cx="0" cy="0"/>
+        </a:xfrm>
+      </p:grpSpPr>
+      <p:sp>
+        <p:nvSpPr>
+          <p:cNvPr id="2" name="Slide Image Placeholder 1"/>
+          <p:cNvSpPr>
+            <a:spLocks noGrp="1" noRot="1" noChangeAspect="1"/>
+          </p:cNvSpPr>
+          <p:nvPr>
+            <p:ph type="sldImg"/>
+          </p:nvPr>
+        </p:nvSpPr>
+        <p:spPr/>
+      </p:sp>
+      <p:sp>
+        <p:nvSpPr>
+          <p:cNvPr id="3" name="Notes Placeholder 2"/>
+          <p:cNvSpPr>
+            <a:spLocks noGrp="1"/>
+          </p:cNvSpPr>
+          <p:nvPr>
+            <p:ph type="body" idx="1"/>
+          </p:nvPr>
+        </p:nvSpPr>
+        <p:spPr/>
+        <p:txBody>
+          <a:bodyPr/>
+          <a:lstStyle/>
+          <a:p>
+            <a:r>
+              <a:rPr lang="en-US" dirty="0" smtClean="0"/>
+              <a:t>All</a:t>
+            </a:r>
+          </a:p>
+          <a:p>
+            <a:endParaRPr lang="en-US" dirty="0"/>
+          </a:p>
+        </p:txBody>
+      </p:sp>
+      <p:sp>
+        <p:nvSpPr>
+          <p:cNvPr id="4" name="Slide Number Placeholder 3"/>
+          <p:cNvSpPr>
+            <a:spLocks noGrp="1"/>
+          </p:cNvSpPr>
+          <p:nvPr>
+            <p:ph type="sldNum" sz="quarter" idx="10"/>
+          </p:nvPr>
+        </p:nvSpPr>
+        <p:spPr/>
+        <p:txBody>
+          <a:bodyPr/>
+          <a:lstStyle/>
+          <a:p>
+            <a:fld id="{62D51877-00F8-4A38-8BEE-C04F4624D251}" type="slidenum">
+              <a:rPr lang="en-US" smtClean="0"/>
+              <a:t>1</a:t>
+            </a:fld>
+            <a:endParaRPr lang="en-US"/>
+          </a:p>
+        </p:txBody>
+      </p:sp>
+    </p:spTree>
+    <p:extLst>
+      <p:ext uri="{BB962C8B-B14F-4D97-AF65-F5344CB8AC3E}">
+        <p14:creationId xmlns:p14="http://schemas.microsoft.com/office/powerpoint/2010/main" val="1330202783"/>
+      </p:ext>
+    </p:extLst>
+  </p:cSld>
+  <p:clrMapOvr>
+    <a:masterClrMapping/>
+  </p:clrMapOvr>
+</p:notes>
+</file>
+
+<file path=ppt/notesSlides/notesSlide2.xml><?xml version="1.0" encoding="utf-8"?>
+<p:notes xmlns:a="http://schemas.openxmlformats.org/drawingml/2006/main" xmlns:r="http://schemas.openxmlformats.org/officeDocument/2006/relationships" xmlns:p="http://schemas.openxmlformats.org/presentationml/2006/main">
+  <p:cSld>
+    <p:spTree>
+      <p:nvGrpSpPr>
+        <p:cNvPr id="1" name=""/>
+        <p:cNvGrpSpPr/>
+        <p:nvPr/>
+      </p:nvGrpSpPr>
+      <p:grpSpPr>
+        <a:xfrm>
+          <a:off x="0" y="0"/>
+          <a:ext cx="0" cy="0"/>
+          <a:chOff x="0" y="0"/>
+          <a:chExt cx="0" cy="0"/>
+        </a:xfrm>
+      </p:grpSpPr>
+      <p:sp>
+        <p:nvSpPr>
+          <p:cNvPr id="2" name="Slide Image Placeholder 1"/>
+          <p:cNvSpPr>
+            <a:spLocks noGrp="1" noRot="1" noChangeAspect="1"/>
+          </p:cNvSpPr>
+          <p:nvPr>
+            <p:ph type="sldImg"/>
+          </p:nvPr>
+        </p:nvSpPr>
+        <p:spPr/>
+      </p:sp>
+      <p:sp>
+        <p:nvSpPr>
+          <p:cNvPr id="3" name="Notes Placeholder 2"/>
+          <p:cNvSpPr>
+            <a:spLocks noGrp="1"/>
+          </p:cNvSpPr>
+          <p:nvPr>
+            <p:ph type="body" idx="1"/>
+          </p:nvPr>
+        </p:nvSpPr>
+        <p:spPr/>
+        <p:txBody>
+          <a:bodyPr/>
+          <a:lstStyle/>
+          <a:p>
+            <a:r>
+              <a:rPr lang="en-US" dirty="0" err="1" smtClean="0"/>
+              <a:t>Bunan</a:t>
+            </a:r>
+            <a:endParaRPr lang="en-US" dirty="0"/>
+          </a:p>
+        </p:txBody>
+      </p:sp>
+      <p:sp>
+        <p:nvSpPr>
+          <p:cNvPr id="4" name="Slide Number Placeholder 3"/>
+          <p:cNvSpPr>
+            <a:spLocks noGrp="1"/>
+          </p:cNvSpPr>
+          <p:nvPr>
+            <p:ph type="sldNum" sz="quarter" idx="10"/>
+          </p:nvPr>
+        </p:nvSpPr>
+        <p:spPr/>
+        <p:txBody>
+          <a:bodyPr/>
+          <a:lstStyle/>
+          <a:p>
+            <a:fld id="{62D51877-00F8-4A38-8BEE-C04F4624D251}" type="slidenum">
+              <a:rPr lang="en-US" smtClean="0"/>
+              <a:t>2</a:t>
+            </a:fld>
+            <a:endParaRPr lang="en-US"/>
+          </a:p>
+        </p:txBody>
+      </p:sp>
+    </p:spTree>
+    <p:extLst>
+      <p:ext uri="{BB962C8B-B14F-4D97-AF65-F5344CB8AC3E}">
+        <p14:creationId xmlns:p14="http://schemas.microsoft.com/office/powerpoint/2010/main" val="3366945225"/>
+      </p:ext>
+    </p:extLst>
+  </p:cSld>
+  <p:clrMapOvr>
+    <a:masterClrMapping/>
+  </p:clrMapOvr>
+</p:notes>
+</file>
+
+<file path=ppt/notesSlides/notesSlide3.xml><?xml version="1.0" encoding="utf-8"?>
+<p:notes xmlns:a="http://schemas.openxmlformats.org/drawingml/2006/main" xmlns:r="http://schemas.openxmlformats.org/officeDocument/2006/relationships" xmlns:p="http://schemas.openxmlformats.org/presentationml/2006/main">
+  <p:cSld>
+    <p:spTree>
+      <p:nvGrpSpPr>
+        <p:cNvPr id="1" name=""/>
+        <p:cNvGrpSpPr/>
+        <p:nvPr/>
+      </p:nvGrpSpPr>
+      <p:grpSpPr>
+        <a:xfrm>
+          <a:off x="0" y="0"/>
+          <a:ext cx="0" cy="0"/>
+          <a:chOff x="0" y="0"/>
+          <a:chExt cx="0" cy="0"/>
+        </a:xfrm>
+      </p:grpSpPr>
+      <p:sp>
+        <p:nvSpPr>
+          <p:cNvPr id="2" name="Slide Image Placeholder 1"/>
+          <p:cNvSpPr>
+            <a:spLocks noGrp="1" noRot="1" noChangeAspect="1"/>
+          </p:cNvSpPr>
+          <p:nvPr>
+            <p:ph type="sldImg"/>
+          </p:nvPr>
+        </p:nvSpPr>
+        <p:spPr/>
+      </p:sp>
+      <p:sp>
+        <p:nvSpPr>
+          <p:cNvPr id="3" name="Notes Placeholder 2"/>
+          <p:cNvSpPr>
+            <a:spLocks noGrp="1"/>
+          </p:cNvSpPr>
+          <p:nvPr>
+            <p:ph type="body" idx="1"/>
+          </p:nvPr>
+        </p:nvSpPr>
+        <p:spPr/>
+        <p:txBody>
+          <a:bodyPr/>
+          <a:lstStyle/>
+          <a:p>
+            <a:r>
+              <a:rPr lang="en-US" dirty="0" err="1" smtClean="0"/>
+              <a:t>Bunan</a:t>
+            </a:r>
+            <a:endParaRPr lang="en-US" dirty="0"/>
+          </a:p>
+        </p:txBody>
+      </p:sp>
+      <p:sp>
+        <p:nvSpPr>
+          <p:cNvPr id="4" name="Slide Number Placeholder 3"/>
+          <p:cNvSpPr>
+            <a:spLocks noGrp="1"/>
+          </p:cNvSpPr>
+          <p:nvPr>
+            <p:ph type="sldNum" sz="quarter" idx="10"/>
+          </p:nvPr>
+        </p:nvSpPr>
+        <p:spPr/>
+        <p:txBody>
+          <a:bodyPr/>
+          <a:lstStyle/>
+          <a:p>
+            <a:fld id="{62D51877-00F8-4A38-8BEE-C04F4624D251}" type="slidenum">
+              <a:rPr lang="en-US" smtClean="0"/>
+              <a:t>3</a:t>
+            </a:fld>
+            <a:endParaRPr lang="en-US"/>
+          </a:p>
+        </p:txBody>
+      </p:sp>
+    </p:spTree>
+    <p:extLst>
+      <p:ext uri="{BB962C8B-B14F-4D97-AF65-F5344CB8AC3E}">
+        <p14:creationId xmlns:p14="http://schemas.microsoft.com/office/powerpoint/2010/main" val="888101877"/>
+      </p:ext>
+    </p:extLst>
+  </p:cSld>
+  <p:clrMapOvr>
+    <a:masterClrMapping/>
+  </p:clrMapOvr>
+</p:notes>
+</file>
+
+<file path=ppt/notesSlides/notesSlide4.xml><?xml version="1.0" encoding="utf-8"?>
+<p:notes xmlns:a="http://schemas.openxmlformats.org/drawingml/2006/main" xmlns:r="http://schemas.openxmlformats.org/officeDocument/2006/relationships" xmlns:p="http://schemas.openxmlformats.org/presentationml/2006/main">
+  <p:cSld>
+    <p:spTree>
+      <p:nvGrpSpPr>
+        <p:cNvPr id="1" name=""/>
+        <p:cNvGrpSpPr/>
+        <p:nvPr/>
+      </p:nvGrpSpPr>
+      <p:grpSpPr>
+        <a:xfrm>
+          <a:off x="0" y="0"/>
+          <a:ext cx="0" cy="0"/>
+          <a:chOff x="0" y="0"/>
+          <a:chExt cx="0" cy="0"/>
+        </a:xfrm>
+      </p:grpSpPr>
+      <p:sp>
+        <p:nvSpPr>
+          <p:cNvPr id="2" name="Slide Image Placeholder 1"/>
+          <p:cNvSpPr>
+            <a:spLocks noGrp="1" noRot="1" noChangeAspect="1"/>
+          </p:cNvSpPr>
+          <p:nvPr>
+            <p:ph type="sldImg"/>
+          </p:nvPr>
+        </p:nvSpPr>
+        <p:spPr/>
+      </p:sp>
+      <p:sp>
+        <p:nvSpPr>
+          <p:cNvPr id="3" name="Notes Placeholder 2"/>
+          <p:cNvSpPr>
+            <a:spLocks noGrp="1"/>
+          </p:cNvSpPr>
+          <p:nvPr>
+            <p:ph type="body" idx="1"/>
+          </p:nvPr>
+        </p:nvSpPr>
+        <p:spPr/>
+        <p:txBody>
+          <a:bodyPr/>
+          <a:lstStyle/>
+          <a:p>
+            <a:r>
+              <a:rPr lang="en-US" dirty="0" err="1" smtClean="0"/>
+              <a:t>Bunan</a:t>
+            </a:r>
+            <a:endParaRPr lang="en-US" dirty="0"/>
+          </a:p>
+        </p:txBody>
+      </p:sp>
+      <p:sp>
+        <p:nvSpPr>
+          <p:cNvPr id="4" name="Slide Number Placeholder 3"/>
+          <p:cNvSpPr>
+            <a:spLocks noGrp="1"/>
+          </p:cNvSpPr>
+          <p:nvPr>
+            <p:ph type="sldNum" sz="quarter" idx="10"/>
+          </p:nvPr>
+        </p:nvSpPr>
+        <p:spPr/>
+        <p:txBody>
+          <a:bodyPr/>
+          <a:lstStyle/>
+          <a:p>
+            <a:fld id="{62D51877-00F8-4A38-8BEE-C04F4624D251}" type="slidenum">
+              <a:rPr lang="en-US" smtClean="0"/>
+              <a:t>4</a:t>
+            </a:fld>
+            <a:endParaRPr lang="en-US"/>
+          </a:p>
+        </p:txBody>
+      </p:sp>
+    </p:spTree>
+    <p:extLst>
+      <p:ext uri="{BB962C8B-B14F-4D97-AF65-F5344CB8AC3E}">
+        <p14:creationId xmlns:p14="http://schemas.microsoft.com/office/powerpoint/2010/main" val="2434793699"/>
+      </p:ext>
+    </p:extLst>
+  </p:cSld>
+  <p:clrMapOvr>
+    <a:masterClrMapping/>
+  </p:clrMapOvr>
+</p:notes>
+</file>
+
+<file path=ppt/notesSlides/notesSlide5.xml><?xml version="1.0" encoding="utf-8"?>
+<p:notes xmlns:a="http://schemas.openxmlformats.org/drawingml/2006/main" xmlns:r="http://schemas.openxmlformats.org/officeDocument/2006/relationships" xmlns:p="http://schemas.openxmlformats.org/presentationml/2006/main">
+  <p:cSld>
+    <p:spTree>
+      <p:nvGrpSpPr>
+        <p:cNvPr id="1" name=""/>
+        <p:cNvGrpSpPr/>
+        <p:nvPr/>
+      </p:nvGrpSpPr>
+      <p:grpSpPr>
+        <a:xfrm>
+          <a:off x="0" y="0"/>
+          <a:ext cx="0" cy="0"/>
+          <a:chOff x="0" y="0"/>
+          <a:chExt cx="0" cy="0"/>
+        </a:xfrm>
+      </p:grpSpPr>
+      <p:sp>
+        <p:nvSpPr>
+          <p:cNvPr id="2" name="Slide Image Placeholder 1"/>
+          <p:cNvSpPr>
+            <a:spLocks noGrp="1" noRot="1" noChangeAspect="1"/>
+          </p:cNvSpPr>
+          <p:nvPr>
+            <p:ph type="sldImg"/>
+          </p:nvPr>
+        </p:nvSpPr>
+        <p:spPr/>
+      </p:sp>
+      <p:sp>
+        <p:nvSpPr>
+          <p:cNvPr id="3" name="Notes Placeholder 2"/>
+          <p:cNvSpPr>
+            <a:spLocks noGrp="1"/>
+          </p:cNvSpPr>
+          <p:nvPr>
+            <p:ph type="body" idx="1"/>
+          </p:nvPr>
+        </p:nvSpPr>
+        <p:spPr/>
+        <p:txBody>
+          <a:bodyPr/>
+          <a:lstStyle/>
+          <a:p>
+            <a:r>
+              <a:rPr lang="en-US" dirty="0" err="1" smtClean="0"/>
+              <a:t>Mazor</a:t>
+            </a:r>
+            <a:endParaRPr lang="en-US" dirty="0"/>
+          </a:p>
+        </p:txBody>
+      </p:sp>
+      <p:sp>
+        <p:nvSpPr>
+          <p:cNvPr id="4" name="Slide Number Placeholder 3"/>
+          <p:cNvSpPr>
+            <a:spLocks noGrp="1"/>
+          </p:cNvSpPr>
+          <p:nvPr>
+            <p:ph type="sldNum" sz="quarter" idx="10"/>
+          </p:nvPr>
+        </p:nvSpPr>
+        <p:spPr/>
+        <p:txBody>
+          <a:bodyPr/>
+          <a:lstStyle/>
+          <a:p>
+            <a:fld id="{62D51877-00F8-4A38-8BEE-C04F4624D251}" type="slidenum">
+              <a:rPr lang="en-US" smtClean="0"/>
+              <a:t>5</a:t>
+            </a:fld>
+            <a:endParaRPr lang="en-US"/>
+          </a:p>
+        </p:txBody>
+      </p:sp>
+    </p:spTree>
+    <p:extLst>
+      <p:ext uri="{BB962C8B-B14F-4D97-AF65-F5344CB8AC3E}">
+        <p14:creationId xmlns:p14="http://schemas.microsoft.com/office/powerpoint/2010/main" val="4249458144"/>
+      </p:ext>
+    </p:extLst>
+  </p:cSld>
+  <p:clrMapOvr>
+    <a:masterClrMapping/>
+  </p:clrMapOvr>
+</p:notes>
+</file>
+
+<file path=ppt/notesSlides/notesSlide6.xml><?xml version="1.0" encoding="utf-8"?>
+<p:notes xmlns:a="http://schemas.openxmlformats.org/drawingml/2006/main" xmlns:r="http://schemas.openxmlformats.org/officeDocument/2006/relationships" xmlns:p="http://schemas.openxmlformats.org/presentationml/2006/main">
+  <p:cSld>
+    <p:spTree>
+      <p:nvGrpSpPr>
+        <p:cNvPr id="1" name=""/>
+        <p:cNvGrpSpPr/>
+        <p:nvPr/>
+      </p:nvGrpSpPr>
+      <p:grpSpPr>
+        <a:xfrm>
+          <a:off x="0" y="0"/>
+          <a:ext cx="0" cy="0"/>
+          <a:chOff x="0" y="0"/>
+          <a:chExt cx="0" cy="0"/>
+        </a:xfrm>
+      </p:grpSpPr>
+      <p:sp>
+        <p:nvSpPr>
+          <p:cNvPr id="2" name="Slide Image Placeholder 1"/>
+          <p:cNvSpPr>
+            <a:spLocks noGrp="1" noRot="1" noChangeAspect="1"/>
+          </p:cNvSpPr>
+          <p:nvPr>
+            <p:ph type="sldImg"/>
+          </p:nvPr>
+        </p:nvSpPr>
+        <p:spPr/>
+      </p:sp>
+      <p:sp>
+        <p:nvSpPr>
+          <p:cNvPr id="3" name="Notes Placeholder 2"/>
+          <p:cNvSpPr>
+            <a:spLocks noGrp="1"/>
+          </p:cNvSpPr>
+          <p:nvPr>
+            <p:ph type="body" idx="1"/>
+          </p:nvPr>
+        </p:nvSpPr>
+        <p:spPr/>
+        <p:txBody>
+          <a:bodyPr/>
+          <a:lstStyle/>
+          <a:p>
+            <a:r>
+              <a:rPr lang="en-US" dirty="0" err="1" smtClean="0"/>
+              <a:t>Banly</a:t>
+            </a:r>
+            <a:endParaRPr lang="en-US" dirty="0"/>
+          </a:p>
+        </p:txBody>
+      </p:sp>
+      <p:sp>
+        <p:nvSpPr>
+          <p:cNvPr id="4" name="Slide Number Placeholder 3"/>
+          <p:cNvSpPr>
+            <a:spLocks noGrp="1"/>
+          </p:cNvSpPr>
+          <p:nvPr>
+            <p:ph type="sldNum" sz="quarter" idx="10"/>
+          </p:nvPr>
+        </p:nvSpPr>
+        <p:spPr/>
+        <p:txBody>
+          <a:bodyPr/>
+          <a:lstStyle/>
+          <a:p>
+            <a:fld id="{62D51877-00F8-4A38-8BEE-C04F4624D251}" type="slidenum">
+              <a:rPr lang="en-US" smtClean="0"/>
+              <a:t>6</a:t>
+            </a:fld>
+            <a:endParaRPr lang="en-US"/>
+          </a:p>
+        </p:txBody>
+      </p:sp>
+    </p:spTree>
+    <p:extLst>
+      <p:ext uri="{BB962C8B-B14F-4D97-AF65-F5344CB8AC3E}">
+        <p14:creationId xmlns:p14="http://schemas.microsoft.com/office/powerpoint/2010/main" val="2481040790"/>
+      </p:ext>
+    </p:extLst>
+  </p:cSld>
+  <p:clrMapOvr>
+    <a:masterClrMapping/>
+  </p:clrMapOvr>
+</p:notes>
+</file>
+
+<file path=ppt/notesSlides/notesSlide7.xml><?xml version="1.0" encoding="utf-8"?>
+<p:notes xmlns:a="http://schemas.openxmlformats.org/drawingml/2006/main" xmlns:r="http://schemas.openxmlformats.org/officeDocument/2006/relationships" xmlns:p="http://schemas.openxmlformats.org/presentationml/2006/main">
+  <p:cSld>
+    <p:spTree>
+      <p:nvGrpSpPr>
+        <p:cNvPr id="1" name=""/>
+        <p:cNvGrpSpPr/>
+        <p:nvPr/>
+      </p:nvGrpSpPr>
+      <p:grpSpPr>
+        <a:xfrm>
+          <a:off x="0" y="0"/>
+          <a:ext cx="0" cy="0"/>
+          <a:chOff x="0" y="0"/>
+          <a:chExt cx="0" cy="0"/>
+        </a:xfrm>
+      </p:grpSpPr>
+      <p:sp>
+        <p:nvSpPr>
+          <p:cNvPr id="2" name="Slide Image Placeholder 1"/>
+          <p:cNvSpPr>
+            <a:spLocks noGrp="1" noRot="1" noChangeAspect="1"/>
+          </p:cNvSpPr>
+          <p:nvPr>
+            <p:ph type="sldImg"/>
+          </p:nvPr>
+        </p:nvSpPr>
+        <p:spPr/>
+      </p:sp>
+      <p:sp>
+        <p:nvSpPr>
+          <p:cNvPr id="3" name="Notes Placeholder 2"/>
+          <p:cNvSpPr>
+            <a:spLocks noGrp="1"/>
+          </p:cNvSpPr>
+          <p:nvPr>
+            <p:ph type="body" idx="1"/>
+          </p:nvPr>
+        </p:nvSpPr>
+        <p:spPr/>
+        <p:txBody>
+          <a:bodyPr/>
+          <a:lstStyle/>
+          <a:p>
+            <a:r>
+              <a:rPr lang="en-US" dirty="0" err="1" smtClean="0"/>
+              <a:t>Chetra</a:t>
+            </a:r>
+            <a:endParaRPr lang="en-US" dirty="0"/>
+          </a:p>
+        </p:txBody>
+      </p:sp>
+      <p:sp>
+        <p:nvSpPr>
+          <p:cNvPr id="4" name="Slide Number Placeholder 3"/>
+          <p:cNvSpPr>
+            <a:spLocks noGrp="1"/>
+          </p:cNvSpPr>
+          <p:nvPr>
+            <p:ph type="sldNum" sz="quarter" idx="10"/>
+          </p:nvPr>
+        </p:nvSpPr>
+        <p:spPr/>
+        <p:txBody>
+          <a:bodyPr/>
+          <a:lstStyle/>
+          <a:p>
+            <a:fld id="{62D51877-00F8-4A38-8BEE-C04F4624D251}" type="slidenum">
+              <a:rPr lang="en-US" smtClean="0"/>
+              <a:t>7</a:t>
+            </a:fld>
+            <a:endParaRPr lang="en-US"/>
+          </a:p>
+        </p:txBody>
+      </p:sp>
+    </p:spTree>
+    <p:extLst>
+      <p:ext uri="{BB962C8B-B14F-4D97-AF65-F5344CB8AC3E}">
+        <p14:creationId xmlns:p14="http://schemas.microsoft.com/office/powerpoint/2010/main" val="4272756323"/>
+      </p:ext>
+    </p:extLst>
+  </p:cSld>
+  <p:clrMapOvr>
+    <a:masterClrMapping/>
+  </p:clrMapOvr>
+</p:notes>
+</file>
+
+<file path=ppt/notesSlides/notesSlide8.xml><?xml version="1.0" encoding="utf-8"?>
+<p:notes xmlns:a="http://schemas.openxmlformats.org/drawingml/2006/main" xmlns:r="http://schemas.openxmlformats.org/officeDocument/2006/relationships" xmlns:p="http://schemas.openxmlformats.org/presentationml/2006/main">
+  <p:cSld>
+    <p:spTree>
+      <p:nvGrpSpPr>
+        <p:cNvPr id="1" name=""/>
+        <p:cNvGrpSpPr/>
+        <p:nvPr/>
+      </p:nvGrpSpPr>
+      <p:grpSpPr>
+        <a:xfrm>
+          <a:off x="0" y="0"/>
+          <a:ext cx="0" cy="0"/>
+          <a:chOff x="0" y="0"/>
+          <a:chExt cx="0" cy="0"/>
+        </a:xfrm>
+      </p:grpSpPr>
+      <p:sp>
+        <p:nvSpPr>
+          <p:cNvPr id="2" name="Slide Image Placeholder 1"/>
+          <p:cNvSpPr>
+            <a:spLocks noGrp="1" noRot="1" noChangeAspect="1"/>
+          </p:cNvSpPr>
+          <p:nvPr>
+            <p:ph type="sldImg"/>
+          </p:nvPr>
+        </p:nvSpPr>
+        <p:spPr/>
+      </p:sp>
+      <p:sp>
+        <p:nvSpPr>
+          <p:cNvPr id="3" name="Notes Placeholder 2"/>
+          <p:cNvSpPr>
+            <a:spLocks noGrp="1"/>
+          </p:cNvSpPr>
+          <p:nvPr>
+            <p:ph type="body" idx="1"/>
+          </p:nvPr>
+        </p:nvSpPr>
+        <p:spPr/>
+        <p:txBody>
+          <a:bodyPr/>
+          <a:lstStyle/>
+          <a:p>
+            <a:r>
+              <a:rPr lang="en-US" dirty="0" smtClean="0"/>
+              <a:t>Harry</a:t>
+            </a:r>
+            <a:endParaRPr lang="en-US" dirty="0"/>
+          </a:p>
+        </p:txBody>
+      </p:sp>
+      <p:sp>
+        <p:nvSpPr>
+          <p:cNvPr id="4" name="Slide Number Placeholder 3"/>
+          <p:cNvSpPr>
+            <a:spLocks noGrp="1"/>
+          </p:cNvSpPr>
+          <p:nvPr>
+            <p:ph type="sldNum" sz="quarter" idx="10"/>
+          </p:nvPr>
+        </p:nvSpPr>
+        <p:spPr/>
+        <p:txBody>
+          <a:bodyPr/>
+          <a:lstStyle/>
+          <a:p>
+            <a:fld id="{62D51877-00F8-4A38-8BEE-C04F4624D251}" type="slidenum">
+              <a:rPr lang="en-US" smtClean="0"/>
+              <a:t>8</a:t>
+            </a:fld>
+            <a:endParaRPr lang="en-US"/>
+          </a:p>
+        </p:txBody>
+      </p:sp>
+    </p:spTree>
+    <p:extLst>
+      <p:ext uri="{BB962C8B-B14F-4D97-AF65-F5344CB8AC3E}">
+        <p14:creationId xmlns:p14="http://schemas.microsoft.com/office/powerpoint/2010/main" val="1089018391"/>
+      </p:ext>
+    </p:extLst>
+  </p:cSld>
+  <p:clrMapOvr>
+    <a:masterClrMapping/>
+  </p:clrMapOvr>
+</p:notes>
+</file>
+
+<file path=ppt/notesSlides/notesSlide9.xml><?xml version="1.0" encoding="utf-8"?>
+<p:notes xmlns:a="http://schemas.openxmlformats.org/drawingml/2006/main" xmlns:r="http://schemas.openxmlformats.org/officeDocument/2006/relationships" xmlns:p="http://schemas.openxmlformats.org/presentationml/2006/main">
+  <p:cSld>
+    <p:spTree>
+      <p:nvGrpSpPr>
+        <p:cNvPr id="1" name=""/>
+        <p:cNvGrpSpPr/>
+        <p:nvPr/>
+      </p:nvGrpSpPr>
+      <p:grpSpPr>
+        <a:xfrm>
+          <a:off x="0" y="0"/>
+          <a:ext cx="0" cy="0"/>
+          <a:chOff x="0" y="0"/>
+          <a:chExt cx="0" cy="0"/>
+        </a:xfrm>
+      </p:grpSpPr>
+      <p:sp>
+        <p:nvSpPr>
+          <p:cNvPr id="2" name="Slide Image Placeholder 1"/>
+          <p:cNvSpPr>
+            <a:spLocks noGrp="1" noRot="1" noChangeAspect="1"/>
+          </p:cNvSpPr>
+          <p:nvPr>
+            <p:ph type="sldImg"/>
+          </p:nvPr>
+        </p:nvSpPr>
+        <p:spPr/>
+      </p:sp>
+      <p:sp>
+        <p:nvSpPr>
+          <p:cNvPr id="3" name="Notes Placeholder 2"/>
+          <p:cNvSpPr>
+            <a:spLocks noGrp="1"/>
+          </p:cNvSpPr>
+          <p:nvPr>
+            <p:ph type="body" idx="1"/>
+          </p:nvPr>
+        </p:nvSpPr>
+        <p:spPr/>
+        <p:txBody>
+          <a:bodyPr/>
+          <a:lstStyle/>
+          <a:p>
+            <a:r>
+              <a:rPr lang="en-US" dirty="0" err="1" smtClean="0"/>
+              <a:t>Sathya</a:t>
+            </a:r>
+            <a:r>
+              <a:rPr lang="en-US" dirty="0" smtClean="0"/>
+              <a:t>,</a:t>
+            </a:r>
+            <a:r>
+              <a:rPr lang="en-US" baseline="0" dirty="0" smtClean="0"/>
+              <a:t> Harry, </a:t>
+            </a:r>
+            <a:r>
+              <a:rPr lang="en-US" baseline="0" dirty="0" err="1" smtClean="0"/>
+              <a:t>v.s</a:t>
+            </a:r>
+            <a:r>
+              <a:rPr lang="en-US" baseline="0" dirty="0" smtClean="0"/>
+              <a:t> </a:t>
+            </a:r>
+            <a:r>
+              <a:rPr lang="en-US" baseline="0" dirty="0" err="1" smtClean="0"/>
+              <a:t>Ravin</a:t>
+            </a:r>
+            <a:r>
+              <a:rPr lang="en-US" baseline="0" dirty="0" smtClean="0"/>
+              <a:t>, </a:t>
+            </a:r>
+            <a:r>
+              <a:rPr lang="en-US" baseline="0" dirty="0" err="1" smtClean="0"/>
+              <a:t>Bunly</a:t>
+            </a:r>
+            <a:endParaRPr lang="en-US" dirty="0"/>
+          </a:p>
+        </p:txBody>
+      </p:sp>
+      <p:sp>
+        <p:nvSpPr>
+          <p:cNvPr id="4" name="Slide Number Placeholder 3"/>
+          <p:cNvSpPr>
+            <a:spLocks noGrp="1"/>
+          </p:cNvSpPr>
+          <p:nvPr>
+            <p:ph type="sldNum" sz="quarter" idx="10"/>
+          </p:nvPr>
+        </p:nvSpPr>
+        <p:spPr/>
+        <p:txBody>
+          <a:bodyPr/>
+          <a:lstStyle/>
+          <a:p>
+            <a:fld id="{62D51877-00F8-4A38-8BEE-C04F4624D251}" type="slidenum">
+              <a:rPr lang="en-US" smtClean="0"/>
+              <a:t>9</a:t>
+            </a:fld>
+            <a:endParaRPr lang="en-US"/>
+          </a:p>
+        </p:txBody>
+      </p:sp>
+    </p:spTree>
+    <p:extLst>
+      <p:ext uri="{BB962C8B-B14F-4D97-AF65-F5344CB8AC3E}">
+        <p14:creationId xmlns:p14="http://schemas.microsoft.com/office/powerpoint/2010/main" val="2073429836"/>
+      </p:ext>
+    </p:extLst>
+  </p:cSld>
+  <p:clrMapOvr>
+    <a:masterClrMapping/>
+  </p:clrMapOvr>
+</p:notes>
+</file>
+
 <file path=ppt/slideLayouts/slideLayout1.xml><?xml version="1.0" encoding="utf-8"?>
 <p:sldLayout xmlns:a="http://schemas.openxmlformats.org/drawingml/2006/main" xmlns:r="http://schemas.openxmlformats.org/officeDocument/2006/relationships" xmlns:p="http://schemas.openxmlformats.org/presentationml/2006/main" type="title" preserve="1">
   <p:cSld name="Title Slide">
@@ -252,7 +1427,7 @@
           <a:p>
             <a:fld id="{CC188A0C-F359-4D55-A4A1-397CC3952450}" type="datetimeFigureOut">
               <a:rPr lang="en-US" smtClean="0"/>
-              <a:t>4/23/2018</a:t>
+              <a:t>4/24/2018</a:t>
             </a:fld>
             <a:endParaRPr lang="en-US"/>
           </a:p>
@@ -422,7 +1597,7 @@
           <a:p>
             <a:fld id="{CC188A0C-F359-4D55-A4A1-397CC3952450}" type="datetimeFigureOut">
               <a:rPr lang="en-US" smtClean="0"/>
-              <a:t>4/23/2018</a:t>
+              <a:t>4/24/2018</a:t>
             </a:fld>
             <a:endParaRPr lang="en-US"/>
           </a:p>
@@ -602,7 +1777,7 @@
           <a:p>
             <a:fld id="{CC188A0C-F359-4D55-A4A1-397CC3952450}" type="datetimeFigureOut">
               <a:rPr lang="en-US" smtClean="0"/>
-              <a:t>4/23/2018</a:t>
+              <a:t>4/24/2018</a:t>
             </a:fld>
             <a:endParaRPr lang="en-US"/>
           </a:p>
@@ -772,7 +1947,7 @@
           <a:p>
             <a:fld id="{CC188A0C-F359-4D55-A4A1-397CC3952450}" type="datetimeFigureOut">
               <a:rPr lang="en-US" smtClean="0"/>
-              <a:t>4/23/2018</a:t>
+              <a:t>4/24/2018</a:t>
             </a:fld>
             <a:endParaRPr lang="en-US"/>
           </a:p>
@@ -1018,7 +2193,7 @@
           <a:p>
             <a:fld id="{CC188A0C-F359-4D55-A4A1-397CC3952450}" type="datetimeFigureOut">
               <a:rPr lang="en-US" smtClean="0"/>
-              <a:t>4/23/2018</a:t>
+              <a:t>4/24/2018</a:t>
             </a:fld>
             <a:endParaRPr lang="en-US"/>
           </a:p>
@@ -1250,7 +2425,7 @@
           <a:p>
             <a:fld id="{CC188A0C-F359-4D55-A4A1-397CC3952450}" type="datetimeFigureOut">
               <a:rPr lang="en-US" smtClean="0"/>
-              <a:t>4/23/2018</a:t>
+              <a:t>4/24/2018</a:t>
             </a:fld>
             <a:endParaRPr lang="en-US"/>
           </a:p>
@@ -1617,7 +2792,7 @@
           <a:p>
             <a:fld id="{CC188A0C-F359-4D55-A4A1-397CC3952450}" type="datetimeFigureOut">
               <a:rPr lang="en-US" smtClean="0"/>
-              <a:t>4/23/2018</a:t>
+              <a:t>4/24/2018</a:t>
             </a:fld>
             <a:endParaRPr lang="en-US"/>
           </a:p>
@@ -1735,7 +2910,7 @@
           <a:p>
             <a:fld id="{CC188A0C-F359-4D55-A4A1-397CC3952450}" type="datetimeFigureOut">
               <a:rPr lang="en-US" smtClean="0"/>
-              <a:t>4/23/2018</a:t>
+              <a:t>4/24/2018</a:t>
             </a:fld>
             <a:endParaRPr lang="en-US"/>
           </a:p>
@@ -1830,7 +3005,7 @@
           <a:p>
             <a:fld id="{CC188A0C-F359-4D55-A4A1-397CC3952450}" type="datetimeFigureOut">
               <a:rPr lang="en-US" smtClean="0"/>
-              <a:t>4/23/2018</a:t>
+              <a:t>4/24/2018</a:t>
             </a:fld>
             <a:endParaRPr lang="en-US"/>
           </a:p>
@@ -2107,7 +3282,7 @@
           <a:p>
             <a:fld id="{CC188A0C-F359-4D55-A4A1-397CC3952450}" type="datetimeFigureOut">
               <a:rPr lang="en-US" smtClean="0"/>
-              <a:t>4/23/2018</a:t>
+              <a:t>4/24/2018</a:t>
             </a:fld>
             <a:endParaRPr lang="en-US"/>
           </a:p>
@@ -2360,7 +3535,7 @@
           <a:p>
             <a:fld id="{CC188A0C-F359-4D55-A4A1-397CC3952450}" type="datetimeFigureOut">
               <a:rPr lang="en-US" smtClean="0"/>
-              <a:t>4/23/2018</a:t>
+              <a:t>4/24/2018</a:t>
             </a:fld>
             <a:endParaRPr lang="en-US"/>
           </a:p>
@@ -2573,7 +3748,7 @@
           <a:p>
             <a:fld id="{CC188A0C-F359-4D55-A4A1-397CC3952450}" type="datetimeFigureOut">
               <a:rPr lang="en-US" smtClean="0"/>
-              <a:t>4/23/2018</a:t>
+              <a:t>4/24/2018</a:t>
             </a:fld>
             <a:endParaRPr lang="en-US"/>
           </a:p>
@@ -3020,8 +4195,8 @@
         </p:nvSpPr>
         <p:spPr>
           <a:xfrm>
-            <a:off x="1524000" y="4079116"/>
-            <a:ext cx="4876800" cy="2410584"/>
+            <a:off x="1524000" y="4144431"/>
+            <a:ext cx="4876800" cy="2151867"/>
           </a:xfrm>
           <a:noFill/>
           <a:ln>
@@ -3048,8 +4223,9 @@
           </a:bodyPr>
           <a:lstStyle/>
           <a:p>
-            <a:pPr marL="457200" indent="-457200">
-              <a:buAutoNum type="arabicPeriod"/>
+            <a:pPr marL="342900" indent="-342900">
+              <a:buFont typeface="Wingdings" panose="05000000000000000000" pitchFamily="2" charset="2"/>
+              <a:buChar char="v"/>
             </a:pPr>
             <a:r>
               <a:rPr lang="en-US" dirty="0" smtClean="0"/>
@@ -3062,8 +4238,9 @@
             <a:endParaRPr lang="en-US" dirty="0" smtClean="0"/>
           </a:p>
           <a:p>
-            <a:pPr marL="457200" indent="-457200">
-              <a:buAutoNum type="arabicPeriod"/>
+            <a:pPr marL="342900" indent="-342900">
+              <a:buFont typeface="Wingdings" panose="05000000000000000000" pitchFamily="2" charset="2"/>
+              <a:buChar char="v"/>
             </a:pPr>
             <a:r>
               <a:rPr lang="en-US" dirty="0" err="1" smtClean="0"/>
@@ -3075,9 +4252,9 @@
             </a:r>
           </a:p>
           <a:p>
-            <a:pPr marL="457200" indent="-457200">
-              <a:buFont typeface="Arial" panose="020B0604020202020204" pitchFamily="34" charset="0"/>
-              <a:buAutoNum type="arabicPeriod"/>
+            <a:pPr marL="342900" indent="-342900">
+              <a:buFont typeface="Wingdings" panose="05000000000000000000" pitchFamily="2" charset="2"/>
+              <a:buChar char="v"/>
             </a:pPr>
             <a:r>
               <a:rPr lang="en-US" dirty="0" err="1" smtClean="0"/>
@@ -3094,9 +4271,9 @@
             <a:endParaRPr lang="en-US" dirty="0" smtClean="0"/>
           </a:p>
           <a:p>
-            <a:pPr marL="457200" indent="-457200">
-              <a:buFont typeface="Arial" panose="020B0604020202020204" pitchFamily="34" charset="0"/>
-              <a:buAutoNum type="arabicPeriod"/>
+            <a:pPr marL="342900" indent="-342900">
+              <a:buFont typeface="Wingdings" panose="05000000000000000000" pitchFamily="2" charset="2"/>
+              <a:buChar char="v"/>
             </a:pPr>
             <a:r>
               <a:rPr lang="en-US" dirty="0" smtClean="0"/>
@@ -3120,8 +4297,8 @@
         </p:nvSpPr>
         <p:spPr>
           <a:xfrm>
-            <a:off x="6400800" y="4079116"/>
-            <a:ext cx="4732421" cy="2541173"/>
+            <a:off x="6400800" y="4144430"/>
+            <a:ext cx="4732421" cy="2151867"/>
           </a:xfrm>
           <a:prstGeom prst="rect">
             <a:avLst/>
@@ -3314,9 +4491,9 @@
             </a:lvl9pPr>
           </a:lstStyle>
           <a:p>
-            <a:pPr marL="457200" indent="-457200">
-              <a:buFont typeface="Arial" panose="020B0604020202020204" pitchFamily="34" charset="0"/>
-              <a:buAutoNum type="arabicPeriod"/>
+            <a:pPr marL="342900" indent="-342900">
+              <a:buFont typeface="Wingdings" panose="05000000000000000000" pitchFamily="2" charset="2"/>
+              <a:buChar char="v"/>
             </a:pPr>
             <a:r>
               <a:rPr lang="en-US" dirty="0" smtClean="0"/>
@@ -3329,9 +4506,9 @@
             <a:endParaRPr lang="en-US" dirty="0" smtClean="0"/>
           </a:p>
           <a:p>
-            <a:pPr marL="457200" indent="-457200">
-              <a:buFont typeface="Arial" panose="020B0604020202020204" pitchFamily="34" charset="0"/>
-              <a:buAutoNum type="arabicPeriod"/>
+            <a:pPr marL="342900" indent="-342900">
+              <a:buFont typeface="Wingdings" panose="05000000000000000000" pitchFamily="2" charset="2"/>
+              <a:buChar char="v"/>
             </a:pPr>
             <a:r>
               <a:rPr lang="en-US" dirty="0" err="1" smtClean="0"/>
@@ -3348,9 +4525,9 @@
             <a:endParaRPr lang="en-US" dirty="0" smtClean="0"/>
           </a:p>
           <a:p>
-            <a:pPr marL="457200" indent="-457200">
-              <a:buFont typeface="Arial" panose="020B0604020202020204" pitchFamily="34" charset="0"/>
-              <a:buAutoNum type="arabicPeriod"/>
+            <a:pPr marL="342900" indent="-342900">
+              <a:buFont typeface="Wingdings" panose="05000000000000000000" pitchFamily="2" charset="2"/>
+              <a:buChar char="v"/>
             </a:pPr>
             <a:r>
               <a:rPr lang="en-US" dirty="0" err="1" smtClean="0"/>
@@ -3367,9 +4544,9 @@
             <a:endParaRPr lang="en-US" dirty="0" smtClean="0"/>
           </a:p>
           <a:p>
-            <a:pPr marL="457200" indent="-457200">
-              <a:buFont typeface="Arial" panose="020B0604020202020204" pitchFamily="34" charset="0"/>
-              <a:buAutoNum type="arabicPeriod"/>
+            <a:pPr marL="342900" indent="-342900">
+              <a:buFont typeface="Wingdings" panose="05000000000000000000" pitchFamily="2" charset="2"/>
+              <a:buChar char="v"/>
             </a:pPr>
             <a:r>
               <a:rPr lang="en-US" dirty="0" smtClean="0"/>
@@ -3493,7 +4670,7 @@
         </p:nvSpPr>
         <p:spPr>
           <a:xfrm>
-            <a:off x="0" y="2767013"/>
+            <a:off x="838200" y="2767013"/>
             <a:ext cx="10515600" cy="1325562"/>
           </a:xfrm>
         </p:spPr>
@@ -3601,8 +4778,9 @@
             </a:pPr>
             <a:r>
               <a:rPr lang="en-US" dirty="0" smtClean="0"/>
-              <a:t>Problem Description</a:t>
-            </a:r>
+              <a:t>Technology</a:t>
+            </a:r>
+            <a:endParaRPr lang="en-US" dirty="0"/>
           </a:p>
           <a:p>
             <a:pPr marL="514350" indent="-514350">
@@ -3610,9 +4788,14 @@
               <a:buAutoNum type="arabicPeriod"/>
             </a:pPr>
             <a:r>
+              <a:rPr lang="en-US" dirty="0"/>
+              <a:t>Problem </a:t>
+            </a:r>
+            <a:r>
               <a:rPr lang="en-US" dirty="0" smtClean="0"/>
-              <a:t>Technology</a:t>
-            </a:r>
+              <a:t>Description &amp; Vision</a:t>
+            </a:r>
+            <a:endParaRPr lang="en-US" dirty="0" smtClean="0"/>
           </a:p>
           <a:p>
             <a:pPr marL="514350" indent="-514350">
@@ -3621,7 +4804,11 @@
             </a:pPr>
             <a:r>
               <a:rPr lang="en-US" dirty="0" smtClean="0"/>
-              <a:t>Database Design</a:t>
+              <a:t>Database </a:t>
+            </a:r>
+            <a:r>
+              <a:rPr lang="en-US" dirty="0" smtClean="0"/>
+              <a:t>Design</a:t>
             </a:r>
           </a:p>
           <a:p>
@@ -3722,7 +4909,11 @@
           <a:p>
             <a:r>
               <a:rPr lang="en-US" dirty="0" smtClean="0"/>
-              <a:t>1. Introduction</a:t>
+              <a:t>1. </a:t>
+            </a:r>
+            <a:r>
+              <a:rPr lang="en-US" dirty="0" smtClean="0"/>
+              <a:t>Introduction</a:t>
             </a:r>
             <a:endParaRPr lang="en-US" dirty="0"/>
           </a:p>
@@ -3750,7 +4941,7 @@
           </a:bodyPr>
           <a:lstStyle/>
           <a:p>
-            <a:pPr marL="0" indent="0">
+            <a:pPr marL="0" indent="0" algn="ctr">
               <a:buNone/>
             </a:pPr>
             <a:r>
@@ -3769,7 +4960,7 @@
           <p:nvPr/>
         </p:nvPicPr>
         <p:blipFill>
-          <a:blip r:embed="rId2" cstate="print">
+          <a:blip r:embed="rId3" cstate="print">
             <a:extLst>
               <a:ext uri="{28A0092B-C50C-407E-A947-70E740481C1C}">
                 <a14:useLocalDpi xmlns:a14="http://schemas.microsoft.com/office/drawing/2010/main" val="0"/>
@@ -3837,19 +5028,22 @@
             <p:ph type="title"/>
           </p:nvPr>
         </p:nvSpPr>
-        <p:spPr>
-          <a:xfrm>
-            <a:off x="838200" y="365125"/>
-            <a:ext cx="10515600" cy="1174917"/>
-          </a:xfrm>
-        </p:spPr>
+        <p:spPr/>
         <p:txBody>
           <a:bodyPr/>
           <a:lstStyle/>
           <a:p>
             <a:r>
               <a:rPr lang="en-US" dirty="0" smtClean="0"/>
-              <a:t>2. Problem Description</a:t>
+              <a:t>2</a:t>
+            </a:r>
+            <a:r>
+              <a:rPr lang="en-US" dirty="0" smtClean="0"/>
+              <a:t>. </a:t>
+            </a:r>
+            <a:r>
+              <a:rPr lang="en-US" dirty="0" smtClean="0"/>
+              <a:t>Technology</a:t>
             </a:r>
             <a:endParaRPr lang="en-US" dirty="0"/>
           </a:p>
@@ -3865,63 +5059,36 @@
             <p:ph idx="1"/>
           </p:nvPr>
         </p:nvSpPr>
-        <p:spPr>
-          <a:xfrm>
-            <a:off x="838200" y="1540042"/>
-            <a:ext cx="10515600" cy="4636921"/>
-          </a:xfrm>
-        </p:spPr>
-        <p:txBody>
-          <a:bodyPr>
-            <a:normAutofit fontScale="85000" lnSpcReduction="20000"/>
-          </a:bodyPr>
-          <a:lstStyle/>
-          <a:p>
-            <a:endParaRPr lang="en-US" dirty="0"/>
-          </a:p>
+        <p:spPr/>
+        <p:txBody>
+          <a:bodyPr/>
+          <a:lstStyle/>
           <a:p>
             <a:r>
               <a:rPr lang="en-US" dirty="0"/>
-              <a:t> Decision support systems are all about helping managers making a decision that is heavily supported by the data collected, past experiences, etc. Often, decision support systems are based on more than one database. This allows for integration of more data, and it results in a better decision-making process. Integrating different databases, however, is not an easy task. For example, although very critical, there are cases where the databases at clinics and insurance companies are not integrated. This lack of integration has a twofold effect: </a:t>
-            </a:r>
-            <a:endParaRPr lang="en-US" dirty="0" smtClean="0"/>
-          </a:p>
-          <a:p>
-            <a:pPr marL="971550" lvl="1" indent="-514350">
-              <a:buFont typeface="+mj-lt"/>
-              <a:buAutoNum type="alphaLcParenR"/>
-            </a:pPr>
+              <a:t>P</a:t>
+            </a:r>
             <a:r>
               <a:rPr lang="en-US" dirty="0" smtClean="0"/>
-              <a:t>insurance </a:t>
-            </a:r>
-            <a:r>
-              <a:rPr lang="en-US" dirty="0"/>
-              <a:t>companies find it difficult to design or negotiate health care programs; </a:t>
-            </a:r>
+              <a:t>rogramming Language: Java</a:t>
+            </a:r>
+          </a:p>
+          <a:p>
             <a:r>
               <a:rPr lang="en-US" dirty="0" smtClean="0"/>
-              <a:t>and</a:t>
-            </a:r>
-          </a:p>
-          <a:p>
-            <a:pPr marL="971550" lvl="1" indent="-514350">
-              <a:buFont typeface="+mj-lt"/>
-              <a:buAutoNum type="alphaLcParenR"/>
-            </a:pPr>
+              <a:t>Integrate Development Environment : NetBeans IDE 8.2</a:t>
+            </a:r>
+          </a:p>
+          <a:p>
             <a:r>
               <a:rPr lang="en-US" dirty="0" smtClean="0"/>
-              <a:t>practitioners </a:t>
-            </a:r>
-            <a:r>
-              <a:rPr lang="en-US" dirty="0"/>
-              <a:t>are unable to take advantage of or participate in designing insurance programs. </a:t>
-            </a:r>
-          </a:p>
-          <a:p>
-            <a:r>
-              <a:rPr lang="en-US" dirty="0"/>
-              <a:t>The aim of this project is to design a decision support system that will integrate the data stored in different insurance companies and health care providers. The objective is to provide supporting information to the participants to make the right decision about insurance programs. </a:t>
+              <a:t>Database: SQL Server</a:t>
+            </a:r>
+          </a:p>
+          <a:p>
+            <a:r>
+              <a:rPr lang="en-US" dirty="0" smtClean="0"/>
+              <a:t>Other: GitHub</a:t>
             </a:r>
           </a:p>
         </p:txBody>
@@ -3929,7 +5096,7 @@
     </p:spTree>
     <p:extLst>
       <p:ext uri="{BB962C8B-B14F-4D97-AF65-F5344CB8AC3E}">
-        <p14:creationId xmlns:p14="http://schemas.microsoft.com/office/powerpoint/2010/main" val="1347448466"/>
+        <p14:creationId xmlns:p14="http://schemas.microsoft.com/office/powerpoint/2010/main" val="2372984369"/>
       </p:ext>
     </p:extLst>
   </p:cSld>
@@ -3973,14 +5140,37 @@
             <p:ph type="title"/>
           </p:nvPr>
         </p:nvSpPr>
-        <p:spPr/>
-        <p:txBody>
-          <a:bodyPr/>
-          <a:lstStyle/>
-          <a:p>
+        <p:spPr>
+          <a:xfrm>
+            <a:off x="838200" y="365125"/>
+            <a:ext cx="10515600" cy="1174917"/>
+          </a:xfrm>
+        </p:spPr>
+        <p:txBody>
+          <a:bodyPr>
+            <a:normAutofit/>
+          </a:bodyPr>
+          <a:lstStyle/>
+          <a:p>
+            <a:r>
+              <a:rPr lang="en-US" dirty="0"/>
+              <a:t>3</a:t>
+            </a:r>
             <a:r>
               <a:rPr lang="en-US" dirty="0" smtClean="0"/>
-              <a:t>3. Technology</a:t>
+              <a:t>. </a:t>
+            </a:r>
+            <a:r>
+              <a:rPr lang="en-US" dirty="0" smtClean="0"/>
+              <a:t>Problem </a:t>
+            </a:r>
+            <a:r>
+              <a:rPr lang="en-US" dirty="0" smtClean="0"/>
+              <a:t>Description &amp; </a:t>
+            </a:r>
+            <a:r>
+              <a:rPr lang="en-US" dirty="0" smtClean="0"/>
+              <a:t>Vision</a:t>
             </a:r>
             <a:endParaRPr lang="en-US" dirty="0"/>
           </a:p>
@@ -3996,36 +5186,153 @@
             <p:ph idx="1"/>
           </p:nvPr>
         </p:nvSpPr>
-        <p:spPr/>
-        <p:txBody>
-          <a:bodyPr/>
-          <a:lstStyle/>
-          <a:p>
+        <p:spPr>
+          <a:xfrm>
+            <a:off x="838200" y="1540042"/>
+            <a:ext cx="10515600" cy="4927019"/>
+          </a:xfrm>
+        </p:spPr>
+        <p:txBody>
+          <a:bodyPr>
+            <a:normAutofit fontScale="85000" lnSpcReduction="20000"/>
+          </a:bodyPr>
+          <a:lstStyle/>
+          <a:p>
+            <a:pPr algn="just">
+              <a:buFont typeface="Wingdings" panose="05000000000000000000" pitchFamily="2" charset="2"/>
+              <a:buChar char="Ø"/>
+            </a:pPr>
             <a:r>
               <a:rPr lang="en-US" dirty="0"/>
-              <a:t>P</a:t>
+              <a:t> </a:t>
             </a:r>
             <a:r>
               <a:rPr lang="en-US" dirty="0" smtClean="0"/>
-              <a:t>rogramming Language: Java</a:t>
-            </a:r>
-          </a:p>
-          <a:p>
+              <a:t>Problem</a:t>
+            </a:r>
+            <a:endParaRPr lang="en-US" dirty="0" smtClean="0">
+              <a:latin typeface="+mj-lt"/>
+            </a:endParaRPr>
+          </a:p>
+          <a:p>
+            <a:pPr algn="just"/>
+            <a:r>
+              <a:rPr lang="en-US" sz="2400" dirty="0" smtClean="0">
+                <a:latin typeface="+mj-lt"/>
+              </a:rPr>
+              <a:t>Decision </a:t>
+            </a:r>
+            <a:r>
+              <a:rPr lang="en-US" sz="2400" dirty="0">
+                <a:latin typeface="+mj-lt"/>
+              </a:rPr>
+              <a:t>support systems are all about helping managers making a decision that is heavily supported by the data collected, past experiences, etc. Often, decision support systems are based on more than one database. This allows for integration of more data, and it results in a better decision-making process. Integrating different databases, however, is not an easy task. For example, although very critical, there are cases where the databases at clinics and insurance companies are not integrated. This lack of integration has a twofold effect: </a:t>
+            </a:r>
+            <a:endParaRPr lang="en-US" sz="2400" dirty="0" smtClean="0">
+              <a:latin typeface="+mj-lt"/>
+            </a:endParaRPr>
+          </a:p>
+          <a:p>
+            <a:pPr marL="0" indent="0" algn="just">
+              <a:buNone/>
+            </a:pPr>
+            <a:endParaRPr lang="en-US" sz="2400" dirty="0" smtClean="0">
+              <a:latin typeface="+mj-lt"/>
+            </a:endParaRPr>
+          </a:p>
+          <a:p>
+            <a:pPr marL="971550" lvl="1" indent="-514350" algn="just">
+              <a:buFont typeface="+mj-lt"/>
+              <a:buAutoNum type="alphaLcParenR"/>
+            </a:pPr>
+            <a:r>
+              <a:rPr lang="en-US" dirty="0" smtClean="0">
+                <a:latin typeface="+mj-lt"/>
+              </a:rPr>
+              <a:t>insurance </a:t>
+            </a:r>
+            <a:r>
+              <a:rPr lang="en-US" dirty="0">
+                <a:latin typeface="+mj-lt"/>
+              </a:rPr>
+              <a:t>companies find it difficult to design or negotiate health care programs; </a:t>
+            </a:r>
+            <a:r>
+              <a:rPr lang="en-US" dirty="0" smtClean="0">
+                <a:latin typeface="+mj-lt"/>
+              </a:rPr>
+              <a:t>and</a:t>
+            </a:r>
+          </a:p>
+          <a:p>
+            <a:pPr marL="971550" lvl="1" indent="-514350" algn="just">
+              <a:buFont typeface="+mj-lt"/>
+              <a:buAutoNum type="alphaLcParenR"/>
+            </a:pPr>
+            <a:r>
+              <a:rPr lang="en-US" dirty="0" smtClean="0">
+                <a:latin typeface="+mj-lt"/>
+              </a:rPr>
+              <a:t>practitioners </a:t>
+            </a:r>
+            <a:r>
+              <a:rPr lang="en-US" dirty="0">
+                <a:latin typeface="+mj-lt"/>
+              </a:rPr>
+              <a:t>are unable to take advantage of or participate in designing insurance programs. </a:t>
+            </a:r>
+            <a:endParaRPr lang="en-US" dirty="0" smtClean="0">
+              <a:latin typeface="+mj-lt"/>
+            </a:endParaRPr>
+          </a:p>
+          <a:p>
+            <a:pPr algn="just">
+              <a:buFont typeface="Wingdings" panose="05000000000000000000" pitchFamily="2" charset="2"/>
+              <a:buChar char="Ø"/>
+            </a:pPr>
+            <a:r>
+              <a:rPr lang="en-US" dirty="0" smtClean="0">
+                <a:latin typeface="+mj-lt"/>
+              </a:rPr>
+              <a:t> </a:t>
+            </a:r>
             <a:r>
               <a:rPr lang="en-US" dirty="0" smtClean="0"/>
-              <a:t>Integrate Development Environment : NetBeans IDE 8.2</a:t>
-            </a:r>
-          </a:p>
-          <a:p>
-            <a:r>
-              <a:rPr lang="en-US" dirty="0" smtClean="0"/>
-              <a:t>Database: SQL Server</a:t>
-            </a:r>
-          </a:p>
-          <a:p>
-            <a:r>
-              <a:rPr lang="en-US" dirty="0" smtClean="0"/>
-              <a:t>Other: GitHub</a:t>
+              <a:t>Vision</a:t>
+            </a:r>
+            <a:endParaRPr lang="en-US" dirty="0"/>
+          </a:p>
+          <a:p>
+            <a:pPr algn="just"/>
+            <a:r>
+              <a:rPr lang="en-US" dirty="0" smtClean="0">
+                <a:latin typeface="+mj-lt"/>
+              </a:rPr>
+              <a:t>The </a:t>
+            </a:r>
+            <a:r>
+              <a:rPr lang="en-US" dirty="0">
+                <a:latin typeface="+mj-lt"/>
+              </a:rPr>
+              <a:t>aim of this project is to design a decision support system that will integrate the data stored in different insurance companies and health care providers. </a:t>
+            </a:r>
+            <a:endParaRPr lang="en-US" dirty="0" smtClean="0">
+              <a:latin typeface="+mj-lt"/>
+            </a:endParaRPr>
+          </a:p>
+          <a:p>
+            <a:pPr algn="just"/>
+            <a:r>
+              <a:rPr lang="en-US" dirty="0" smtClean="0">
+                <a:latin typeface="+mj-lt"/>
+              </a:rPr>
+              <a:t>The </a:t>
+            </a:r>
+            <a:r>
+              <a:rPr lang="en-US" dirty="0">
+                <a:latin typeface="+mj-lt"/>
+              </a:rPr>
+              <a:t>objective is to provide supporting information to the participants to make the right decision about insurance programs. </a:t>
             </a:r>
           </a:p>
         </p:txBody>
@@ -4033,7 +5340,7 @@
     </p:spTree>
     <p:extLst>
       <p:ext uri="{BB962C8B-B14F-4D97-AF65-F5344CB8AC3E}">
-        <p14:creationId xmlns:p14="http://schemas.microsoft.com/office/powerpoint/2010/main" val="2372984369"/>
+        <p14:creationId xmlns:p14="http://schemas.microsoft.com/office/powerpoint/2010/main" val="2577102406"/>
       </p:ext>
     </p:extLst>
   </p:cSld>
@@ -4067,29 +5374,1783 @@
           <a:chExt cx="0" cy="0"/>
         </a:xfrm>
       </p:grpSpPr>
+      <p:sp>
+        <p:nvSpPr>
+          <p:cNvPr id="4" name="Rectangle 3"/>
+          <p:cNvSpPr/>
+          <p:nvPr/>
+        </p:nvSpPr>
+        <p:spPr>
+          <a:xfrm>
+            <a:off x="5577960" y="976157"/>
+            <a:ext cx="1696952" cy="637359"/>
+          </a:xfrm>
+          <a:prstGeom prst="rect">
+            <a:avLst/>
+          </a:prstGeom>
+        </p:spPr>
+        <p:style>
+          <a:lnRef idx="2">
+            <a:schemeClr val="accent1">
+              <a:shade val="50000"/>
+            </a:schemeClr>
+          </a:lnRef>
+          <a:fillRef idx="1">
+            <a:schemeClr val="accent1"/>
+          </a:fillRef>
+          <a:effectRef idx="0">
+            <a:schemeClr val="accent1"/>
+          </a:effectRef>
+          <a:fontRef idx="minor">
+            <a:schemeClr val="lt1"/>
+          </a:fontRef>
+        </p:style>
+        <p:txBody>
+          <a:bodyPr rtlCol="0" anchor="ctr"/>
+          <a:lstStyle/>
+          <a:p>
+            <a:pPr algn="ctr"/>
+            <a:r>
+              <a:rPr lang="en-US" sz="1400" dirty="0" smtClean="0"/>
+              <a:t>Doctor</a:t>
+            </a:r>
+            <a:endParaRPr lang="en-US" sz="1400" dirty="0"/>
+          </a:p>
+        </p:txBody>
+      </p:sp>
+      <p:sp>
+        <p:nvSpPr>
+          <p:cNvPr id="6" name="Rectangle 5"/>
+          <p:cNvSpPr/>
+          <p:nvPr/>
+        </p:nvSpPr>
+        <p:spPr>
+          <a:xfrm>
+            <a:off x="3169261" y="2616642"/>
+            <a:ext cx="1696952" cy="637359"/>
+          </a:xfrm>
+          <a:prstGeom prst="rect">
+            <a:avLst/>
+          </a:prstGeom>
+        </p:spPr>
+        <p:style>
+          <a:lnRef idx="2">
+            <a:schemeClr val="accent1">
+              <a:shade val="50000"/>
+            </a:schemeClr>
+          </a:lnRef>
+          <a:fillRef idx="1">
+            <a:schemeClr val="accent1"/>
+          </a:fillRef>
+          <a:effectRef idx="0">
+            <a:schemeClr val="accent1"/>
+          </a:effectRef>
+          <a:fontRef idx="minor">
+            <a:schemeClr val="lt1"/>
+          </a:fontRef>
+        </p:style>
+        <p:txBody>
+          <a:bodyPr rtlCol="0" anchor="ctr"/>
+          <a:lstStyle/>
+          <a:p>
+            <a:pPr algn="ctr"/>
+            <a:r>
+              <a:rPr lang="en-US" sz="1400" dirty="0" smtClean="0"/>
+              <a:t>Patient</a:t>
+            </a:r>
+            <a:endParaRPr lang="en-US" sz="1400" dirty="0"/>
+          </a:p>
+        </p:txBody>
+      </p:sp>
+      <p:sp>
+        <p:nvSpPr>
+          <p:cNvPr id="7" name="Rectangle 6"/>
+          <p:cNvSpPr/>
+          <p:nvPr/>
+        </p:nvSpPr>
+        <p:spPr>
+          <a:xfrm>
+            <a:off x="9661348" y="2623359"/>
+            <a:ext cx="1696952" cy="637359"/>
+          </a:xfrm>
+          <a:prstGeom prst="rect">
+            <a:avLst/>
+          </a:prstGeom>
+        </p:spPr>
+        <p:style>
+          <a:lnRef idx="2">
+            <a:schemeClr val="accent1">
+              <a:shade val="50000"/>
+            </a:schemeClr>
+          </a:lnRef>
+          <a:fillRef idx="1">
+            <a:schemeClr val="accent1"/>
+          </a:fillRef>
+          <a:effectRef idx="0">
+            <a:schemeClr val="accent1"/>
+          </a:effectRef>
+          <a:fontRef idx="minor">
+            <a:schemeClr val="lt1"/>
+          </a:fontRef>
+        </p:style>
+        <p:txBody>
+          <a:bodyPr rtlCol="0" anchor="ctr"/>
+          <a:lstStyle/>
+          <a:p>
+            <a:pPr algn="ctr"/>
+            <a:r>
+              <a:rPr lang="en-US" sz="1400" dirty="0" smtClean="0"/>
+              <a:t>HealthCare Provider</a:t>
+            </a:r>
+            <a:endParaRPr lang="en-US" sz="1400" dirty="0"/>
+          </a:p>
+        </p:txBody>
+      </p:sp>
+      <p:sp>
+        <p:nvSpPr>
+          <p:cNvPr id="8" name="Rectangle 7"/>
+          <p:cNvSpPr/>
+          <p:nvPr/>
+        </p:nvSpPr>
+        <p:spPr>
+          <a:xfrm>
+            <a:off x="7459569" y="3931066"/>
+            <a:ext cx="1696952" cy="637359"/>
+          </a:xfrm>
+          <a:prstGeom prst="rect">
+            <a:avLst/>
+          </a:prstGeom>
+        </p:spPr>
+        <p:style>
+          <a:lnRef idx="2">
+            <a:schemeClr val="accent1">
+              <a:shade val="50000"/>
+            </a:schemeClr>
+          </a:lnRef>
+          <a:fillRef idx="1">
+            <a:schemeClr val="accent1"/>
+          </a:fillRef>
+          <a:effectRef idx="0">
+            <a:schemeClr val="accent1"/>
+          </a:effectRef>
+          <a:fontRef idx="minor">
+            <a:schemeClr val="lt1"/>
+          </a:fontRef>
+        </p:style>
+        <p:txBody>
+          <a:bodyPr rtlCol="0" anchor="ctr"/>
+          <a:lstStyle/>
+          <a:p>
+            <a:pPr algn="ctr"/>
+            <a:r>
+              <a:rPr lang="en-US" sz="1400" dirty="0" smtClean="0"/>
+              <a:t>Insurance Company</a:t>
+            </a:r>
+            <a:endParaRPr lang="en-US" sz="1400" dirty="0"/>
+          </a:p>
+        </p:txBody>
+      </p:sp>
+      <p:sp>
+        <p:nvSpPr>
+          <p:cNvPr id="9" name="Rectangle 8"/>
+          <p:cNvSpPr/>
+          <p:nvPr/>
+        </p:nvSpPr>
+        <p:spPr>
+          <a:xfrm>
+            <a:off x="1229975" y="959163"/>
+            <a:ext cx="1696952" cy="637359"/>
+          </a:xfrm>
+          <a:prstGeom prst="rect">
+            <a:avLst/>
+          </a:prstGeom>
+        </p:spPr>
+        <p:style>
+          <a:lnRef idx="2">
+            <a:schemeClr val="accent1">
+              <a:shade val="50000"/>
+            </a:schemeClr>
+          </a:lnRef>
+          <a:fillRef idx="1">
+            <a:schemeClr val="accent1"/>
+          </a:fillRef>
+          <a:effectRef idx="0">
+            <a:schemeClr val="accent1"/>
+          </a:effectRef>
+          <a:fontRef idx="minor">
+            <a:schemeClr val="lt1"/>
+          </a:fontRef>
+        </p:style>
+        <p:txBody>
+          <a:bodyPr rtlCol="0" anchor="ctr"/>
+          <a:lstStyle/>
+          <a:p>
+            <a:pPr algn="ctr"/>
+            <a:r>
+              <a:rPr lang="en-US" sz="1400" dirty="0" smtClean="0"/>
+              <a:t>Disease</a:t>
+            </a:r>
+            <a:endParaRPr lang="en-US" sz="1400" dirty="0"/>
+          </a:p>
+        </p:txBody>
+      </p:sp>
+      <p:sp>
+        <p:nvSpPr>
+          <p:cNvPr id="10" name="Flowchart: Decision 9"/>
+          <p:cNvSpPr/>
+          <p:nvPr/>
+        </p:nvSpPr>
+        <p:spPr>
+          <a:xfrm>
+            <a:off x="3544372" y="904236"/>
+            <a:ext cx="1318675" cy="780051"/>
+          </a:xfrm>
+          <a:prstGeom prst="flowChartDecision">
+            <a:avLst/>
+          </a:prstGeom>
+        </p:spPr>
+        <p:style>
+          <a:lnRef idx="1">
+            <a:schemeClr val="accent2"/>
+          </a:lnRef>
+          <a:fillRef idx="2">
+            <a:schemeClr val="accent2"/>
+          </a:fillRef>
+          <a:effectRef idx="1">
+            <a:schemeClr val="accent2"/>
+          </a:effectRef>
+          <a:fontRef idx="minor">
+            <a:schemeClr val="dk1"/>
+          </a:fontRef>
+        </p:style>
+        <p:txBody>
+          <a:bodyPr rtlCol="0" anchor="ctr"/>
+          <a:lstStyle/>
+          <a:p>
+            <a:pPr algn="ctr"/>
+            <a:r>
+              <a:rPr lang="en-US" sz="1400" dirty="0" smtClean="0"/>
+              <a:t>Is cured by</a:t>
+            </a:r>
+            <a:endParaRPr lang="en-US" sz="1400" dirty="0"/>
+          </a:p>
+        </p:txBody>
+      </p:sp>
+      <p:sp>
+        <p:nvSpPr>
+          <p:cNvPr id="11" name="Flowchart: Decision 10"/>
+          <p:cNvSpPr/>
+          <p:nvPr/>
+        </p:nvSpPr>
+        <p:spPr>
+          <a:xfrm>
+            <a:off x="1338695" y="2555945"/>
+            <a:ext cx="1318675" cy="780051"/>
+          </a:xfrm>
+          <a:prstGeom prst="flowChartDecision">
+            <a:avLst/>
+          </a:prstGeom>
+        </p:spPr>
+        <p:style>
+          <a:lnRef idx="1">
+            <a:schemeClr val="accent2"/>
+          </a:lnRef>
+          <a:fillRef idx="2">
+            <a:schemeClr val="accent2"/>
+          </a:fillRef>
+          <a:effectRef idx="1">
+            <a:schemeClr val="accent2"/>
+          </a:effectRef>
+          <a:fontRef idx="minor">
+            <a:schemeClr val="dk1"/>
+          </a:fontRef>
+        </p:style>
+        <p:txBody>
+          <a:bodyPr rtlCol="0" anchor="ctr"/>
+          <a:lstStyle/>
+          <a:p>
+            <a:pPr algn="ctr"/>
+            <a:r>
+              <a:rPr lang="en-US" sz="1400" dirty="0" smtClean="0"/>
+              <a:t>has</a:t>
+            </a:r>
+            <a:endParaRPr lang="en-US" sz="1400" dirty="0"/>
+          </a:p>
+        </p:txBody>
+      </p:sp>
+      <p:sp>
+        <p:nvSpPr>
+          <p:cNvPr id="12" name="Flowchart: Decision 11"/>
+          <p:cNvSpPr/>
+          <p:nvPr/>
+        </p:nvSpPr>
+        <p:spPr>
+          <a:xfrm>
+            <a:off x="8045400" y="887817"/>
+            <a:ext cx="1318675" cy="780051"/>
+          </a:xfrm>
+          <a:prstGeom prst="flowChartDecision">
+            <a:avLst/>
+          </a:prstGeom>
+        </p:spPr>
+        <p:style>
+          <a:lnRef idx="1">
+            <a:schemeClr val="accent2"/>
+          </a:lnRef>
+          <a:fillRef idx="2">
+            <a:schemeClr val="accent2"/>
+          </a:fillRef>
+          <a:effectRef idx="1">
+            <a:schemeClr val="accent2"/>
+          </a:effectRef>
+          <a:fontRef idx="minor">
+            <a:schemeClr val="dk1"/>
+          </a:fontRef>
+        </p:style>
+        <p:txBody>
+          <a:bodyPr rtlCol="0" anchor="ctr"/>
+          <a:lstStyle/>
+          <a:p>
+            <a:pPr algn="ctr"/>
+            <a:r>
+              <a:rPr lang="en-US" sz="1400" dirty="0" smtClean="0"/>
+              <a:t>Work for</a:t>
+            </a:r>
+            <a:endParaRPr lang="en-US" sz="1400" dirty="0"/>
+          </a:p>
+        </p:txBody>
+      </p:sp>
+      <p:sp>
+        <p:nvSpPr>
+          <p:cNvPr id="13" name="Flowchart: Decision 12"/>
+          <p:cNvSpPr/>
+          <p:nvPr/>
+        </p:nvSpPr>
+        <p:spPr>
+          <a:xfrm>
+            <a:off x="9719747" y="3842237"/>
+            <a:ext cx="1562498" cy="780051"/>
+          </a:xfrm>
+          <a:prstGeom prst="flowChartDecision">
+            <a:avLst/>
+          </a:prstGeom>
+        </p:spPr>
+        <p:style>
+          <a:lnRef idx="1">
+            <a:schemeClr val="accent2"/>
+          </a:lnRef>
+          <a:fillRef idx="2">
+            <a:schemeClr val="accent2"/>
+          </a:fillRef>
+          <a:effectRef idx="1">
+            <a:schemeClr val="accent2"/>
+          </a:effectRef>
+          <a:fontRef idx="minor">
+            <a:schemeClr val="dk1"/>
+          </a:fontRef>
+        </p:style>
+        <p:txBody>
+          <a:bodyPr rtlCol="0" anchor="ctr"/>
+          <a:lstStyle/>
+          <a:p>
+            <a:pPr algn="ctr"/>
+            <a:r>
+              <a:rPr lang="en-US" sz="1100" dirty="0" smtClean="0"/>
+              <a:t>Cooperate</a:t>
+            </a:r>
+            <a:endParaRPr lang="en-US" sz="1100" dirty="0"/>
+          </a:p>
+        </p:txBody>
+      </p:sp>
+      <p:sp>
+        <p:nvSpPr>
+          <p:cNvPr id="14" name="Flowchart: Decision 13"/>
+          <p:cNvSpPr/>
+          <p:nvPr/>
+        </p:nvSpPr>
+        <p:spPr>
+          <a:xfrm>
+            <a:off x="6615575" y="2539228"/>
+            <a:ext cx="1318675" cy="780051"/>
+          </a:xfrm>
+          <a:prstGeom prst="flowChartDecision">
+            <a:avLst/>
+          </a:prstGeom>
+        </p:spPr>
+        <p:style>
+          <a:lnRef idx="1">
+            <a:schemeClr val="accent2"/>
+          </a:lnRef>
+          <a:fillRef idx="2">
+            <a:schemeClr val="accent2"/>
+          </a:fillRef>
+          <a:effectRef idx="1">
+            <a:schemeClr val="accent2"/>
+          </a:effectRef>
+          <a:fontRef idx="minor">
+            <a:schemeClr val="dk1"/>
+          </a:fontRef>
+        </p:style>
+        <p:txBody>
+          <a:bodyPr rtlCol="0" anchor="ctr"/>
+          <a:lstStyle/>
+          <a:p>
+            <a:pPr algn="ctr"/>
+            <a:r>
+              <a:rPr lang="en-US" sz="1400" dirty="0" smtClean="0"/>
+              <a:t>Visit</a:t>
+            </a:r>
+            <a:endParaRPr lang="en-US" sz="1400" dirty="0"/>
+          </a:p>
+        </p:txBody>
+      </p:sp>
+      <p:sp>
+        <p:nvSpPr>
+          <p:cNvPr id="15" name="Flowchart: Decision 14"/>
+          <p:cNvSpPr/>
+          <p:nvPr/>
+        </p:nvSpPr>
+        <p:spPr>
+          <a:xfrm>
+            <a:off x="7658764" y="5321129"/>
+            <a:ext cx="1318675" cy="780051"/>
+          </a:xfrm>
+          <a:prstGeom prst="flowChartDecision">
+            <a:avLst/>
+          </a:prstGeom>
+        </p:spPr>
+        <p:style>
+          <a:lnRef idx="1">
+            <a:schemeClr val="accent2"/>
+          </a:lnRef>
+          <a:fillRef idx="2">
+            <a:schemeClr val="accent2"/>
+          </a:fillRef>
+          <a:effectRef idx="1">
+            <a:schemeClr val="accent2"/>
+          </a:effectRef>
+          <a:fontRef idx="minor">
+            <a:schemeClr val="dk1"/>
+          </a:fontRef>
+        </p:style>
+        <p:txBody>
+          <a:bodyPr rtlCol="0" anchor="ctr"/>
+          <a:lstStyle/>
+          <a:p>
+            <a:pPr algn="ctr"/>
+            <a:r>
+              <a:rPr lang="en-US" sz="1400" dirty="0" smtClean="0"/>
+              <a:t>Has</a:t>
+            </a:r>
+            <a:endParaRPr lang="en-US" sz="1400" dirty="0"/>
+          </a:p>
+        </p:txBody>
+      </p:sp>
+      <p:cxnSp>
+        <p:nvCxnSpPr>
+          <p:cNvPr id="23" name="Elbow Connector 22"/>
+          <p:cNvCxnSpPr>
+            <a:stCxn id="15" idx="1"/>
+            <a:endCxn id="5" idx="3"/>
+          </p:cNvCxnSpPr>
+          <p:nvPr/>
+        </p:nvCxnSpPr>
+        <p:spPr>
+          <a:xfrm rot="10800000">
+            <a:off x="6411474" y="5711029"/>
+            <a:ext cx="1247291" cy="127"/>
+          </a:xfrm>
+          <a:prstGeom prst="bentConnector3">
+            <a:avLst>
+              <a:gd name="adj1" fmla="val 50000"/>
+            </a:avLst>
+          </a:prstGeom>
+        </p:spPr>
+        <p:style>
+          <a:lnRef idx="1">
+            <a:schemeClr val="accent1"/>
+          </a:lnRef>
+          <a:fillRef idx="0">
+            <a:schemeClr val="accent1"/>
+          </a:fillRef>
+          <a:effectRef idx="0">
+            <a:schemeClr val="accent1"/>
+          </a:effectRef>
+          <a:fontRef idx="minor">
+            <a:schemeClr val="tx1"/>
+          </a:fontRef>
+        </p:style>
+      </p:cxnSp>
+      <p:cxnSp>
+        <p:nvCxnSpPr>
+          <p:cNvPr id="35" name="Elbow Connector 34"/>
+          <p:cNvCxnSpPr>
+            <a:stCxn id="11" idx="1"/>
+            <a:endCxn id="9" idx="1"/>
+          </p:cNvCxnSpPr>
+          <p:nvPr/>
+        </p:nvCxnSpPr>
+        <p:spPr>
+          <a:xfrm rot="10800000">
+            <a:off x="1229975" y="1277843"/>
+            <a:ext cx="108720" cy="1668128"/>
+          </a:xfrm>
+          <a:prstGeom prst="bentConnector3">
+            <a:avLst>
+              <a:gd name="adj1" fmla="val 310265"/>
+            </a:avLst>
+          </a:prstGeom>
+        </p:spPr>
+        <p:style>
+          <a:lnRef idx="1">
+            <a:schemeClr val="accent1"/>
+          </a:lnRef>
+          <a:fillRef idx="0">
+            <a:schemeClr val="accent1"/>
+          </a:fillRef>
+          <a:effectRef idx="0">
+            <a:schemeClr val="accent1"/>
+          </a:effectRef>
+          <a:fontRef idx="minor">
+            <a:schemeClr val="tx1"/>
+          </a:fontRef>
+        </p:style>
+      </p:cxnSp>
+      <p:cxnSp>
+        <p:nvCxnSpPr>
+          <p:cNvPr id="45" name="Elbow Connector 44"/>
+          <p:cNvCxnSpPr>
+            <a:stCxn id="12" idx="3"/>
+            <a:endCxn id="7" idx="0"/>
+          </p:cNvCxnSpPr>
+          <p:nvPr/>
+        </p:nvCxnSpPr>
+        <p:spPr>
+          <a:xfrm>
+            <a:off x="9364075" y="1277843"/>
+            <a:ext cx="1145749" cy="1345516"/>
+          </a:xfrm>
+          <a:prstGeom prst="bentConnector2">
+            <a:avLst/>
+          </a:prstGeom>
+        </p:spPr>
+        <p:style>
+          <a:lnRef idx="1">
+            <a:schemeClr val="accent1"/>
+          </a:lnRef>
+          <a:fillRef idx="0">
+            <a:schemeClr val="accent1"/>
+          </a:fillRef>
+          <a:effectRef idx="0">
+            <a:schemeClr val="accent1"/>
+          </a:effectRef>
+          <a:fontRef idx="minor">
+            <a:schemeClr val="tx1"/>
+          </a:fontRef>
+        </p:style>
+      </p:cxnSp>
+      <p:cxnSp>
+        <p:nvCxnSpPr>
+          <p:cNvPr id="47" name="Elbow Connector 46"/>
+          <p:cNvCxnSpPr>
+            <a:stCxn id="6" idx="2"/>
+            <a:endCxn id="48" idx="1"/>
+          </p:cNvCxnSpPr>
+          <p:nvPr/>
+        </p:nvCxnSpPr>
+        <p:spPr>
+          <a:xfrm rot="5400000">
+            <a:off x="1448400" y="3138770"/>
+            <a:ext cx="2454106" cy="2684568"/>
+          </a:xfrm>
+          <a:prstGeom prst="bentConnector4">
+            <a:avLst>
+              <a:gd name="adj1" fmla="val 41341"/>
+              <a:gd name="adj2" fmla="val 108515"/>
+            </a:avLst>
+          </a:prstGeom>
+        </p:spPr>
+        <p:style>
+          <a:lnRef idx="1">
+            <a:schemeClr val="accent1"/>
+          </a:lnRef>
+          <a:fillRef idx="0">
+            <a:schemeClr val="accent1"/>
+          </a:fillRef>
+          <a:effectRef idx="0">
+            <a:schemeClr val="accent1"/>
+          </a:effectRef>
+          <a:fontRef idx="minor">
+            <a:schemeClr val="tx1"/>
+          </a:fontRef>
+        </p:style>
+      </p:cxnSp>
+      <p:sp>
+        <p:nvSpPr>
+          <p:cNvPr id="48" name="Flowchart: Decision 47"/>
+          <p:cNvSpPr/>
+          <p:nvPr/>
+        </p:nvSpPr>
+        <p:spPr>
+          <a:xfrm>
+            <a:off x="1333169" y="5283101"/>
+            <a:ext cx="2120135" cy="850012"/>
+          </a:xfrm>
+          <a:prstGeom prst="flowChartDecision">
+            <a:avLst/>
+          </a:prstGeom>
+        </p:spPr>
+        <p:style>
+          <a:lnRef idx="1">
+            <a:schemeClr val="accent2"/>
+          </a:lnRef>
+          <a:fillRef idx="2">
+            <a:schemeClr val="accent2"/>
+          </a:fillRef>
+          <a:effectRef idx="1">
+            <a:schemeClr val="accent2"/>
+          </a:effectRef>
+          <a:fontRef idx="minor">
+            <a:schemeClr val="dk1"/>
+          </a:fontRef>
+        </p:style>
+        <p:txBody>
+          <a:bodyPr rtlCol="0" anchor="ctr"/>
+          <a:lstStyle/>
+          <a:p>
+            <a:pPr algn="ctr"/>
+            <a:r>
+              <a:rPr lang="en-US" sz="1400" dirty="0" smtClean="0"/>
+              <a:t>Transaction</a:t>
+            </a:r>
+            <a:endParaRPr lang="en-US" sz="1400" dirty="0"/>
+          </a:p>
+        </p:txBody>
+      </p:sp>
+      <p:cxnSp>
+        <p:nvCxnSpPr>
+          <p:cNvPr id="53" name="Elbow Connector 52"/>
+          <p:cNvCxnSpPr>
+            <a:stCxn id="5" idx="1"/>
+            <a:endCxn id="48" idx="3"/>
+          </p:cNvCxnSpPr>
+          <p:nvPr/>
+        </p:nvCxnSpPr>
+        <p:spPr>
+          <a:xfrm rot="10800000">
+            <a:off x="3453305" y="5708108"/>
+            <a:ext cx="1261217" cy="2921"/>
+          </a:xfrm>
+          <a:prstGeom prst="bentConnector3">
+            <a:avLst/>
+          </a:prstGeom>
+        </p:spPr>
+        <p:style>
+          <a:lnRef idx="1">
+            <a:schemeClr val="accent1"/>
+          </a:lnRef>
+          <a:fillRef idx="0">
+            <a:schemeClr val="accent1"/>
+          </a:fillRef>
+          <a:effectRef idx="0">
+            <a:schemeClr val="accent1"/>
+          </a:effectRef>
+          <a:fontRef idx="minor">
+            <a:schemeClr val="tx1"/>
+          </a:fontRef>
+        </p:style>
+      </p:cxnSp>
+      <p:cxnSp>
+        <p:nvCxnSpPr>
+          <p:cNvPr id="90" name="Elbow Connector 89"/>
+          <p:cNvCxnSpPr>
+            <a:stCxn id="4" idx="2"/>
+            <a:endCxn id="14" idx="0"/>
+          </p:cNvCxnSpPr>
+          <p:nvPr/>
+        </p:nvCxnSpPr>
+        <p:spPr>
+          <a:xfrm rot="16200000" flipH="1">
+            <a:off x="6387818" y="1652133"/>
+            <a:ext cx="925712" cy="848477"/>
+          </a:xfrm>
+          <a:prstGeom prst="bentConnector3">
+            <a:avLst>
+              <a:gd name="adj1" fmla="val 50000"/>
+            </a:avLst>
+          </a:prstGeom>
+        </p:spPr>
+        <p:style>
+          <a:lnRef idx="1">
+            <a:schemeClr val="accent1"/>
+          </a:lnRef>
+          <a:fillRef idx="0">
+            <a:schemeClr val="accent1"/>
+          </a:fillRef>
+          <a:effectRef idx="0">
+            <a:schemeClr val="accent1"/>
+          </a:effectRef>
+          <a:fontRef idx="minor">
+            <a:schemeClr val="tx1"/>
+          </a:fontRef>
+        </p:style>
+      </p:cxnSp>
+      <p:sp>
+        <p:nvSpPr>
+          <p:cNvPr id="143" name="Flowchart: Decision 142"/>
+          <p:cNvSpPr/>
+          <p:nvPr/>
+        </p:nvSpPr>
+        <p:spPr>
+          <a:xfrm>
+            <a:off x="4938046" y="3859033"/>
+            <a:ext cx="1748896" cy="780051"/>
+          </a:xfrm>
+          <a:prstGeom prst="flowChartDecision">
+            <a:avLst/>
+          </a:prstGeom>
+        </p:spPr>
+        <p:style>
+          <a:lnRef idx="1">
+            <a:schemeClr val="accent2"/>
+          </a:lnRef>
+          <a:fillRef idx="2">
+            <a:schemeClr val="accent2"/>
+          </a:fillRef>
+          <a:effectRef idx="1">
+            <a:schemeClr val="accent2"/>
+          </a:effectRef>
+          <a:fontRef idx="minor">
+            <a:schemeClr val="dk1"/>
+          </a:fontRef>
+        </p:style>
+        <p:txBody>
+          <a:bodyPr rtlCol="0" anchor="ctr"/>
+          <a:lstStyle/>
+          <a:p>
+            <a:pPr algn="ctr"/>
+            <a:r>
+              <a:rPr lang="en-US" sz="1400" dirty="0" smtClean="0"/>
+              <a:t>Premium</a:t>
+            </a:r>
+            <a:endParaRPr lang="en-US" sz="1400" dirty="0"/>
+          </a:p>
+        </p:txBody>
+      </p:sp>
+      <p:cxnSp>
+        <p:nvCxnSpPr>
+          <p:cNvPr id="151" name="Elbow Connector 150"/>
+          <p:cNvCxnSpPr>
+            <a:stCxn id="143" idx="2"/>
+            <a:endCxn id="48" idx="0"/>
+          </p:cNvCxnSpPr>
+          <p:nvPr/>
+        </p:nvCxnSpPr>
+        <p:spPr>
+          <a:xfrm rot="5400000">
+            <a:off x="3780858" y="3251464"/>
+            <a:ext cx="644017" cy="3419257"/>
+          </a:xfrm>
+          <a:prstGeom prst="bentConnector3">
+            <a:avLst>
+              <a:gd name="adj1" fmla="val 50000"/>
+            </a:avLst>
+          </a:prstGeom>
+        </p:spPr>
+        <p:style>
+          <a:lnRef idx="1">
+            <a:schemeClr val="accent1"/>
+          </a:lnRef>
+          <a:fillRef idx="0">
+            <a:schemeClr val="accent1"/>
+          </a:fillRef>
+          <a:effectRef idx="0">
+            <a:schemeClr val="accent1"/>
+          </a:effectRef>
+          <a:fontRef idx="minor">
+            <a:schemeClr val="tx1"/>
+          </a:fontRef>
+        </p:style>
+      </p:cxnSp>
+      <p:sp>
+        <p:nvSpPr>
+          <p:cNvPr id="16" name="TextBox 15"/>
+          <p:cNvSpPr txBox="1"/>
+          <p:nvPr/>
+        </p:nvSpPr>
+        <p:spPr>
+          <a:xfrm>
+            <a:off x="2918749" y="1217218"/>
+            <a:ext cx="338554" cy="307777"/>
+          </a:xfrm>
+          <a:prstGeom prst="rect">
+            <a:avLst/>
+          </a:prstGeom>
+          <a:noFill/>
+        </p:spPr>
+        <p:txBody>
+          <a:bodyPr wrap="none" rtlCol="0">
+            <a:spAutoFit/>
+          </a:bodyPr>
+          <a:lstStyle/>
+          <a:p>
+            <a:r>
+              <a:rPr lang="en-US" sz="1400" dirty="0" smtClean="0"/>
+              <a:t>M</a:t>
+            </a:r>
+            <a:endParaRPr lang="en-US" sz="1400" dirty="0"/>
+          </a:p>
+        </p:txBody>
+      </p:sp>
+      <p:sp>
+        <p:nvSpPr>
+          <p:cNvPr id="18" name="TextBox 17"/>
+          <p:cNvSpPr txBox="1"/>
+          <p:nvPr/>
+        </p:nvSpPr>
+        <p:spPr>
+          <a:xfrm>
+            <a:off x="2930659" y="978260"/>
+            <a:ext cx="276038" cy="307777"/>
+          </a:xfrm>
+          <a:prstGeom prst="rect">
+            <a:avLst/>
+          </a:prstGeom>
+          <a:noFill/>
+        </p:spPr>
+        <p:txBody>
+          <a:bodyPr wrap="none" rtlCol="0">
+            <a:spAutoFit/>
+          </a:bodyPr>
+          <a:lstStyle/>
+          <a:p>
+            <a:r>
+              <a:rPr lang="en-US" sz="1400" dirty="0" smtClean="0"/>
+              <a:t>1</a:t>
+            </a:r>
+            <a:endParaRPr lang="en-US" sz="1400" dirty="0"/>
+          </a:p>
+        </p:txBody>
+      </p:sp>
+      <p:sp>
+        <p:nvSpPr>
+          <p:cNvPr id="40" name="TextBox 39"/>
+          <p:cNvSpPr txBox="1"/>
+          <p:nvPr/>
+        </p:nvSpPr>
+        <p:spPr>
+          <a:xfrm>
+            <a:off x="4888477" y="2965238"/>
+            <a:ext cx="338554" cy="307777"/>
+          </a:xfrm>
+          <a:prstGeom prst="rect">
+            <a:avLst/>
+          </a:prstGeom>
+          <a:noFill/>
+        </p:spPr>
+        <p:txBody>
+          <a:bodyPr wrap="none" rtlCol="0">
+            <a:spAutoFit/>
+          </a:bodyPr>
+          <a:lstStyle/>
+          <a:p>
+            <a:r>
+              <a:rPr lang="en-US" sz="1400" dirty="0" smtClean="0"/>
+              <a:t>M</a:t>
+            </a:r>
+            <a:endParaRPr lang="en-US" sz="1400" dirty="0"/>
+          </a:p>
+        </p:txBody>
+      </p:sp>
+      <p:sp>
+        <p:nvSpPr>
+          <p:cNvPr id="42" name="TextBox 41"/>
+          <p:cNvSpPr txBox="1"/>
+          <p:nvPr/>
+        </p:nvSpPr>
+        <p:spPr>
+          <a:xfrm>
+            <a:off x="4918623" y="2634261"/>
+            <a:ext cx="276038" cy="307777"/>
+          </a:xfrm>
+          <a:prstGeom prst="rect">
+            <a:avLst/>
+          </a:prstGeom>
+          <a:noFill/>
+        </p:spPr>
+        <p:txBody>
+          <a:bodyPr wrap="none" rtlCol="0">
+            <a:spAutoFit/>
+          </a:bodyPr>
+          <a:lstStyle/>
+          <a:p>
+            <a:r>
+              <a:rPr lang="en-US" sz="1400" dirty="0" smtClean="0"/>
+              <a:t>1</a:t>
+            </a:r>
+            <a:endParaRPr lang="en-US" sz="1400" dirty="0"/>
+          </a:p>
+        </p:txBody>
+      </p:sp>
+      <p:sp>
+        <p:nvSpPr>
+          <p:cNvPr id="43" name="TextBox 42"/>
+          <p:cNvSpPr txBox="1"/>
+          <p:nvPr/>
+        </p:nvSpPr>
+        <p:spPr>
+          <a:xfrm>
+            <a:off x="6152891" y="1722606"/>
+            <a:ext cx="276038" cy="307777"/>
+          </a:xfrm>
+          <a:prstGeom prst="rect">
+            <a:avLst/>
+          </a:prstGeom>
+          <a:noFill/>
+        </p:spPr>
+        <p:txBody>
+          <a:bodyPr wrap="none" rtlCol="0">
+            <a:spAutoFit/>
+          </a:bodyPr>
+          <a:lstStyle/>
+          <a:p>
+            <a:r>
+              <a:rPr lang="en-US" sz="1400" dirty="0" smtClean="0"/>
+              <a:t>1</a:t>
+            </a:r>
+            <a:endParaRPr lang="en-US" sz="1400" dirty="0"/>
+          </a:p>
+        </p:txBody>
+      </p:sp>
+      <p:sp>
+        <p:nvSpPr>
+          <p:cNvPr id="44" name="TextBox 43"/>
+          <p:cNvSpPr txBox="1"/>
+          <p:nvPr/>
+        </p:nvSpPr>
+        <p:spPr>
+          <a:xfrm>
+            <a:off x="9349037" y="2915205"/>
+            <a:ext cx="276038" cy="307777"/>
+          </a:xfrm>
+          <a:prstGeom prst="rect">
+            <a:avLst/>
+          </a:prstGeom>
+          <a:noFill/>
+        </p:spPr>
+        <p:txBody>
+          <a:bodyPr wrap="none" rtlCol="0">
+            <a:spAutoFit/>
+          </a:bodyPr>
+          <a:lstStyle/>
+          <a:p>
+            <a:r>
+              <a:rPr lang="en-US" sz="1400" dirty="0" smtClean="0"/>
+              <a:t>1</a:t>
+            </a:r>
+            <a:endParaRPr lang="en-US" sz="1400" dirty="0"/>
+          </a:p>
+        </p:txBody>
+      </p:sp>
+      <p:sp>
+        <p:nvSpPr>
+          <p:cNvPr id="46" name="TextBox 45"/>
+          <p:cNvSpPr txBox="1"/>
+          <p:nvPr/>
+        </p:nvSpPr>
+        <p:spPr>
+          <a:xfrm>
+            <a:off x="9317779" y="2662857"/>
+            <a:ext cx="338554" cy="307777"/>
+          </a:xfrm>
+          <a:prstGeom prst="rect">
+            <a:avLst/>
+          </a:prstGeom>
+          <a:noFill/>
+        </p:spPr>
+        <p:txBody>
+          <a:bodyPr wrap="none" rtlCol="0">
+            <a:spAutoFit/>
+          </a:bodyPr>
+          <a:lstStyle/>
+          <a:p>
+            <a:r>
+              <a:rPr lang="en-US" sz="1400" dirty="0" smtClean="0"/>
+              <a:t>M</a:t>
+            </a:r>
+            <a:endParaRPr lang="en-US" sz="1400" dirty="0"/>
+          </a:p>
+        </p:txBody>
+      </p:sp>
+      <p:sp>
+        <p:nvSpPr>
+          <p:cNvPr id="49" name="TextBox 48"/>
+          <p:cNvSpPr txBox="1"/>
+          <p:nvPr/>
+        </p:nvSpPr>
+        <p:spPr>
+          <a:xfrm>
+            <a:off x="6424643" y="1744414"/>
+            <a:ext cx="276038" cy="307777"/>
+          </a:xfrm>
+          <a:prstGeom prst="rect">
+            <a:avLst/>
+          </a:prstGeom>
+          <a:noFill/>
+        </p:spPr>
+        <p:txBody>
+          <a:bodyPr wrap="none" rtlCol="0">
+            <a:spAutoFit/>
+          </a:bodyPr>
+          <a:lstStyle/>
+          <a:p>
+            <a:r>
+              <a:rPr lang="en-US" sz="1400" dirty="0" smtClean="0"/>
+              <a:t>1</a:t>
+            </a:r>
+            <a:endParaRPr lang="en-US" sz="1400" dirty="0"/>
+          </a:p>
+        </p:txBody>
+      </p:sp>
+      <p:sp>
+        <p:nvSpPr>
+          <p:cNvPr id="50" name="TextBox 49"/>
+          <p:cNvSpPr txBox="1"/>
+          <p:nvPr/>
+        </p:nvSpPr>
+        <p:spPr>
+          <a:xfrm>
+            <a:off x="5246762" y="962364"/>
+            <a:ext cx="338554" cy="307777"/>
+          </a:xfrm>
+          <a:prstGeom prst="rect">
+            <a:avLst/>
+          </a:prstGeom>
+          <a:noFill/>
+        </p:spPr>
+        <p:txBody>
+          <a:bodyPr wrap="none" rtlCol="0">
+            <a:spAutoFit/>
+          </a:bodyPr>
+          <a:lstStyle/>
+          <a:p>
+            <a:r>
+              <a:rPr lang="en-US" sz="1400" dirty="0" smtClean="0"/>
+              <a:t>M</a:t>
+            </a:r>
+            <a:endParaRPr lang="en-US" sz="1400" dirty="0"/>
+          </a:p>
+        </p:txBody>
+      </p:sp>
+      <p:sp>
+        <p:nvSpPr>
+          <p:cNvPr id="51" name="TextBox 50"/>
+          <p:cNvSpPr txBox="1"/>
+          <p:nvPr/>
+        </p:nvSpPr>
+        <p:spPr>
+          <a:xfrm>
+            <a:off x="5289194" y="1317089"/>
+            <a:ext cx="276038" cy="307777"/>
+          </a:xfrm>
+          <a:prstGeom prst="rect">
+            <a:avLst/>
+          </a:prstGeom>
+          <a:noFill/>
+        </p:spPr>
+        <p:txBody>
+          <a:bodyPr wrap="none" rtlCol="0">
+            <a:spAutoFit/>
+          </a:bodyPr>
+          <a:lstStyle/>
+          <a:p>
+            <a:r>
+              <a:rPr lang="en-US" sz="1400" dirty="0" smtClean="0"/>
+              <a:t>1</a:t>
+            </a:r>
+            <a:endParaRPr lang="en-US" sz="1400" dirty="0"/>
+          </a:p>
+        </p:txBody>
+      </p:sp>
+      <p:sp>
+        <p:nvSpPr>
+          <p:cNvPr id="52" name="TextBox 51"/>
+          <p:cNvSpPr txBox="1"/>
+          <p:nvPr/>
+        </p:nvSpPr>
+        <p:spPr>
+          <a:xfrm>
+            <a:off x="7280416" y="2296399"/>
+            <a:ext cx="338554" cy="307777"/>
+          </a:xfrm>
+          <a:prstGeom prst="rect">
+            <a:avLst/>
+          </a:prstGeom>
+          <a:noFill/>
+        </p:spPr>
+        <p:txBody>
+          <a:bodyPr wrap="none" rtlCol="0">
+            <a:spAutoFit/>
+          </a:bodyPr>
+          <a:lstStyle/>
+          <a:p>
+            <a:r>
+              <a:rPr lang="en-US" sz="1400" dirty="0" smtClean="0"/>
+              <a:t>M</a:t>
+            </a:r>
+            <a:endParaRPr lang="en-US" sz="1400" dirty="0"/>
+          </a:p>
+        </p:txBody>
+      </p:sp>
+      <p:sp>
+        <p:nvSpPr>
+          <p:cNvPr id="54" name="TextBox 53"/>
+          <p:cNvSpPr txBox="1"/>
+          <p:nvPr/>
+        </p:nvSpPr>
+        <p:spPr>
+          <a:xfrm>
+            <a:off x="6989622" y="2277599"/>
+            <a:ext cx="276038" cy="307777"/>
+          </a:xfrm>
+          <a:prstGeom prst="rect">
+            <a:avLst/>
+          </a:prstGeom>
+          <a:noFill/>
+        </p:spPr>
+        <p:txBody>
+          <a:bodyPr wrap="none" rtlCol="0">
+            <a:spAutoFit/>
+          </a:bodyPr>
+          <a:lstStyle/>
+          <a:p>
+            <a:r>
+              <a:rPr lang="en-US" sz="1400" dirty="0" smtClean="0"/>
+              <a:t>1</a:t>
+            </a:r>
+            <a:endParaRPr lang="en-US" sz="1400" dirty="0"/>
+          </a:p>
+        </p:txBody>
+      </p:sp>
+      <p:sp>
+        <p:nvSpPr>
+          <p:cNvPr id="55" name="TextBox 54"/>
+          <p:cNvSpPr txBox="1"/>
+          <p:nvPr/>
+        </p:nvSpPr>
+        <p:spPr>
+          <a:xfrm>
+            <a:off x="994615" y="2620259"/>
+            <a:ext cx="338554" cy="307777"/>
+          </a:xfrm>
+          <a:prstGeom prst="rect">
+            <a:avLst/>
+          </a:prstGeom>
+          <a:noFill/>
+        </p:spPr>
+        <p:txBody>
+          <a:bodyPr wrap="none" rtlCol="0">
+            <a:spAutoFit/>
+          </a:bodyPr>
+          <a:lstStyle/>
+          <a:p>
+            <a:r>
+              <a:rPr lang="en-US" sz="1400" dirty="0" smtClean="0"/>
+              <a:t>M</a:t>
+            </a:r>
+            <a:endParaRPr lang="en-US" sz="1400" dirty="0"/>
+          </a:p>
+        </p:txBody>
+      </p:sp>
+      <p:sp>
+        <p:nvSpPr>
+          <p:cNvPr id="56" name="TextBox 55"/>
+          <p:cNvSpPr txBox="1"/>
+          <p:nvPr/>
+        </p:nvSpPr>
+        <p:spPr>
+          <a:xfrm>
+            <a:off x="2907291" y="2616067"/>
+            <a:ext cx="276038" cy="307777"/>
+          </a:xfrm>
+          <a:prstGeom prst="rect">
+            <a:avLst/>
+          </a:prstGeom>
+          <a:noFill/>
+        </p:spPr>
+        <p:txBody>
+          <a:bodyPr wrap="none" rtlCol="0">
+            <a:spAutoFit/>
+          </a:bodyPr>
+          <a:lstStyle/>
+          <a:p>
+            <a:r>
+              <a:rPr lang="en-US" sz="1400" dirty="0" smtClean="0"/>
+              <a:t>1</a:t>
+            </a:r>
+            <a:endParaRPr lang="en-US" sz="1400" dirty="0"/>
+          </a:p>
+        </p:txBody>
+      </p:sp>
+      <p:sp>
+        <p:nvSpPr>
+          <p:cNvPr id="57" name="TextBox 56"/>
+          <p:cNvSpPr txBox="1"/>
+          <p:nvPr/>
+        </p:nvSpPr>
+        <p:spPr>
+          <a:xfrm>
+            <a:off x="2863946" y="2942888"/>
+            <a:ext cx="338554" cy="307777"/>
+          </a:xfrm>
+          <a:prstGeom prst="rect">
+            <a:avLst/>
+          </a:prstGeom>
+          <a:noFill/>
+        </p:spPr>
+        <p:txBody>
+          <a:bodyPr wrap="none" rtlCol="0">
+            <a:spAutoFit/>
+          </a:bodyPr>
+          <a:lstStyle/>
+          <a:p>
+            <a:r>
+              <a:rPr lang="en-US" sz="1400" dirty="0" smtClean="0"/>
+              <a:t>M</a:t>
+            </a:r>
+            <a:endParaRPr lang="en-US" sz="1400" dirty="0"/>
+          </a:p>
+        </p:txBody>
+      </p:sp>
+      <p:sp>
+        <p:nvSpPr>
+          <p:cNvPr id="58" name="TextBox 57"/>
+          <p:cNvSpPr txBox="1"/>
+          <p:nvPr/>
+        </p:nvSpPr>
+        <p:spPr>
+          <a:xfrm>
+            <a:off x="1006114" y="2983434"/>
+            <a:ext cx="276038" cy="307777"/>
+          </a:xfrm>
+          <a:prstGeom prst="rect">
+            <a:avLst/>
+          </a:prstGeom>
+          <a:noFill/>
+        </p:spPr>
+        <p:txBody>
+          <a:bodyPr wrap="none" rtlCol="0">
+            <a:spAutoFit/>
+          </a:bodyPr>
+          <a:lstStyle/>
+          <a:p>
+            <a:r>
+              <a:rPr lang="en-US" sz="1400" dirty="0" smtClean="0"/>
+              <a:t>1</a:t>
+            </a:r>
+            <a:endParaRPr lang="en-US" sz="1400" dirty="0"/>
+          </a:p>
+        </p:txBody>
+      </p:sp>
+      <p:sp>
+        <p:nvSpPr>
+          <p:cNvPr id="59" name="TextBox 58"/>
+          <p:cNvSpPr txBox="1"/>
+          <p:nvPr/>
+        </p:nvSpPr>
+        <p:spPr>
+          <a:xfrm>
+            <a:off x="6947281" y="4287691"/>
+            <a:ext cx="276038" cy="307777"/>
+          </a:xfrm>
+          <a:prstGeom prst="rect">
+            <a:avLst/>
+          </a:prstGeom>
+          <a:noFill/>
+        </p:spPr>
+        <p:txBody>
+          <a:bodyPr wrap="none" rtlCol="0">
+            <a:spAutoFit/>
+          </a:bodyPr>
+          <a:lstStyle/>
+          <a:p>
+            <a:r>
+              <a:rPr lang="en-US" sz="1400" dirty="0"/>
+              <a:t>1</a:t>
+            </a:r>
+          </a:p>
+        </p:txBody>
+      </p:sp>
+      <p:sp>
+        <p:nvSpPr>
+          <p:cNvPr id="60" name="TextBox 59"/>
+          <p:cNvSpPr txBox="1"/>
+          <p:nvPr/>
+        </p:nvSpPr>
+        <p:spPr>
+          <a:xfrm>
+            <a:off x="6979947" y="3889273"/>
+            <a:ext cx="276038" cy="307777"/>
+          </a:xfrm>
+          <a:prstGeom prst="rect">
+            <a:avLst/>
+          </a:prstGeom>
+          <a:noFill/>
+        </p:spPr>
+        <p:txBody>
+          <a:bodyPr wrap="none" rtlCol="0">
+            <a:spAutoFit/>
+          </a:bodyPr>
+          <a:lstStyle/>
+          <a:p>
+            <a:r>
+              <a:rPr lang="en-US" sz="1400" dirty="0" smtClean="0"/>
+              <a:t>1</a:t>
+            </a:r>
+            <a:endParaRPr lang="en-US" sz="1400" dirty="0"/>
+          </a:p>
+        </p:txBody>
+      </p:sp>
+      <p:sp>
+        <p:nvSpPr>
+          <p:cNvPr id="61" name="TextBox 60"/>
+          <p:cNvSpPr txBox="1"/>
+          <p:nvPr/>
+        </p:nvSpPr>
+        <p:spPr>
+          <a:xfrm>
+            <a:off x="4002702" y="3222982"/>
+            <a:ext cx="338554" cy="307777"/>
+          </a:xfrm>
+          <a:prstGeom prst="rect">
+            <a:avLst/>
+          </a:prstGeom>
+          <a:noFill/>
+        </p:spPr>
+        <p:txBody>
+          <a:bodyPr wrap="none" rtlCol="0">
+            <a:spAutoFit/>
+          </a:bodyPr>
+          <a:lstStyle/>
+          <a:p>
+            <a:r>
+              <a:rPr lang="en-US" sz="1400" dirty="0" smtClean="0"/>
+              <a:t>M</a:t>
+            </a:r>
+            <a:endParaRPr lang="en-US" sz="1400" dirty="0"/>
+          </a:p>
+        </p:txBody>
+      </p:sp>
+      <p:sp>
+        <p:nvSpPr>
+          <p:cNvPr id="62" name="TextBox 61"/>
+          <p:cNvSpPr txBox="1"/>
+          <p:nvPr/>
+        </p:nvSpPr>
+        <p:spPr>
+          <a:xfrm>
+            <a:off x="3683906" y="3217793"/>
+            <a:ext cx="276038" cy="307777"/>
+          </a:xfrm>
+          <a:prstGeom prst="rect">
+            <a:avLst/>
+          </a:prstGeom>
+          <a:noFill/>
+        </p:spPr>
+        <p:txBody>
+          <a:bodyPr wrap="none" rtlCol="0">
+            <a:spAutoFit/>
+          </a:bodyPr>
+          <a:lstStyle/>
+          <a:p>
+            <a:r>
+              <a:rPr lang="en-US" sz="1400" dirty="0" smtClean="0"/>
+              <a:t>1</a:t>
+            </a:r>
+            <a:endParaRPr lang="en-US" sz="1400" dirty="0"/>
+          </a:p>
+        </p:txBody>
+      </p:sp>
+      <p:sp>
+        <p:nvSpPr>
+          <p:cNvPr id="63" name="TextBox 62"/>
+          <p:cNvSpPr txBox="1"/>
+          <p:nvPr/>
+        </p:nvSpPr>
+        <p:spPr>
+          <a:xfrm>
+            <a:off x="6574636" y="5788439"/>
+            <a:ext cx="276038" cy="307777"/>
+          </a:xfrm>
+          <a:prstGeom prst="rect">
+            <a:avLst/>
+          </a:prstGeom>
+          <a:noFill/>
+        </p:spPr>
+        <p:txBody>
+          <a:bodyPr wrap="none" rtlCol="0">
+            <a:spAutoFit/>
+          </a:bodyPr>
+          <a:lstStyle/>
+          <a:p>
+            <a:r>
+              <a:rPr lang="en-US" sz="1400" dirty="0"/>
+              <a:t>1</a:t>
+            </a:r>
+          </a:p>
+        </p:txBody>
+      </p:sp>
+      <p:sp>
+        <p:nvSpPr>
+          <p:cNvPr id="64" name="TextBox 63"/>
+          <p:cNvSpPr txBox="1"/>
+          <p:nvPr/>
+        </p:nvSpPr>
+        <p:spPr>
+          <a:xfrm>
+            <a:off x="6512120" y="5394620"/>
+            <a:ext cx="338554" cy="307777"/>
+          </a:xfrm>
+          <a:prstGeom prst="rect">
+            <a:avLst/>
+          </a:prstGeom>
+          <a:noFill/>
+        </p:spPr>
+        <p:txBody>
+          <a:bodyPr wrap="none" rtlCol="0">
+            <a:spAutoFit/>
+          </a:bodyPr>
+          <a:lstStyle/>
+          <a:p>
+            <a:r>
+              <a:rPr lang="en-US" sz="1400" dirty="0"/>
+              <a:t>M</a:t>
+            </a:r>
+          </a:p>
+        </p:txBody>
+      </p:sp>
+      <p:sp>
+        <p:nvSpPr>
+          <p:cNvPr id="65" name="TextBox 64"/>
+          <p:cNvSpPr txBox="1"/>
+          <p:nvPr/>
+        </p:nvSpPr>
+        <p:spPr>
+          <a:xfrm>
+            <a:off x="5826989" y="4648476"/>
+            <a:ext cx="276038" cy="307777"/>
+          </a:xfrm>
+          <a:prstGeom prst="rect">
+            <a:avLst/>
+          </a:prstGeom>
+          <a:noFill/>
+        </p:spPr>
+        <p:txBody>
+          <a:bodyPr wrap="none" rtlCol="0">
+            <a:spAutoFit/>
+          </a:bodyPr>
+          <a:lstStyle/>
+          <a:p>
+            <a:r>
+              <a:rPr lang="en-US" sz="1400" dirty="0"/>
+              <a:t>1</a:t>
+            </a:r>
+          </a:p>
+        </p:txBody>
+      </p:sp>
+      <p:sp>
+        <p:nvSpPr>
+          <p:cNvPr id="66" name="TextBox 65"/>
+          <p:cNvSpPr txBox="1"/>
+          <p:nvPr/>
+        </p:nvSpPr>
+        <p:spPr>
+          <a:xfrm>
+            <a:off x="5483641" y="4642096"/>
+            <a:ext cx="338554" cy="307777"/>
+          </a:xfrm>
+          <a:prstGeom prst="rect">
+            <a:avLst/>
+          </a:prstGeom>
+          <a:noFill/>
+        </p:spPr>
+        <p:txBody>
+          <a:bodyPr wrap="none" rtlCol="0">
+            <a:spAutoFit/>
+          </a:bodyPr>
+          <a:lstStyle/>
+          <a:p>
+            <a:r>
+              <a:rPr lang="en-US" sz="1400" dirty="0"/>
+              <a:t>M</a:t>
+            </a:r>
+          </a:p>
+        </p:txBody>
+      </p:sp>
+      <p:sp>
+        <p:nvSpPr>
+          <p:cNvPr id="67" name="TextBox 66"/>
+          <p:cNvSpPr txBox="1"/>
+          <p:nvPr/>
+        </p:nvSpPr>
+        <p:spPr>
+          <a:xfrm>
+            <a:off x="1050572" y="5726833"/>
+            <a:ext cx="338554" cy="307777"/>
+          </a:xfrm>
+          <a:prstGeom prst="rect">
+            <a:avLst/>
+          </a:prstGeom>
+          <a:noFill/>
+        </p:spPr>
+        <p:txBody>
+          <a:bodyPr wrap="none" rtlCol="0">
+            <a:spAutoFit/>
+          </a:bodyPr>
+          <a:lstStyle/>
+          <a:p>
+            <a:r>
+              <a:rPr lang="en-US" sz="1400" dirty="0" smtClean="0"/>
+              <a:t>M</a:t>
+            </a:r>
+            <a:endParaRPr lang="en-US" sz="1400" dirty="0"/>
+          </a:p>
+        </p:txBody>
+      </p:sp>
+      <p:sp>
+        <p:nvSpPr>
+          <p:cNvPr id="68" name="TextBox 67"/>
+          <p:cNvSpPr txBox="1"/>
+          <p:nvPr/>
+        </p:nvSpPr>
+        <p:spPr>
+          <a:xfrm>
+            <a:off x="2369666" y="5029162"/>
+            <a:ext cx="276038" cy="307777"/>
+          </a:xfrm>
+          <a:prstGeom prst="rect">
+            <a:avLst/>
+          </a:prstGeom>
+          <a:noFill/>
+        </p:spPr>
+        <p:txBody>
+          <a:bodyPr wrap="none" rtlCol="0">
+            <a:spAutoFit/>
+          </a:bodyPr>
+          <a:lstStyle/>
+          <a:p>
+            <a:r>
+              <a:rPr lang="en-US" sz="1400" dirty="0" smtClean="0"/>
+              <a:t>1</a:t>
+            </a:r>
+            <a:endParaRPr lang="en-US" sz="1400" dirty="0"/>
+          </a:p>
+        </p:txBody>
+      </p:sp>
+      <p:sp>
+        <p:nvSpPr>
+          <p:cNvPr id="69" name="TextBox 68"/>
+          <p:cNvSpPr txBox="1"/>
+          <p:nvPr/>
+        </p:nvSpPr>
+        <p:spPr>
+          <a:xfrm>
+            <a:off x="2139662" y="5029161"/>
+            <a:ext cx="276038" cy="307777"/>
+          </a:xfrm>
+          <a:prstGeom prst="rect">
+            <a:avLst/>
+          </a:prstGeom>
+          <a:noFill/>
+        </p:spPr>
+        <p:txBody>
+          <a:bodyPr wrap="none" rtlCol="0">
+            <a:spAutoFit/>
+          </a:bodyPr>
+          <a:lstStyle/>
+          <a:p>
+            <a:r>
+              <a:rPr lang="en-US" sz="1400" dirty="0" smtClean="0"/>
+              <a:t>1</a:t>
+            </a:r>
+            <a:endParaRPr lang="en-US" sz="1400" dirty="0"/>
+          </a:p>
+        </p:txBody>
+      </p:sp>
+      <p:sp>
+        <p:nvSpPr>
+          <p:cNvPr id="70" name="TextBox 69"/>
+          <p:cNvSpPr txBox="1"/>
+          <p:nvPr/>
+        </p:nvSpPr>
+        <p:spPr>
+          <a:xfrm>
+            <a:off x="1120819" y="5339264"/>
+            <a:ext cx="276038" cy="307777"/>
+          </a:xfrm>
+          <a:prstGeom prst="rect">
+            <a:avLst/>
+          </a:prstGeom>
+          <a:noFill/>
+        </p:spPr>
+        <p:txBody>
+          <a:bodyPr wrap="none" rtlCol="0">
+            <a:spAutoFit/>
+          </a:bodyPr>
+          <a:lstStyle/>
+          <a:p>
+            <a:r>
+              <a:rPr lang="en-US" sz="1400" dirty="0" smtClean="0"/>
+              <a:t>1</a:t>
+            </a:r>
+            <a:endParaRPr lang="en-US" sz="1400" dirty="0"/>
+          </a:p>
+        </p:txBody>
+      </p:sp>
+      <p:sp>
+        <p:nvSpPr>
+          <p:cNvPr id="71" name="TextBox 70"/>
+          <p:cNvSpPr txBox="1"/>
+          <p:nvPr/>
+        </p:nvSpPr>
+        <p:spPr>
+          <a:xfrm>
+            <a:off x="9219218" y="4268059"/>
+            <a:ext cx="276038" cy="307777"/>
+          </a:xfrm>
+          <a:prstGeom prst="rect">
+            <a:avLst/>
+          </a:prstGeom>
+          <a:noFill/>
+        </p:spPr>
+        <p:txBody>
+          <a:bodyPr wrap="none" rtlCol="0">
+            <a:spAutoFit/>
+          </a:bodyPr>
+          <a:lstStyle/>
+          <a:p>
+            <a:r>
+              <a:rPr lang="en-US" sz="1400" dirty="0"/>
+              <a:t>1</a:t>
+            </a:r>
+          </a:p>
+        </p:txBody>
+      </p:sp>
+      <p:sp>
+        <p:nvSpPr>
+          <p:cNvPr id="72" name="TextBox 71"/>
+          <p:cNvSpPr txBox="1"/>
+          <p:nvPr/>
+        </p:nvSpPr>
+        <p:spPr>
+          <a:xfrm>
+            <a:off x="9179760" y="3934605"/>
+            <a:ext cx="338554" cy="307777"/>
+          </a:xfrm>
+          <a:prstGeom prst="rect">
+            <a:avLst/>
+          </a:prstGeom>
+          <a:noFill/>
+        </p:spPr>
+        <p:txBody>
+          <a:bodyPr wrap="none" rtlCol="0">
+            <a:spAutoFit/>
+          </a:bodyPr>
+          <a:lstStyle/>
+          <a:p>
+            <a:r>
+              <a:rPr lang="en-US" sz="1400" dirty="0"/>
+              <a:t>M</a:t>
+            </a:r>
+          </a:p>
+        </p:txBody>
+      </p:sp>
+      <p:cxnSp>
+        <p:nvCxnSpPr>
+          <p:cNvPr id="29" name="Straight Connector 28"/>
+          <p:cNvCxnSpPr>
+            <a:stCxn id="7" idx="2"/>
+            <a:endCxn id="13" idx="0"/>
+          </p:cNvCxnSpPr>
+          <p:nvPr/>
+        </p:nvCxnSpPr>
+        <p:spPr>
+          <a:xfrm flipH="1">
+            <a:off x="10500996" y="3260718"/>
+            <a:ext cx="8828" cy="581519"/>
+          </a:xfrm>
+          <a:prstGeom prst="line">
+            <a:avLst/>
+          </a:prstGeom>
+        </p:spPr>
+        <p:style>
+          <a:lnRef idx="1">
+            <a:schemeClr val="accent1"/>
+          </a:lnRef>
+          <a:fillRef idx="0">
+            <a:schemeClr val="accent1"/>
+          </a:fillRef>
+          <a:effectRef idx="0">
+            <a:schemeClr val="accent1"/>
+          </a:effectRef>
+          <a:fontRef idx="minor">
+            <a:schemeClr val="tx1"/>
+          </a:fontRef>
+        </p:style>
+      </p:cxnSp>
+      <p:sp>
+        <p:nvSpPr>
+          <p:cNvPr id="73" name="TextBox 72"/>
+          <p:cNvSpPr txBox="1"/>
+          <p:nvPr/>
+        </p:nvSpPr>
+        <p:spPr>
+          <a:xfrm>
+            <a:off x="10509824" y="3273015"/>
+            <a:ext cx="338554" cy="307777"/>
+          </a:xfrm>
+          <a:prstGeom prst="rect">
+            <a:avLst/>
+          </a:prstGeom>
+          <a:noFill/>
+        </p:spPr>
+        <p:txBody>
+          <a:bodyPr wrap="none" rtlCol="0">
+            <a:spAutoFit/>
+          </a:bodyPr>
+          <a:lstStyle/>
+          <a:p>
+            <a:r>
+              <a:rPr lang="en-US" sz="1400" dirty="0" smtClean="0"/>
+              <a:t>M</a:t>
+            </a:r>
+            <a:endParaRPr lang="en-US" sz="1400" dirty="0"/>
+          </a:p>
+        </p:txBody>
+      </p:sp>
       <p:grpSp>
         <p:nvGrpSpPr>
-          <p:cNvPr id="27" name="Group 26"/>
+          <p:cNvPr id="20" name="Group 19"/>
           <p:cNvGrpSpPr/>
           <p:nvPr/>
         </p:nvGrpSpPr>
         <p:grpSpPr>
           <a:xfrm>
-            <a:off x="171019" y="866274"/>
-            <a:ext cx="11778259" cy="5791200"/>
-            <a:chOff x="171019" y="502652"/>
-            <a:chExt cx="11778259" cy="6399206"/>
+            <a:off x="4660773" y="5371276"/>
+            <a:ext cx="1849086" cy="740034"/>
+            <a:chOff x="2913149" y="5760823"/>
+            <a:chExt cx="2183840" cy="974441"/>
           </a:xfrm>
         </p:grpSpPr>
         <p:sp>
           <p:nvSpPr>
-            <p:cNvPr id="4" name="Rectangle 3"/>
+            <p:cNvPr id="5" name="Rectangle 4"/>
             <p:cNvSpPr/>
             <p:nvPr/>
           </p:nvSpPr>
           <p:spPr>
             <a:xfrm>
-              <a:off x="5504655" y="791335"/>
+              <a:off x="2976627" y="5788570"/>
               <a:ext cx="2004164" cy="839244"/>
             </a:xfrm>
             <a:prstGeom prst="rect">
@@ -4118,25 +7179,25 @@
             <a:p>
               <a:pPr algn="ctr"/>
               <a:r>
-                <a:rPr lang="en-US" dirty="0" smtClean="0"/>
-                <a:t>Doctor</a:t>
+                <a:rPr lang="en-US" sz="1400" dirty="0" smtClean="0"/>
+                <a:t>Healthcare Plan</a:t>
               </a:r>
-              <a:endParaRPr lang="en-US" dirty="0"/>
+              <a:endParaRPr lang="en-US" sz="1400" dirty="0"/>
             </a:p>
           </p:txBody>
         </p:sp>
         <p:sp>
           <p:nvSpPr>
-            <p:cNvPr id="6" name="Rectangle 5"/>
+            <p:cNvPr id="30" name="Frame 29"/>
             <p:cNvSpPr/>
             <p:nvPr/>
           </p:nvSpPr>
           <p:spPr>
             <a:xfrm>
-              <a:off x="2686835" y="3911623"/>
-              <a:ext cx="2004164" cy="839244"/>
+              <a:off x="2913149" y="5760823"/>
+              <a:ext cx="2183840" cy="974441"/>
             </a:xfrm>
-            <a:prstGeom prst="rect">
+            <a:prstGeom prst="frame">
               <a:avLst/>
             </a:prstGeom>
           </p:spPr>
@@ -4161,2354 +7222,21 @@
             <a:lstStyle/>
             <a:p>
               <a:pPr algn="ctr"/>
-              <a:r>
-                <a:rPr lang="en-US" dirty="0" smtClean="0"/>
-                <a:t>Patient</a:t>
-              </a:r>
-              <a:endParaRPr lang="en-US" dirty="0"/>
-            </a:p>
-          </p:txBody>
-        </p:sp>
-        <p:sp>
-          <p:nvSpPr>
-            <p:cNvPr id="7" name="Rectangle 6"/>
-            <p:cNvSpPr/>
-            <p:nvPr/>
-          </p:nvSpPr>
-          <p:spPr>
-            <a:xfrm>
-              <a:off x="9945114" y="2910331"/>
-              <a:ext cx="2004164" cy="839244"/>
-            </a:xfrm>
-            <a:prstGeom prst="rect">
-              <a:avLst/>
-            </a:prstGeom>
-          </p:spPr>
-          <p:style>
-            <a:lnRef idx="2">
-              <a:schemeClr val="accent1">
-                <a:shade val="50000"/>
-              </a:schemeClr>
-            </a:lnRef>
-            <a:fillRef idx="1">
-              <a:schemeClr val="accent1"/>
-            </a:fillRef>
-            <a:effectRef idx="0">
-              <a:schemeClr val="accent1"/>
-            </a:effectRef>
-            <a:fontRef idx="minor">
-              <a:schemeClr val="lt1"/>
-            </a:fontRef>
-          </p:style>
-          <p:txBody>
-            <a:bodyPr rtlCol="0" anchor="ctr"/>
-            <a:lstStyle/>
-            <a:p>
-              <a:pPr algn="ctr"/>
-              <a:r>
-                <a:rPr lang="en-US" dirty="0" smtClean="0"/>
-                <a:t>HealthCare Provider</a:t>
-              </a:r>
-              <a:endParaRPr lang="en-US" dirty="0"/>
-            </a:p>
-          </p:txBody>
-        </p:sp>
-        <p:sp>
-          <p:nvSpPr>
-            <p:cNvPr id="8" name="Rectangle 7"/>
-            <p:cNvSpPr/>
-            <p:nvPr/>
-          </p:nvSpPr>
-          <p:spPr>
-            <a:xfrm>
-              <a:off x="7662398" y="4611765"/>
-              <a:ext cx="2004164" cy="839244"/>
-            </a:xfrm>
-            <a:prstGeom prst="rect">
-              <a:avLst/>
-            </a:prstGeom>
-          </p:spPr>
-          <p:style>
-            <a:lnRef idx="2">
-              <a:schemeClr val="accent1">
-                <a:shade val="50000"/>
-              </a:schemeClr>
-            </a:lnRef>
-            <a:fillRef idx="1">
-              <a:schemeClr val="accent1"/>
-            </a:fillRef>
-            <a:effectRef idx="0">
-              <a:schemeClr val="accent1"/>
-            </a:effectRef>
-            <a:fontRef idx="minor">
-              <a:schemeClr val="lt1"/>
-            </a:fontRef>
-          </p:style>
-          <p:txBody>
-            <a:bodyPr rtlCol="0" anchor="ctr"/>
-            <a:lstStyle/>
-            <a:p>
-              <a:pPr algn="ctr"/>
-              <a:r>
-                <a:rPr lang="en-US" dirty="0" smtClean="0"/>
-                <a:t>Insurance Company</a:t>
-              </a:r>
-              <a:endParaRPr lang="en-US" dirty="0"/>
-            </a:p>
-          </p:txBody>
-        </p:sp>
-        <p:sp>
-          <p:nvSpPr>
-            <p:cNvPr id="9" name="Rectangle 8"/>
-            <p:cNvSpPr/>
-            <p:nvPr/>
-          </p:nvSpPr>
-          <p:spPr>
-            <a:xfrm>
-              <a:off x="385181" y="596597"/>
-              <a:ext cx="2004164" cy="839244"/>
-            </a:xfrm>
-            <a:prstGeom prst="rect">
-              <a:avLst/>
-            </a:prstGeom>
-          </p:spPr>
-          <p:style>
-            <a:lnRef idx="2">
-              <a:schemeClr val="accent1">
-                <a:shade val="50000"/>
-              </a:schemeClr>
-            </a:lnRef>
-            <a:fillRef idx="1">
-              <a:schemeClr val="accent1"/>
-            </a:fillRef>
-            <a:effectRef idx="0">
-              <a:schemeClr val="accent1"/>
-            </a:effectRef>
-            <a:fontRef idx="minor">
-              <a:schemeClr val="lt1"/>
-            </a:fontRef>
-          </p:style>
-          <p:txBody>
-            <a:bodyPr rtlCol="0" anchor="ctr"/>
-            <a:lstStyle/>
-            <a:p>
-              <a:pPr algn="ctr"/>
-              <a:r>
-                <a:rPr lang="en-US" dirty="0" smtClean="0"/>
-                <a:t>Disease</a:t>
-              </a:r>
-              <a:endParaRPr lang="en-US" dirty="0"/>
-            </a:p>
-          </p:txBody>
-        </p:sp>
-        <p:sp>
-          <p:nvSpPr>
-            <p:cNvPr id="10" name="Flowchart: Decision 9"/>
-            <p:cNvSpPr/>
-            <p:nvPr/>
-          </p:nvSpPr>
-          <p:spPr>
-            <a:xfrm>
-              <a:off x="3133596" y="724531"/>
-              <a:ext cx="1557404" cy="1027134"/>
-            </a:xfrm>
-            <a:prstGeom prst="flowChartDecision">
-              <a:avLst/>
-            </a:prstGeom>
-          </p:spPr>
-          <p:style>
-            <a:lnRef idx="1">
-              <a:schemeClr val="accent2"/>
-            </a:lnRef>
-            <a:fillRef idx="2">
-              <a:schemeClr val="accent2"/>
-            </a:fillRef>
-            <a:effectRef idx="1">
-              <a:schemeClr val="accent2"/>
-            </a:effectRef>
-            <a:fontRef idx="minor">
-              <a:schemeClr val="dk1"/>
-            </a:fontRef>
-          </p:style>
-          <p:txBody>
-            <a:bodyPr rtlCol="0" anchor="ctr"/>
-            <a:lstStyle/>
-            <a:p>
-              <a:pPr algn="ctr"/>
-              <a:r>
-                <a:rPr lang="en-US" dirty="0" smtClean="0"/>
-                <a:t>Is cured by</a:t>
-              </a:r>
-              <a:endParaRPr lang="en-US" dirty="0"/>
-            </a:p>
-          </p:txBody>
-        </p:sp>
-        <p:sp>
-          <p:nvSpPr>
-            <p:cNvPr id="11" name="Flowchart: Decision 10"/>
-            <p:cNvSpPr/>
-            <p:nvPr/>
-          </p:nvSpPr>
-          <p:spPr>
-            <a:xfrm>
-              <a:off x="515132" y="3113609"/>
-              <a:ext cx="1557404" cy="1027134"/>
-            </a:xfrm>
-            <a:prstGeom prst="flowChartDecision">
-              <a:avLst/>
-            </a:prstGeom>
-          </p:spPr>
-          <p:style>
-            <a:lnRef idx="1">
-              <a:schemeClr val="accent2"/>
-            </a:lnRef>
-            <a:fillRef idx="2">
-              <a:schemeClr val="accent2"/>
-            </a:fillRef>
-            <a:effectRef idx="1">
-              <a:schemeClr val="accent2"/>
-            </a:effectRef>
-            <a:fontRef idx="minor">
-              <a:schemeClr val="dk1"/>
-            </a:fontRef>
-          </p:style>
-          <p:txBody>
-            <a:bodyPr rtlCol="0" anchor="ctr"/>
-            <a:lstStyle/>
-            <a:p>
-              <a:pPr algn="ctr"/>
-              <a:r>
-                <a:rPr lang="en-US" dirty="0" smtClean="0"/>
-                <a:t>has</a:t>
-              </a:r>
-              <a:endParaRPr lang="en-US" dirty="0"/>
-            </a:p>
-          </p:txBody>
-        </p:sp>
-        <p:sp>
-          <p:nvSpPr>
-            <p:cNvPr id="12" name="Flowchart: Decision 11"/>
-            <p:cNvSpPr/>
-            <p:nvPr/>
-          </p:nvSpPr>
-          <p:spPr>
-            <a:xfrm>
-              <a:off x="8434453" y="502652"/>
-              <a:ext cx="1557404" cy="1027134"/>
-            </a:xfrm>
-            <a:prstGeom prst="flowChartDecision">
-              <a:avLst/>
-            </a:prstGeom>
-          </p:spPr>
-          <p:style>
-            <a:lnRef idx="1">
-              <a:schemeClr val="accent2"/>
-            </a:lnRef>
-            <a:fillRef idx="2">
-              <a:schemeClr val="accent2"/>
-            </a:fillRef>
-            <a:effectRef idx="1">
-              <a:schemeClr val="accent2"/>
-            </a:effectRef>
-            <a:fontRef idx="minor">
-              <a:schemeClr val="dk1"/>
-            </a:fontRef>
-          </p:style>
-          <p:txBody>
-            <a:bodyPr rtlCol="0" anchor="ctr"/>
-            <a:lstStyle/>
-            <a:p>
-              <a:pPr algn="ctr"/>
-              <a:r>
-                <a:rPr lang="en-US" dirty="0" smtClean="0"/>
-                <a:t>Work for</a:t>
-              </a:r>
-              <a:endParaRPr lang="en-US" dirty="0"/>
-            </a:p>
-          </p:txBody>
-        </p:sp>
-        <p:sp>
-          <p:nvSpPr>
-            <p:cNvPr id="13" name="Flowchart: Decision 12"/>
-            <p:cNvSpPr/>
-            <p:nvPr/>
-          </p:nvSpPr>
-          <p:spPr>
-            <a:xfrm>
-              <a:off x="10168493" y="4298525"/>
-              <a:ext cx="1574327" cy="1027134"/>
-            </a:xfrm>
-            <a:prstGeom prst="flowChartDecision">
-              <a:avLst/>
-            </a:prstGeom>
-          </p:spPr>
-          <p:style>
-            <a:lnRef idx="1">
-              <a:schemeClr val="accent2"/>
-            </a:lnRef>
-            <a:fillRef idx="2">
-              <a:schemeClr val="accent2"/>
-            </a:fillRef>
-            <a:effectRef idx="1">
-              <a:schemeClr val="accent2"/>
-            </a:effectRef>
-            <a:fontRef idx="minor">
-              <a:schemeClr val="dk1"/>
-            </a:fontRef>
-          </p:style>
-          <p:txBody>
-            <a:bodyPr rtlCol="0" anchor="ctr"/>
-            <a:lstStyle/>
-            <a:p>
-              <a:pPr algn="ctr"/>
-              <a:r>
-                <a:rPr lang="en-US" dirty="0" smtClean="0"/>
-                <a:t>Cooperate</a:t>
-              </a:r>
-              <a:endParaRPr lang="en-US" dirty="0"/>
-            </a:p>
-          </p:txBody>
-        </p:sp>
-        <p:sp>
-          <p:nvSpPr>
-            <p:cNvPr id="14" name="Flowchart: Decision 13"/>
-            <p:cNvSpPr/>
-            <p:nvPr/>
-          </p:nvSpPr>
-          <p:spPr>
-            <a:xfrm>
-              <a:off x="6745777" y="2677151"/>
-              <a:ext cx="1557404" cy="1027134"/>
-            </a:xfrm>
-            <a:prstGeom prst="flowChartDecision">
-              <a:avLst/>
-            </a:prstGeom>
-          </p:spPr>
-          <p:style>
-            <a:lnRef idx="1">
-              <a:schemeClr val="accent2"/>
-            </a:lnRef>
-            <a:fillRef idx="2">
-              <a:schemeClr val="accent2"/>
-            </a:fillRef>
-            <a:effectRef idx="1">
-              <a:schemeClr val="accent2"/>
-            </a:effectRef>
-            <a:fontRef idx="minor">
-              <a:schemeClr val="dk1"/>
-            </a:fontRef>
-          </p:style>
-          <p:txBody>
-            <a:bodyPr rtlCol="0" anchor="ctr"/>
-            <a:lstStyle/>
-            <a:p>
-              <a:pPr algn="ctr"/>
-              <a:r>
-                <a:rPr lang="en-US" dirty="0" smtClean="0"/>
-                <a:t>Visit</a:t>
-              </a:r>
-              <a:endParaRPr lang="en-US" dirty="0"/>
-            </a:p>
-          </p:txBody>
-        </p:sp>
-        <p:sp>
-          <p:nvSpPr>
-            <p:cNvPr id="15" name="Flowchart: Decision 14"/>
-            <p:cNvSpPr/>
-            <p:nvPr/>
-          </p:nvSpPr>
-          <p:spPr>
-            <a:xfrm>
-              <a:off x="7908382" y="5874724"/>
-              <a:ext cx="1557404" cy="1027134"/>
-            </a:xfrm>
-            <a:prstGeom prst="flowChartDecision">
-              <a:avLst/>
-            </a:prstGeom>
-          </p:spPr>
-          <p:style>
-            <a:lnRef idx="1">
-              <a:schemeClr val="accent2"/>
-            </a:lnRef>
-            <a:fillRef idx="2">
-              <a:schemeClr val="accent2"/>
-            </a:fillRef>
-            <a:effectRef idx="1">
-              <a:schemeClr val="accent2"/>
-            </a:effectRef>
-            <a:fontRef idx="minor">
-              <a:schemeClr val="dk1"/>
-            </a:fontRef>
-          </p:style>
-          <p:txBody>
-            <a:bodyPr rtlCol="0" anchor="ctr"/>
-            <a:lstStyle/>
-            <a:p>
-              <a:pPr algn="ctr"/>
-              <a:r>
-                <a:rPr lang="en-US" dirty="0" smtClean="0"/>
-                <a:t>Has</a:t>
-              </a:r>
-              <a:endParaRPr lang="en-US" dirty="0"/>
-            </a:p>
-          </p:txBody>
-        </p:sp>
-        <p:cxnSp>
-          <p:nvCxnSpPr>
-            <p:cNvPr id="17" name="Elbow Connector 16"/>
-            <p:cNvCxnSpPr>
-              <a:stCxn id="9" idx="3"/>
-              <a:endCxn id="10" idx="1"/>
-            </p:cNvCxnSpPr>
-            <p:nvPr/>
-          </p:nvCxnSpPr>
-          <p:spPr>
-            <a:xfrm>
-              <a:off x="2389345" y="1016219"/>
-              <a:ext cx="744251" cy="221879"/>
-            </a:xfrm>
-            <a:prstGeom prst="bentConnector3">
-              <a:avLst>
-                <a:gd name="adj1" fmla="val 50000"/>
-              </a:avLst>
-            </a:prstGeom>
-          </p:spPr>
-          <p:style>
-            <a:lnRef idx="1">
-              <a:schemeClr val="accent1"/>
-            </a:lnRef>
-            <a:fillRef idx="0">
-              <a:schemeClr val="accent1"/>
-            </a:fillRef>
-            <a:effectRef idx="0">
-              <a:schemeClr val="accent1"/>
-            </a:effectRef>
-            <a:fontRef idx="minor">
-              <a:schemeClr val="tx1"/>
-            </a:fontRef>
-          </p:style>
-        </p:cxnSp>
-        <p:cxnSp>
-          <p:nvCxnSpPr>
-            <p:cNvPr id="19" name="Elbow Connector 18"/>
-            <p:cNvCxnSpPr>
-              <a:stCxn id="4" idx="1"/>
-              <a:endCxn id="10" idx="3"/>
-            </p:cNvCxnSpPr>
-            <p:nvPr/>
-          </p:nvCxnSpPr>
-          <p:spPr>
-            <a:xfrm rot="10800000" flipV="1">
-              <a:off x="4691001" y="1210956"/>
-              <a:ext cx="813655" cy="27141"/>
-            </a:xfrm>
-            <a:prstGeom prst="bentConnector3">
-              <a:avLst>
-                <a:gd name="adj1" fmla="val 50000"/>
-              </a:avLst>
-            </a:prstGeom>
-          </p:spPr>
-          <p:style>
-            <a:lnRef idx="1">
-              <a:schemeClr val="accent1"/>
-            </a:lnRef>
-            <a:fillRef idx="0">
-              <a:schemeClr val="accent1"/>
-            </a:fillRef>
-            <a:effectRef idx="0">
-              <a:schemeClr val="accent1"/>
-            </a:effectRef>
-            <a:fontRef idx="minor">
-              <a:schemeClr val="tx1"/>
-            </a:fontRef>
-          </p:style>
-        </p:cxnSp>
-        <p:cxnSp>
-          <p:nvCxnSpPr>
-            <p:cNvPr id="21" name="Elbow Connector 20"/>
-            <p:cNvCxnSpPr>
-              <a:stCxn id="8" idx="2"/>
-              <a:endCxn id="15" idx="0"/>
-            </p:cNvCxnSpPr>
-            <p:nvPr/>
-          </p:nvCxnSpPr>
-          <p:spPr>
-            <a:xfrm rot="16200000" flipH="1">
-              <a:off x="8463925" y="5651564"/>
-              <a:ext cx="423715" cy="22604"/>
-            </a:xfrm>
-            <a:prstGeom prst="bentConnector3">
-              <a:avLst>
-                <a:gd name="adj1" fmla="val 50000"/>
-              </a:avLst>
-            </a:prstGeom>
-          </p:spPr>
-          <p:style>
-            <a:lnRef idx="1">
-              <a:schemeClr val="accent1"/>
-            </a:lnRef>
-            <a:fillRef idx="0">
-              <a:schemeClr val="accent1"/>
-            </a:fillRef>
-            <a:effectRef idx="0">
-              <a:schemeClr val="accent1"/>
-            </a:effectRef>
-            <a:fontRef idx="minor">
-              <a:schemeClr val="tx1"/>
-            </a:fontRef>
-          </p:style>
-        </p:cxnSp>
-        <p:cxnSp>
-          <p:nvCxnSpPr>
-            <p:cNvPr id="23" name="Elbow Connector 22"/>
-            <p:cNvCxnSpPr>
-              <a:stCxn id="15" idx="1"/>
-              <a:endCxn id="5" idx="3"/>
-            </p:cNvCxnSpPr>
-            <p:nvPr/>
-          </p:nvCxnSpPr>
-          <p:spPr>
-            <a:xfrm rot="10800000">
-              <a:off x="6521682" y="6348439"/>
-              <a:ext cx="1386701" cy="39853"/>
-            </a:xfrm>
-            <a:prstGeom prst="bentConnector3">
-              <a:avLst>
-                <a:gd name="adj1" fmla="val 50000"/>
-              </a:avLst>
-            </a:prstGeom>
-          </p:spPr>
-          <p:style>
-            <a:lnRef idx="1">
-              <a:schemeClr val="accent1"/>
-            </a:lnRef>
-            <a:fillRef idx="0">
-              <a:schemeClr val="accent1"/>
-            </a:fillRef>
-            <a:effectRef idx="0">
-              <a:schemeClr val="accent1"/>
-            </a:effectRef>
-            <a:fontRef idx="minor">
-              <a:schemeClr val="tx1"/>
-            </a:fontRef>
-          </p:style>
-        </p:cxnSp>
-        <p:cxnSp>
-          <p:nvCxnSpPr>
-            <p:cNvPr id="26" name="Elbow Connector 25"/>
-            <p:cNvCxnSpPr>
-              <a:stCxn id="4" idx="3"/>
-              <a:endCxn id="12" idx="1"/>
-            </p:cNvCxnSpPr>
-            <p:nvPr/>
-          </p:nvCxnSpPr>
-          <p:spPr>
-            <a:xfrm flipV="1">
-              <a:off x="7508819" y="1016219"/>
-              <a:ext cx="925634" cy="194738"/>
-            </a:xfrm>
-            <a:prstGeom prst="bentConnector3">
-              <a:avLst/>
-            </a:prstGeom>
-          </p:spPr>
-          <p:style>
-            <a:lnRef idx="1">
-              <a:schemeClr val="accent1"/>
-            </a:lnRef>
-            <a:fillRef idx="0">
-              <a:schemeClr val="accent1"/>
-            </a:fillRef>
-            <a:effectRef idx="0">
-              <a:schemeClr val="accent1"/>
-            </a:effectRef>
-            <a:fontRef idx="minor">
-              <a:schemeClr val="tx1"/>
-            </a:fontRef>
-          </p:style>
-        </p:cxnSp>
-        <p:cxnSp>
-          <p:nvCxnSpPr>
-            <p:cNvPr id="31" name="Elbow Connector 30"/>
-            <p:cNvCxnSpPr>
-              <a:stCxn id="8" idx="3"/>
-              <a:endCxn id="13" idx="1"/>
-            </p:cNvCxnSpPr>
-            <p:nvPr/>
-          </p:nvCxnSpPr>
-          <p:spPr>
-            <a:xfrm flipV="1">
-              <a:off x="9666562" y="4812092"/>
-              <a:ext cx="501931" cy="219295"/>
-            </a:xfrm>
-            <a:prstGeom prst="bentConnector3">
-              <a:avLst>
-                <a:gd name="adj1" fmla="val 50000"/>
-              </a:avLst>
-            </a:prstGeom>
-          </p:spPr>
-          <p:style>
-            <a:lnRef idx="1">
-              <a:schemeClr val="accent1"/>
-            </a:lnRef>
-            <a:fillRef idx="0">
-              <a:schemeClr val="accent1"/>
-            </a:fillRef>
-            <a:effectRef idx="0">
-              <a:schemeClr val="accent1"/>
-            </a:effectRef>
-            <a:fontRef idx="minor">
-              <a:schemeClr val="tx1"/>
-            </a:fontRef>
-          </p:style>
-        </p:cxnSp>
-        <p:cxnSp>
-          <p:nvCxnSpPr>
-            <p:cNvPr id="35" name="Elbow Connector 34"/>
-            <p:cNvCxnSpPr>
-              <a:stCxn id="11" idx="1"/>
-              <a:endCxn id="9" idx="1"/>
-            </p:cNvCxnSpPr>
-            <p:nvPr/>
-          </p:nvCxnSpPr>
-          <p:spPr>
-            <a:xfrm rot="10800000">
-              <a:off x="385182" y="1016220"/>
-              <a:ext cx="129951" cy="2610957"/>
-            </a:xfrm>
-            <a:prstGeom prst="bentConnector3">
-              <a:avLst>
-                <a:gd name="adj1" fmla="val 275912"/>
-              </a:avLst>
-            </a:prstGeom>
-          </p:spPr>
-          <p:style>
-            <a:lnRef idx="1">
-              <a:schemeClr val="accent1"/>
-            </a:lnRef>
-            <a:fillRef idx="0">
-              <a:schemeClr val="accent1"/>
-            </a:fillRef>
-            <a:effectRef idx="0">
-              <a:schemeClr val="accent1"/>
-            </a:effectRef>
-            <a:fontRef idx="minor">
-              <a:schemeClr val="tx1"/>
-            </a:fontRef>
-          </p:style>
-        </p:cxnSp>
-        <p:cxnSp>
-          <p:nvCxnSpPr>
-            <p:cNvPr id="37" name="Elbow Connector 36"/>
-            <p:cNvCxnSpPr>
-              <a:stCxn id="6" idx="1"/>
-              <a:endCxn id="11" idx="3"/>
-            </p:cNvCxnSpPr>
-            <p:nvPr/>
-          </p:nvCxnSpPr>
-          <p:spPr>
-            <a:xfrm rot="10800000">
-              <a:off x="2072537" y="3627177"/>
-              <a:ext cx="614299" cy="704069"/>
-            </a:xfrm>
-            <a:prstGeom prst="bentConnector3">
-              <a:avLst/>
-            </a:prstGeom>
-          </p:spPr>
-          <p:style>
-            <a:lnRef idx="1">
-              <a:schemeClr val="accent1"/>
-            </a:lnRef>
-            <a:fillRef idx="0">
-              <a:schemeClr val="accent1"/>
-            </a:fillRef>
-            <a:effectRef idx="0">
-              <a:schemeClr val="accent1"/>
-            </a:effectRef>
-            <a:fontRef idx="minor">
-              <a:schemeClr val="tx1"/>
-            </a:fontRef>
-          </p:style>
-        </p:cxnSp>
-        <p:cxnSp>
-          <p:nvCxnSpPr>
-            <p:cNvPr id="39" name="Elbow Connector 38"/>
-            <p:cNvCxnSpPr>
-              <a:stCxn id="6" idx="3"/>
-              <a:endCxn id="14" idx="1"/>
-            </p:cNvCxnSpPr>
-            <p:nvPr/>
-          </p:nvCxnSpPr>
-          <p:spPr>
-            <a:xfrm flipV="1">
-              <a:off x="4690999" y="3190718"/>
-              <a:ext cx="2054778" cy="1140527"/>
-            </a:xfrm>
-            <a:prstGeom prst="bentConnector3">
-              <a:avLst/>
-            </a:prstGeom>
-          </p:spPr>
-          <p:style>
-            <a:lnRef idx="1">
-              <a:schemeClr val="accent1"/>
-            </a:lnRef>
-            <a:fillRef idx="0">
-              <a:schemeClr val="accent1"/>
-            </a:fillRef>
-            <a:effectRef idx="0">
-              <a:schemeClr val="accent1"/>
-            </a:effectRef>
-            <a:fontRef idx="minor">
-              <a:schemeClr val="tx1"/>
-            </a:fontRef>
-          </p:style>
-        </p:cxnSp>
-        <p:cxnSp>
-          <p:nvCxnSpPr>
-            <p:cNvPr id="41" name="Elbow Connector 40"/>
-            <p:cNvCxnSpPr>
-              <a:stCxn id="14" idx="3"/>
-              <a:endCxn id="7" idx="1"/>
-            </p:cNvCxnSpPr>
-            <p:nvPr/>
-          </p:nvCxnSpPr>
-          <p:spPr>
-            <a:xfrm>
-              <a:off x="8303181" y="3190718"/>
-              <a:ext cx="1641933" cy="139235"/>
-            </a:xfrm>
-            <a:prstGeom prst="bentConnector3">
-              <a:avLst/>
-            </a:prstGeom>
-          </p:spPr>
-          <p:style>
-            <a:lnRef idx="1">
-              <a:schemeClr val="accent1"/>
-            </a:lnRef>
-            <a:fillRef idx="0">
-              <a:schemeClr val="accent1"/>
-            </a:fillRef>
-            <a:effectRef idx="0">
-              <a:schemeClr val="accent1"/>
-            </a:effectRef>
-            <a:fontRef idx="minor">
-              <a:schemeClr val="tx1"/>
-            </a:fontRef>
-          </p:style>
-        </p:cxnSp>
-        <p:cxnSp>
-          <p:nvCxnSpPr>
-            <p:cNvPr id="45" name="Elbow Connector 44"/>
-            <p:cNvCxnSpPr>
-              <a:stCxn id="12" idx="3"/>
-              <a:endCxn id="7" idx="0"/>
-            </p:cNvCxnSpPr>
-            <p:nvPr/>
-          </p:nvCxnSpPr>
-          <p:spPr>
-            <a:xfrm>
-              <a:off x="9991857" y="1016219"/>
-              <a:ext cx="955339" cy="1894112"/>
-            </a:xfrm>
-            <a:prstGeom prst="bentConnector2">
-              <a:avLst/>
-            </a:prstGeom>
-          </p:spPr>
-          <p:style>
-            <a:lnRef idx="1">
-              <a:schemeClr val="accent1"/>
-            </a:lnRef>
-            <a:fillRef idx="0">
-              <a:schemeClr val="accent1"/>
-            </a:fillRef>
-            <a:effectRef idx="0">
-              <a:schemeClr val="accent1"/>
-            </a:effectRef>
-            <a:fontRef idx="minor">
-              <a:schemeClr val="tx1"/>
-            </a:fontRef>
-          </p:style>
-        </p:cxnSp>
-        <p:cxnSp>
-          <p:nvCxnSpPr>
-            <p:cNvPr id="47" name="Elbow Connector 46"/>
-            <p:cNvCxnSpPr>
-              <a:stCxn id="6" idx="2"/>
-              <a:endCxn id="48" idx="1"/>
-            </p:cNvCxnSpPr>
-            <p:nvPr/>
-          </p:nvCxnSpPr>
-          <p:spPr>
-            <a:xfrm rot="5400000">
-              <a:off x="1346157" y="3860865"/>
-              <a:ext cx="1452758" cy="3232763"/>
-            </a:xfrm>
-            <a:prstGeom prst="bentConnector4">
-              <a:avLst>
-                <a:gd name="adj1" fmla="val 32324"/>
-                <a:gd name="adj2" fmla="val 107071"/>
-              </a:avLst>
-            </a:prstGeom>
-          </p:spPr>
-          <p:style>
-            <a:lnRef idx="1">
-              <a:schemeClr val="accent1"/>
-            </a:lnRef>
-            <a:fillRef idx="0">
-              <a:schemeClr val="accent1"/>
-            </a:fillRef>
-            <a:effectRef idx="0">
-              <a:schemeClr val="accent1"/>
-            </a:effectRef>
-            <a:fontRef idx="minor">
-              <a:schemeClr val="tx1"/>
-            </a:fontRef>
-          </p:style>
-        </p:cxnSp>
-        <p:sp>
-          <p:nvSpPr>
-            <p:cNvPr id="48" name="Flowchart: Decision 47"/>
-            <p:cNvSpPr/>
-            <p:nvPr/>
-          </p:nvSpPr>
-          <p:spPr>
-            <a:xfrm>
-              <a:off x="456154" y="5690058"/>
-              <a:ext cx="1557404" cy="1027134"/>
-            </a:xfrm>
-            <a:prstGeom prst="flowChartDecision">
-              <a:avLst/>
-            </a:prstGeom>
-          </p:spPr>
-          <p:style>
-            <a:lnRef idx="1">
-              <a:schemeClr val="accent2"/>
-            </a:lnRef>
-            <a:fillRef idx="2">
-              <a:schemeClr val="accent2"/>
-            </a:fillRef>
-            <a:effectRef idx="1">
-              <a:schemeClr val="accent2"/>
-            </a:effectRef>
-            <a:fontRef idx="minor">
-              <a:schemeClr val="dk1"/>
-            </a:fontRef>
-          </p:style>
-          <p:txBody>
-            <a:bodyPr rtlCol="0" anchor="ctr"/>
-            <a:lstStyle/>
-            <a:p>
-              <a:pPr algn="ctr"/>
-              <a:r>
-                <a:rPr lang="en-US" dirty="0" smtClean="0"/>
-                <a:t>Transaction</a:t>
-              </a:r>
-              <a:endParaRPr lang="en-US" dirty="0"/>
-            </a:p>
-          </p:txBody>
-        </p:sp>
-        <p:cxnSp>
-          <p:nvCxnSpPr>
-            <p:cNvPr id="53" name="Elbow Connector 52"/>
-            <p:cNvCxnSpPr>
-              <a:stCxn id="5" idx="1"/>
-              <a:endCxn id="48" idx="3"/>
-            </p:cNvCxnSpPr>
-            <p:nvPr/>
-          </p:nvCxnSpPr>
-          <p:spPr>
-            <a:xfrm rot="10800000">
-              <a:off x="2013559" y="6203626"/>
-              <a:ext cx="2503959" cy="144813"/>
-            </a:xfrm>
-            <a:prstGeom prst="bentConnector3">
-              <a:avLst/>
-            </a:prstGeom>
-          </p:spPr>
-          <p:style>
-            <a:lnRef idx="1">
-              <a:schemeClr val="accent1"/>
-            </a:lnRef>
-            <a:fillRef idx="0">
-              <a:schemeClr val="accent1"/>
-            </a:fillRef>
-            <a:effectRef idx="0">
-              <a:schemeClr val="accent1"/>
-            </a:effectRef>
-            <a:fontRef idx="minor">
-              <a:schemeClr val="tx1"/>
-            </a:fontRef>
-          </p:style>
-        </p:cxnSp>
-        <p:sp>
-          <p:nvSpPr>
-            <p:cNvPr id="88" name="Flowchart: Decision 87"/>
-            <p:cNvSpPr/>
-            <p:nvPr/>
-          </p:nvSpPr>
-          <p:spPr>
-            <a:xfrm>
-              <a:off x="3698972" y="2316544"/>
-              <a:ext cx="1557404" cy="1027134"/>
-            </a:xfrm>
-            <a:prstGeom prst="flowChartDecision">
-              <a:avLst/>
-            </a:prstGeom>
-          </p:spPr>
-          <p:style>
-            <a:lnRef idx="1">
-              <a:schemeClr val="accent2"/>
-            </a:lnRef>
-            <a:fillRef idx="2">
-              <a:schemeClr val="accent2"/>
-            </a:fillRef>
-            <a:effectRef idx="1">
-              <a:schemeClr val="accent2"/>
-            </a:effectRef>
-            <a:fontRef idx="minor">
-              <a:schemeClr val="dk1"/>
-            </a:fontRef>
-          </p:style>
-          <p:txBody>
-            <a:bodyPr rtlCol="0" anchor="ctr"/>
-            <a:lstStyle/>
-            <a:p>
-              <a:pPr algn="ctr"/>
-              <a:r>
-                <a:rPr lang="en-US" dirty="0" smtClean="0"/>
-                <a:t>Treat</a:t>
-              </a:r>
-              <a:endParaRPr lang="en-US" dirty="0"/>
-            </a:p>
-          </p:txBody>
-        </p:sp>
-        <p:cxnSp>
-          <p:nvCxnSpPr>
-            <p:cNvPr id="90" name="Elbow Connector 89"/>
-            <p:cNvCxnSpPr>
-              <a:stCxn id="4" idx="2"/>
-              <a:endCxn id="88" idx="0"/>
-            </p:cNvCxnSpPr>
-            <p:nvPr/>
-          </p:nvCxnSpPr>
-          <p:spPr>
-            <a:xfrm rot="5400000">
-              <a:off x="5149224" y="959030"/>
-              <a:ext cx="685965" cy="2029063"/>
-            </a:xfrm>
-            <a:prstGeom prst="bentConnector3">
-              <a:avLst>
-                <a:gd name="adj1" fmla="val 50000"/>
-              </a:avLst>
-            </a:prstGeom>
-          </p:spPr>
-          <p:style>
-            <a:lnRef idx="1">
-              <a:schemeClr val="accent1"/>
-            </a:lnRef>
-            <a:fillRef idx="0">
-              <a:schemeClr val="accent1"/>
-            </a:fillRef>
-            <a:effectRef idx="0">
-              <a:schemeClr val="accent1"/>
-            </a:effectRef>
-            <a:fontRef idx="minor">
-              <a:schemeClr val="tx1"/>
-            </a:fontRef>
-          </p:style>
-        </p:cxnSp>
-        <p:cxnSp>
-          <p:nvCxnSpPr>
-            <p:cNvPr id="92" name="Elbow Connector 91"/>
-            <p:cNvCxnSpPr>
-              <a:stCxn id="88" idx="3"/>
-              <a:endCxn id="14" idx="0"/>
-            </p:cNvCxnSpPr>
-            <p:nvPr/>
-          </p:nvCxnSpPr>
-          <p:spPr>
-            <a:xfrm flipV="1">
-              <a:off x="5256376" y="2677151"/>
-              <a:ext cx="2268103" cy="152960"/>
-            </a:xfrm>
-            <a:prstGeom prst="bentConnector4">
-              <a:avLst>
-                <a:gd name="adj1" fmla="val 32834"/>
-                <a:gd name="adj2" fmla="val 247720"/>
-              </a:avLst>
-            </a:prstGeom>
-          </p:spPr>
-          <p:style>
-            <a:lnRef idx="1">
-              <a:schemeClr val="accent1"/>
-            </a:lnRef>
-            <a:fillRef idx="0">
-              <a:schemeClr val="accent1"/>
-            </a:fillRef>
-            <a:effectRef idx="0">
-              <a:schemeClr val="accent1"/>
-            </a:effectRef>
-            <a:fontRef idx="minor">
-              <a:schemeClr val="tx1"/>
-            </a:fontRef>
-          </p:style>
-        </p:cxnSp>
-        <p:sp>
-          <p:nvSpPr>
-            <p:cNvPr id="143" name="Flowchart: Decision 142"/>
-            <p:cNvSpPr/>
-            <p:nvPr/>
-          </p:nvSpPr>
-          <p:spPr>
-            <a:xfrm>
-              <a:off x="5174391" y="4208417"/>
-              <a:ext cx="2065512" cy="1027134"/>
-            </a:xfrm>
-            <a:prstGeom prst="flowChartDecision">
-              <a:avLst/>
-            </a:prstGeom>
-          </p:spPr>
-          <p:style>
-            <a:lnRef idx="1">
-              <a:schemeClr val="accent2"/>
-            </a:lnRef>
-            <a:fillRef idx="2">
-              <a:schemeClr val="accent2"/>
-            </a:fillRef>
-            <a:effectRef idx="1">
-              <a:schemeClr val="accent2"/>
-            </a:effectRef>
-            <a:fontRef idx="minor">
-              <a:schemeClr val="dk1"/>
-            </a:fontRef>
-          </p:style>
-          <p:txBody>
-            <a:bodyPr rtlCol="0" anchor="ctr"/>
-            <a:lstStyle/>
-            <a:p>
-              <a:pPr algn="ctr"/>
-              <a:r>
-                <a:rPr lang="en-US" dirty="0" smtClean="0"/>
-                <a:t>Premium</a:t>
-              </a:r>
-              <a:endParaRPr lang="en-US" dirty="0"/>
-            </a:p>
-          </p:txBody>
-        </p:sp>
-        <p:cxnSp>
-          <p:nvCxnSpPr>
-            <p:cNvPr id="149" name="Elbow Connector 148"/>
-            <p:cNvCxnSpPr>
-              <a:stCxn id="8" idx="1"/>
-              <a:endCxn id="143" idx="3"/>
-            </p:cNvCxnSpPr>
-            <p:nvPr/>
-          </p:nvCxnSpPr>
-          <p:spPr>
-            <a:xfrm rot="10800000">
-              <a:off x="7239904" y="4721985"/>
-              <a:ext cx="422495" cy="309403"/>
-            </a:xfrm>
-            <a:prstGeom prst="bentConnector3">
-              <a:avLst/>
-            </a:prstGeom>
-          </p:spPr>
-          <p:style>
-            <a:lnRef idx="1">
-              <a:schemeClr val="accent1"/>
-            </a:lnRef>
-            <a:fillRef idx="0">
-              <a:schemeClr val="accent1"/>
-            </a:fillRef>
-            <a:effectRef idx="0">
-              <a:schemeClr val="accent1"/>
-            </a:effectRef>
-            <a:fontRef idx="minor">
-              <a:schemeClr val="tx1"/>
-            </a:fontRef>
-          </p:style>
-        </p:cxnSp>
-        <p:cxnSp>
-          <p:nvCxnSpPr>
-            <p:cNvPr id="151" name="Elbow Connector 150"/>
-            <p:cNvCxnSpPr>
-              <a:stCxn id="143" idx="2"/>
-              <a:endCxn id="48" idx="0"/>
-            </p:cNvCxnSpPr>
-            <p:nvPr/>
-          </p:nvCxnSpPr>
-          <p:spPr>
-            <a:xfrm rot="5400000">
-              <a:off x="3493749" y="2976659"/>
-              <a:ext cx="454507" cy="4972291"/>
-            </a:xfrm>
-            <a:prstGeom prst="bentConnector3">
-              <a:avLst>
-                <a:gd name="adj1" fmla="val 50000"/>
-              </a:avLst>
-            </a:prstGeom>
-          </p:spPr>
-          <p:style>
-            <a:lnRef idx="1">
-              <a:schemeClr val="accent1"/>
-            </a:lnRef>
-            <a:fillRef idx="0">
-              <a:schemeClr val="accent1"/>
-            </a:fillRef>
-            <a:effectRef idx="0">
-              <a:schemeClr val="accent1"/>
-            </a:effectRef>
-            <a:fontRef idx="minor">
-              <a:schemeClr val="tx1"/>
-            </a:fontRef>
-          </p:style>
-        </p:cxnSp>
-        <p:sp>
-          <p:nvSpPr>
-            <p:cNvPr id="16" name="TextBox 15"/>
-            <p:cNvSpPr txBox="1"/>
-            <p:nvPr/>
-          </p:nvSpPr>
-          <p:spPr>
-            <a:xfrm>
-              <a:off x="2379686" y="936392"/>
-              <a:ext cx="381836" cy="369332"/>
-            </a:xfrm>
-            <a:prstGeom prst="rect">
-              <a:avLst/>
-            </a:prstGeom>
-            <a:noFill/>
-          </p:spPr>
-          <p:txBody>
-            <a:bodyPr wrap="none" rtlCol="0">
-              <a:spAutoFit/>
-            </a:bodyPr>
-            <a:lstStyle/>
-            <a:p>
-              <a:r>
-                <a:rPr lang="en-US" dirty="0" smtClean="0"/>
-                <a:t>M</a:t>
-              </a:r>
-              <a:endParaRPr lang="en-US" dirty="0"/>
-            </a:p>
-          </p:txBody>
-        </p:sp>
-        <p:sp>
-          <p:nvSpPr>
-            <p:cNvPr id="18" name="TextBox 17"/>
-            <p:cNvSpPr txBox="1"/>
-            <p:nvPr/>
-          </p:nvSpPr>
-          <p:spPr>
-            <a:xfrm>
-              <a:off x="2393753" y="621743"/>
-              <a:ext cx="301686" cy="369332"/>
-            </a:xfrm>
-            <a:prstGeom prst="rect">
-              <a:avLst/>
-            </a:prstGeom>
-            <a:noFill/>
-          </p:spPr>
-          <p:txBody>
-            <a:bodyPr wrap="none" rtlCol="0">
-              <a:spAutoFit/>
-            </a:bodyPr>
-            <a:lstStyle/>
-            <a:p>
-              <a:r>
-                <a:rPr lang="en-US" dirty="0" smtClean="0"/>
-                <a:t>1</a:t>
-              </a:r>
-              <a:endParaRPr lang="en-US" dirty="0"/>
-            </a:p>
-          </p:txBody>
-        </p:sp>
-        <p:sp>
-          <p:nvSpPr>
-            <p:cNvPr id="40" name="TextBox 39"/>
-            <p:cNvSpPr txBox="1"/>
-            <p:nvPr/>
-          </p:nvSpPr>
-          <p:spPr>
-            <a:xfrm>
-              <a:off x="4636708" y="4356390"/>
-              <a:ext cx="381836" cy="369332"/>
-            </a:xfrm>
-            <a:prstGeom prst="rect">
-              <a:avLst/>
-            </a:prstGeom>
-            <a:noFill/>
-          </p:spPr>
-          <p:txBody>
-            <a:bodyPr wrap="none" rtlCol="0">
-              <a:spAutoFit/>
-            </a:bodyPr>
-            <a:lstStyle/>
-            <a:p>
-              <a:r>
-                <a:rPr lang="en-US" dirty="0" smtClean="0"/>
-                <a:t>M</a:t>
-              </a:r>
-              <a:endParaRPr lang="en-US" dirty="0"/>
-            </a:p>
-          </p:txBody>
-        </p:sp>
-        <p:sp>
-          <p:nvSpPr>
-            <p:cNvPr id="42" name="TextBox 41"/>
-            <p:cNvSpPr txBox="1"/>
-            <p:nvPr/>
-          </p:nvSpPr>
-          <p:spPr>
-            <a:xfrm>
-              <a:off x="4676783" y="3994650"/>
-              <a:ext cx="301686" cy="369332"/>
-            </a:xfrm>
-            <a:prstGeom prst="rect">
-              <a:avLst/>
-            </a:prstGeom>
-            <a:noFill/>
-          </p:spPr>
-          <p:txBody>
-            <a:bodyPr wrap="none" rtlCol="0">
-              <a:spAutoFit/>
-            </a:bodyPr>
-            <a:lstStyle/>
-            <a:p>
-              <a:r>
-                <a:rPr lang="en-US" dirty="0" smtClean="0"/>
-                <a:t>1</a:t>
-              </a:r>
-              <a:endParaRPr lang="en-US" dirty="0"/>
-            </a:p>
-          </p:txBody>
-        </p:sp>
-        <p:sp>
-          <p:nvSpPr>
-            <p:cNvPr id="43" name="TextBox 42"/>
-            <p:cNvSpPr txBox="1"/>
-            <p:nvPr/>
-          </p:nvSpPr>
-          <p:spPr>
-            <a:xfrm>
-              <a:off x="6106183" y="1604717"/>
-              <a:ext cx="381836" cy="369332"/>
-            </a:xfrm>
-            <a:prstGeom prst="rect">
-              <a:avLst/>
-            </a:prstGeom>
-            <a:noFill/>
-          </p:spPr>
-          <p:txBody>
-            <a:bodyPr wrap="none" rtlCol="0">
-              <a:spAutoFit/>
-            </a:bodyPr>
-            <a:lstStyle/>
-            <a:p>
-              <a:r>
-                <a:rPr lang="en-US" dirty="0" smtClean="0"/>
-                <a:t>M</a:t>
-              </a:r>
-              <a:endParaRPr lang="en-US" dirty="0"/>
-            </a:p>
-          </p:txBody>
-        </p:sp>
-        <p:sp>
-          <p:nvSpPr>
-            <p:cNvPr id="44" name="TextBox 43"/>
-            <p:cNvSpPr txBox="1"/>
-            <p:nvPr/>
-          </p:nvSpPr>
-          <p:spPr>
-            <a:xfrm>
-              <a:off x="9364876" y="3293243"/>
-              <a:ext cx="301686" cy="369332"/>
-            </a:xfrm>
-            <a:prstGeom prst="rect">
-              <a:avLst/>
-            </a:prstGeom>
-            <a:noFill/>
-          </p:spPr>
-          <p:txBody>
-            <a:bodyPr wrap="none" rtlCol="0">
-              <a:spAutoFit/>
-            </a:bodyPr>
-            <a:lstStyle/>
-            <a:p>
-              <a:r>
-                <a:rPr lang="en-US" dirty="0" smtClean="0"/>
-                <a:t>1</a:t>
-              </a:r>
-              <a:endParaRPr lang="en-US" dirty="0"/>
-            </a:p>
-          </p:txBody>
-        </p:sp>
-        <p:sp>
-          <p:nvSpPr>
-            <p:cNvPr id="46" name="TextBox 45"/>
-            <p:cNvSpPr txBox="1"/>
-            <p:nvPr/>
-          </p:nvSpPr>
-          <p:spPr>
-            <a:xfrm>
-              <a:off x="9302149" y="2960621"/>
-              <a:ext cx="381836" cy="369332"/>
-            </a:xfrm>
-            <a:prstGeom prst="rect">
-              <a:avLst/>
-            </a:prstGeom>
-            <a:noFill/>
-          </p:spPr>
-          <p:txBody>
-            <a:bodyPr wrap="none" rtlCol="0">
-              <a:spAutoFit/>
-            </a:bodyPr>
-            <a:lstStyle/>
-            <a:p>
-              <a:r>
-                <a:rPr lang="en-US" dirty="0" smtClean="0"/>
-                <a:t>M</a:t>
-              </a:r>
-              <a:endParaRPr lang="en-US" dirty="0"/>
-            </a:p>
-          </p:txBody>
-        </p:sp>
-        <p:sp>
-          <p:nvSpPr>
-            <p:cNvPr id="49" name="TextBox 48"/>
-            <p:cNvSpPr txBox="1"/>
-            <p:nvPr/>
-          </p:nvSpPr>
-          <p:spPr>
-            <a:xfrm>
-              <a:off x="6520280" y="1630578"/>
-              <a:ext cx="301686" cy="369332"/>
-            </a:xfrm>
-            <a:prstGeom prst="rect">
-              <a:avLst/>
-            </a:prstGeom>
-            <a:noFill/>
-          </p:spPr>
-          <p:txBody>
-            <a:bodyPr wrap="none" rtlCol="0">
-              <a:spAutoFit/>
-            </a:bodyPr>
-            <a:lstStyle/>
-            <a:p>
-              <a:r>
-                <a:rPr lang="en-US" dirty="0" smtClean="0"/>
-                <a:t>1</a:t>
-              </a:r>
-              <a:endParaRPr lang="en-US" dirty="0"/>
-            </a:p>
-          </p:txBody>
-        </p:sp>
-        <p:sp>
-          <p:nvSpPr>
-            <p:cNvPr id="50" name="TextBox 49"/>
-            <p:cNvSpPr txBox="1"/>
-            <p:nvPr/>
-          </p:nvSpPr>
-          <p:spPr>
-            <a:xfrm>
-              <a:off x="5129157" y="841622"/>
-              <a:ext cx="381836" cy="369332"/>
-            </a:xfrm>
-            <a:prstGeom prst="rect">
-              <a:avLst/>
-            </a:prstGeom>
-            <a:noFill/>
-          </p:spPr>
-          <p:txBody>
-            <a:bodyPr wrap="none" rtlCol="0">
-              <a:spAutoFit/>
-            </a:bodyPr>
-            <a:lstStyle/>
-            <a:p>
-              <a:r>
-                <a:rPr lang="en-US" dirty="0" smtClean="0"/>
-                <a:t>M</a:t>
-              </a:r>
-              <a:endParaRPr lang="en-US" dirty="0"/>
-            </a:p>
-          </p:txBody>
-        </p:sp>
-        <p:sp>
-          <p:nvSpPr>
-            <p:cNvPr id="51" name="TextBox 50"/>
-            <p:cNvSpPr txBox="1"/>
-            <p:nvPr/>
-          </p:nvSpPr>
-          <p:spPr>
-            <a:xfrm>
-              <a:off x="5179271" y="1171101"/>
-              <a:ext cx="301686" cy="369332"/>
-            </a:xfrm>
-            <a:prstGeom prst="rect">
-              <a:avLst/>
-            </a:prstGeom>
-            <a:noFill/>
-          </p:spPr>
-          <p:txBody>
-            <a:bodyPr wrap="none" rtlCol="0">
-              <a:spAutoFit/>
-            </a:bodyPr>
-            <a:lstStyle/>
-            <a:p>
-              <a:r>
-                <a:rPr lang="en-US" dirty="0" smtClean="0"/>
-                <a:t>1</a:t>
-              </a:r>
-              <a:endParaRPr lang="en-US" dirty="0"/>
-            </a:p>
-          </p:txBody>
-        </p:sp>
-        <p:sp>
-          <p:nvSpPr>
-            <p:cNvPr id="52" name="TextBox 51"/>
-            <p:cNvSpPr txBox="1"/>
-            <p:nvPr/>
-          </p:nvSpPr>
-          <p:spPr>
-            <a:xfrm>
-              <a:off x="7531994" y="2393415"/>
-              <a:ext cx="381836" cy="369332"/>
-            </a:xfrm>
-            <a:prstGeom prst="rect">
-              <a:avLst/>
-            </a:prstGeom>
-            <a:noFill/>
-          </p:spPr>
-          <p:txBody>
-            <a:bodyPr wrap="none" rtlCol="0">
-              <a:spAutoFit/>
-            </a:bodyPr>
-            <a:lstStyle/>
-            <a:p>
-              <a:r>
-                <a:rPr lang="en-US" dirty="0" smtClean="0"/>
-                <a:t>M</a:t>
-              </a:r>
-              <a:endParaRPr lang="en-US" dirty="0"/>
-            </a:p>
-          </p:txBody>
-        </p:sp>
-        <p:sp>
-          <p:nvSpPr>
-            <p:cNvPr id="54" name="TextBox 53"/>
-            <p:cNvSpPr txBox="1"/>
-            <p:nvPr/>
-          </p:nvSpPr>
-          <p:spPr>
-            <a:xfrm>
-              <a:off x="7172427" y="2436161"/>
-              <a:ext cx="301686" cy="369332"/>
-            </a:xfrm>
-            <a:prstGeom prst="rect">
-              <a:avLst/>
-            </a:prstGeom>
-            <a:noFill/>
-          </p:spPr>
-          <p:txBody>
-            <a:bodyPr wrap="none" rtlCol="0">
-              <a:spAutoFit/>
-            </a:bodyPr>
-            <a:lstStyle/>
-            <a:p>
-              <a:r>
-                <a:rPr lang="en-US" dirty="0" smtClean="0"/>
-                <a:t>1</a:t>
-              </a:r>
-              <a:endParaRPr lang="en-US" dirty="0"/>
-            </a:p>
-          </p:txBody>
-        </p:sp>
-        <p:sp>
-          <p:nvSpPr>
-            <p:cNvPr id="55" name="TextBox 54"/>
-            <p:cNvSpPr txBox="1"/>
-            <p:nvPr/>
-          </p:nvSpPr>
-          <p:spPr>
-            <a:xfrm>
-              <a:off x="200866" y="3228359"/>
-              <a:ext cx="381836" cy="369332"/>
-            </a:xfrm>
-            <a:prstGeom prst="rect">
-              <a:avLst/>
-            </a:prstGeom>
-            <a:noFill/>
-          </p:spPr>
-          <p:txBody>
-            <a:bodyPr wrap="none" rtlCol="0">
-              <a:spAutoFit/>
-            </a:bodyPr>
-            <a:lstStyle/>
-            <a:p>
-              <a:r>
-                <a:rPr lang="en-US" dirty="0" smtClean="0"/>
-                <a:t>M</a:t>
-              </a:r>
-              <a:endParaRPr lang="en-US" dirty="0"/>
-            </a:p>
-          </p:txBody>
-        </p:sp>
-        <p:sp>
-          <p:nvSpPr>
-            <p:cNvPr id="56" name="TextBox 55"/>
-            <p:cNvSpPr txBox="1"/>
-            <p:nvPr/>
-          </p:nvSpPr>
-          <p:spPr>
-            <a:xfrm>
-              <a:off x="2395733" y="3967106"/>
-              <a:ext cx="301686" cy="369332"/>
-            </a:xfrm>
-            <a:prstGeom prst="rect">
-              <a:avLst/>
-            </a:prstGeom>
-            <a:noFill/>
-          </p:spPr>
-          <p:txBody>
-            <a:bodyPr wrap="none" rtlCol="0">
-              <a:spAutoFit/>
-            </a:bodyPr>
-            <a:lstStyle/>
-            <a:p>
-              <a:r>
-                <a:rPr lang="en-US" dirty="0" smtClean="0"/>
-                <a:t>1</a:t>
-              </a:r>
-              <a:endParaRPr lang="en-US" dirty="0"/>
-            </a:p>
-          </p:txBody>
-        </p:sp>
-        <p:sp>
-          <p:nvSpPr>
-            <p:cNvPr id="57" name="TextBox 56"/>
-            <p:cNvSpPr txBox="1"/>
-            <p:nvPr/>
-          </p:nvSpPr>
-          <p:spPr>
-            <a:xfrm>
-              <a:off x="2329411" y="4309417"/>
-              <a:ext cx="381836" cy="369332"/>
-            </a:xfrm>
-            <a:prstGeom prst="rect">
-              <a:avLst/>
-            </a:prstGeom>
-            <a:noFill/>
-          </p:spPr>
-          <p:txBody>
-            <a:bodyPr wrap="none" rtlCol="0">
-              <a:spAutoFit/>
-            </a:bodyPr>
-            <a:lstStyle/>
-            <a:p>
-              <a:r>
-                <a:rPr lang="en-US" dirty="0" smtClean="0"/>
-                <a:t>M</a:t>
-              </a:r>
-              <a:endParaRPr lang="en-US" dirty="0"/>
-            </a:p>
-          </p:txBody>
-        </p:sp>
-        <p:sp>
-          <p:nvSpPr>
-            <p:cNvPr id="58" name="TextBox 57"/>
-            <p:cNvSpPr txBox="1"/>
-            <p:nvPr/>
-          </p:nvSpPr>
-          <p:spPr>
-            <a:xfrm>
-              <a:off x="229266" y="3647198"/>
-              <a:ext cx="301686" cy="369332"/>
-            </a:xfrm>
-            <a:prstGeom prst="rect">
-              <a:avLst/>
-            </a:prstGeom>
-            <a:noFill/>
-          </p:spPr>
-          <p:txBody>
-            <a:bodyPr wrap="none" rtlCol="0">
-              <a:spAutoFit/>
-            </a:bodyPr>
-            <a:lstStyle/>
-            <a:p>
-              <a:r>
-                <a:rPr lang="en-US" dirty="0" smtClean="0"/>
-                <a:t>1</a:t>
-              </a:r>
-              <a:endParaRPr lang="en-US" dirty="0"/>
-            </a:p>
-          </p:txBody>
-        </p:sp>
-        <p:sp>
-          <p:nvSpPr>
-            <p:cNvPr id="59" name="TextBox 58"/>
-            <p:cNvSpPr txBox="1"/>
-            <p:nvPr/>
-          </p:nvSpPr>
-          <p:spPr>
-            <a:xfrm>
-              <a:off x="7107831" y="4703827"/>
-              <a:ext cx="301686" cy="369332"/>
-            </a:xfrm>
-            <a:prstGeom prst="rect">
-              <a:avLst/>
-            </a:prstGeom>
-            <a:noFill/>
-          </p:spPr>
-          <p:txBody>
-            <a:bodyPr wrap="none" rtlCol="0">
-              <a:spAutoFit/>
-            </a:bodyPr>
-            <a:lstStyle/>
-            <a:p>
-              <a:r>
-                <a:rPr lang="en-US" dirty="0"/>
-                <a:t>1</a:t>
-              </a:r>
-            </a:p>
-          </p:txBody>
-        </p:sp>
-        <p:sp>
-          <p:nvSpPr>
-            <p:cNvPr id="60" name="TextBox 59"/>
-            <p:cNvSpPr txBox="1"/>
-            <p:nvPr/>
-          </p:nvSpPr>
-          <p:spPr>
-            <a:xfrm>
-              <a:off x="7222412" y="4352652"/>
-              <a:ext cx="301686" cy="369332"/>
-            </a:xfrm>
-            <a:prstGeom prst="rect">
-              <a:avLst/>
-            </a:prstGeom>
-            <a:noFill/>
-          </p:spPr>
-          <p:txBody>
-            <a:bodyPr wrap="none" rtlCol="0">
-              <a:spAutoFit/>
-            </a:bodyPr>
-            <a:lstStyle/>
-            <a:p>
-              <a:r>
-                <a:rPr lang="en-US" dirty="0" smtClean="0"/>
-                <a:t>1</a:t>
-              </a:r>
-              <a:endParaRPr lang="en-US" dirty="0"/>
-            </a:p>
-          </p:txBody>
-        </p:sp>
-        <p:sp>
-          <p:nvSpPr>
-            <p:cNvPr id="61" name="TextBox 60"/>
-            <p:cNvSpPr txBox="1"/>
-            <p:nvPr/>
-          </p:nvSpPr>
-          <p:spPr>
-            <a:xfrm>
-              <a:off x="6021623" y="5073159"/>
-              <a:ext cx="381836" cy="369332"/>
-            </a:xfrm>
-            <a:prstGeom prst="rect">
-              <a:avLst/>
-            </a:prstGeom>
-            <a:noFill/>
-          </p:spPr>
-          <p:txBody>
-            <a:bodyPr wrap="none" rtlCol="0">
-              <a:spAutoFit/>
-            </a:bodyPr>
-            <a:lstStyle/>
-            <a:p>
-              <a:r>
-                <a:rPr lang="en-US" dirty="0" smtClean="0"/>
-                <a:t>M</a:t>
-              </a:r>
-              <a:endParaRPr lang="en-US" dirty="0"/>
-            </a:p>
-          </p:txBody>
-        </p:sp>
-        <p:sp>
-          <p:nvSpPr>
-            <p:cNvPr id="62" name="TextBox 61"/>
-            <p:cNvSpPr txBox="1"/>
-            <p:nvPr/>
-          </p:nvSpPr>
-          <p:spPr>
-            <a:xfrm>
-              <a:off x="1293834" y="5462804"/>
-              <a:ext cx="301686" cy="369332"/>
-            </a:xfrm>
-            <a:prstGeom prst="rect">
-              <a:avLst/>
-            </a:prstGeom>
-            <a:noFill/>
-          </p:spPr>
-          <p:txBody>
-            <a:bodyPr wrap="none" rtlCol="0">
-              <a:spAutoFit/>
-            </a:bodyPr>
-            <a:lstStyle/>
-            <a:p>
-              <a:r>
-                <a:rPr lang="en-US" dirty="0" smtClean="0"/>
-                <a:t>1</a:t>
-              </a:r>
-              <a:endParaRPr lang="en-US" dirty="0"/>
-            </a:p>
-          </p:txBody>
-        </p:sp>
-        <p:sp>
-          <p:nvSpPr>
-            <p:cNvPr id="63" name="TextBox 62"/>
-            <p:cNvSpPr txBox="1"/>
-            <p:nvPr/>
-          </p:nvSpPr>
-          <p:spPr>
-            <a:xfrm>
-              <a:off x="6745777" y="6283737"/>
-              <a:ext cx="301686" cy="369332"/>
-            </a:xfrm>
-            <a:prstGeom prst="rect">
-              <a:avLst/>
-            </a:prstGeom>
-            <a:noFill/>
-          </p:spPr>
-          <p:txBody>
-            <a:bodyPr wrap="none" rtlCol="0">
-              <a:spAutoFit/>
-            </a:bodyPr>
-            <a:lstStyle/>
-            <a:p>
-              <a:r>
-                <a:rPr lang="en-US" dirty="0"/>
-                <a:t>1</a:t>
-              </a:r>
-            </a:p>
-          </p:txBody>
-        </p:sp>
-        <p:sp>
-          <p:nvSpPr>
-            <p:cNvPr id="64" name="TextBox 63"/>
-            <p:cNvSpPr txBox="1"/>
-            <p:nvPr/>
-          </p:nvSpPr>
-          <p:spPr>
-            <a:xfrm>
-              <a:off x="6723837" y="5934960"/>
-              <a:ext cx="381836" cy="408107"/>
-            </a:xfrm>
-            <a:prstGeom prst="rect">
-              <a:avLst/>
-            </a:prstGeom>
-            <a:noFill/>
-          </p:spPr>
-          <p:txBody>
-            <a:bodyPr wrap="none" rtlCol="0">
-              <a:spAutoFit/>
-            </a:bodyPr>
-            <a:lstStyle/>
-            <a:p>
-              <a:r>
-                <a:rPr lang="en-US" dirty="0"/>
-                <a:t>M</a:t>
-              </a:r>
-            </a:p>
-          </p:txBody>
-        </p:sp>
-        <p:sp>
-          <p:nvSpPr>
-            <p:cNvPr id="65" name="TextBox 64"/>
-            <p:cNvSpPr txBox="1"/>
-            <p:nvPr/>
-          </p:nvSpPr>
-          <p:spPr>
-            <a:xfrm>
-              <a:off x="5045818" y="6251007"/>
-              <a:ext cx="301686" cy="369332"/>
-            </a:xfrm>
-            <a:prstGeom prst="rect">
-              <a:avLst/>
-            </a:prstGeom>
-            <a:noFill/>
-          </p:spPr>
-          <p:txBody>
-            <a:bodyPr wrap="none" rtlCol="0">
-              <a:spAutoFit/>
-            </a:bodyPr>
-            <a:lstStyle/>
-            <a:p>
-              <a:r>
-                <a:rPr lang="en-US" dirty="0"/>
-                <a:t>1</a:t>
-              </a:r>
-            </a:p>
-          </p:txBody>
-        </p:sp>
-        <p:sp>
-          <p:nvSpPr>
-            <p:cNvPr id="66" name="TextBox 65"/>
-            <p:cNvSpPr txBox="1"/>
-            <p:nvPr/>
-          </p:nvSpPr>
-          <p:spPr>
-            <a:xfrm>
-              <a:off x="5059772" y="5911391"/>
-              <a:ext cx="381836" cy="369332"/>
-            </a:xfrm>
-            <a:prstGeom prst="rect">
-              <a:avLst/>
-            </a:prstGeom>
-            <a:noFill/>
-          </p:spPr>
-          <p:txBody>
-            <a:bodyPr wrap="none" rtlCol="0">
-              <a:spAutoFit/>
-            </a:bodyPr>
-            <a:lstStyle/>
-            <a:p>
-              <a:r>
-                <a:rPr lang="en-US" dirty="0"/>
-                <a:t>M</a:t>
-              </a:r>
-            </a:p>
-          </p:txBody>
-        </p:sp>
-        <p:sp>
-          <p:nvSpPr>
-            <p:cNvPr id="67" name="TextBox 66"/>
-            <p:cNvSpPr txBox="1"/>
-            <p:nvPr/>
-          </p:nvSpPr>
-          <p:spPr>
-            <a:xfrm>
-              <a:off x="171019" y="6203625"/>
-              <a:ext cx="381836" cy="369332"/>
-            </a:xfrm>
-            <a:prstGeom prst="rect">
-              <a:avLst/>
-            </a:prstGeom>
-            <a:noFill/>
-          </p:spPr>
-          <p:txBody>
-            <a:bodyPr wrap="none" rtlCol="0">
-              <a:spAutoFit/>
-            </a:bodyPr>
-            <a:lstStyle/>
-            <a:p>
-              <a:r>
-                <a:rPr lang="en-US" dirty="0" smtClean="0"/>
-                <a:t>M</a:t>
-              </a:r>
-              <a:endParaRPr lang="en-US" dirty="0"/>
-            </a:p>
-          </p:txBody>
-        </p:sp>
-        <p:sp>
-          <p:nvSpPr>
-            <p:cNvPr id="68" name="TextBox 67"/>
-            <p:cNvSpPr txBox="1"/>
-            <p:nvPr/>
-          </p:nvSpPr>
-          <p:spPr>
-            <a:xfrm>
-              <a:off x="2647017" y="6283737"/>
-              <a:ext cx="301686" cy="369332"/>
-            </a:xfrm>
-            <a:prstGeom prst="rect">
-              <a:avLst/>
-            </a:prstGeom>
-            <a:noFill/>
-          </p:spPr>
-          <p:txBody>
-            <a:bodyPr wrap="none" rtlCol="0">
-              <a:spAutoFit/>
-            </a:bodyPr>
-            <a:lstStyle/>
-            <a:p>
-              <a:r>
-                <a:rPr lang="en-US" dirty="0" smtClean="0"/>
-                <a:t>1</a:t>
-              </a:r>
-              <a:endParaRPr lang="en-US" dirty="0"/>
-            </a:p>
-          </p:txBody>
-        </p:sp>
-        <p:sp>
-          <p:nvSpPr>
-            <p:cNvPr id="69" name="TextBox 68"/>
-            <p:cNvSpPr txBox="1"/>
-            <p:nvPr/>
-          </p:nvSpPr>
-          <p:spPr>
-            <a:xfrm>
-              <a:off x="2616919" y="5934962"/>
-              <a:ext cx="301686" cy="369332"/>
-            </a:xfrm>
-            <a:prstGeom prst="rect">
-              <a:avLst/>
-            </a:prstGeom>
-            <a:noFill/>
-          </p:spPr>
-          <p:txBody>
-            <a:bodyPr wrap="none" rtlCol="0">
-              <a:spAutoFit/>
-            </a:bodyPr>
-            <a:lstStyle/>
-            <a:p>
-              <a:r>
-                <a:rPr lang="en-US" dirty="0" smtClean="0"/>
-                <a:t>1</a:t>
-              </a:r>
-              <a:endParaRPr lang="en-US" dirty="0"/>
-            </a:p>
-          </p:txBody>
-        </p:sp>
-        <p:sp>
-          <p:nvSpPr>
-            <p:cNvPr id="70" name="TextBox 69"/>
-            <p:cNvSpPr txBox="1"/>
-            <p:nvPr/>
-          </p:nvSpPr>
-          <p:spPr>
-            <a:xfrm>
-              <a:off x="264248" y="5874724"/>
-              <a:ext cx="301686" cy="369332"/>
-            </a:xfrm>
-            <a:prstGeom prst="rect">
-              <a:avLst/>
-            </a:prstGeom>
-            <a:noFill/>
-          </p:spPr>
-          <p:txBody>
-            <a:bodyPr wrap="none" rtlCol="0">
-              <a:spAutoFit/>
-            </a:bodyPr>
-            <a:lstStyle/>
-            <a:p>
-              <a:r>
-                <a:rPr lang="en-US" dirty="0" smtClean="0"/>
-                <a:t>1</a:t>
-              </a:r>
-              <a:endParaRPr lang="en-US" dirty="0"/>
-            </a:p>
-          </p:txBody>
-        </p:sp>
-        <p:sp>
-          <p:nvSpPr>
-            <p:cNvPr id="71" name="TextBox 70"/>
-            <p:cNvSpPr txBox="1"/>
-            <p:nvPr/>
-          </p:nvSpPr>
-          <p:spPr>
-            <a:xfrm>
-              <a:off x="9881656" y="4776812"/>
-              <a:ext cx="301686" cy="369332"/>
-            </a:xfrm>
-            <a:prstGeom prst="rect">
-              <a:avLst/>
-            </a:prstGeom>
-            <a:noFill/>
-          </p:spPr>
-          <p:txBody>
-            <a:bodyPr wrap="none" rtlCol="0">
-              <a:spAutoFit/>
-            </a:bodyPr>
-            <a:lstStyle/>
-            <a:p>
-              <a:r>
-                <a:rPr lang="en-US" dirty="0"/>
-                <a:t>1</a:t>
-              </a:r>
-            </a:p>
-          </p:txBody>
-        </p:sp>
-        <p:sp>
-          <p:nvSpPr>
-            <p:cNvPr id="72" name="TextBox 71"/>
-            <p:cNvSpPr txBox="1"/>
-            <p:nvPr/>
-          </p:nvSpPr>
-          <p:spPr>
-            <a:xfrm>
-              <a:off x="9895723" y="4462163"/>
-              <a:ext cx="381836" cy="369332"/>
-            </a:xfrm>
-            <a:prstGeom prst="rect">
-              <a:avLst/>
-            </a:prstGeom>
-            <a:noFill/>
-          </p:spPr>
-          <p:txBody>
-            <a:bodyPr wrap="none" rtlCol="0">
-              <a:spAutoFit/>
-            </a:bodyPr>
-            <a:lstStyle/>
-            <a:p>
-              <a:r>
-                <a:rPr lang="en-US" dirty="0"/>
-                <a:t>M</a:t>
-              </a:r>
-            </a:p>
-          </p:txBody>
-        </p:sp>
-        <p:cxnSp>
-          <p:nvCxnSpPr>
-            <p:cNvPr id="29" name="Straight Connector 28"/>
-            <p:cNvCxnSpPr>
-              <a:stCxn id="7" idx="2"/>
-              <a:endCxn id="13" idx="0"/>
-            </p:cNvCxnSpPr>
-            <p:nvPr/>
-          </p:nvCxnSpPr>
-          <p:spPr>
-            <a:xfrm>
-              <a:off x="10947196" y="3749575"/>
-              <a:ext cx="8461" cy="548950"/>
-            </a:xfrm>
-            <a:prstGeom prst="line">
-              <a:avLst/>
-            </a:prstGeom>
-          </p:spPr>
-          <p:style>
-            <a:lnRef idx="1">
-              <a:schemeClr val="accent1"/>
-            </a:lnRef>
-            <a:fillRef idx="0">
-              <a:schemeClr val="accent1"/>
-            </a:fillRef>
-            <a:effectRef idx="0">
-              <a:schemeClr val="accent1"/>
-            </a:effectRef>
-            <a:fontRef idx="minor">
-              <a:schemeClr val="tx1"/>
-            </a:fontRef>
-          </p:style>
-        </p:cxnSp>
-        <p:sp>
-          <p:nvSpPr>
-            <p:cNvPr id="73" name="TextBox 72"/>
-            <p:cNvSpPr txBox="1"/>
-            <p:nvPr/>
-          </p:nvSpPr>
-          <p:spPr>
-            <a:xfrm>
-              <a:off x="11057542" y="3986369"/>
-              <a:ext cx="381836" cy="369332"/>
-            </a:xfrm>
-            <a:prstGeom prst="rect">
-              <a:avLst/>
-            </a:prstGeom>
-            <a:noFill/>
-          </p:spPr>
-          <p:txBody>
-            <a:bodyPr wrap="none" rtlCol="0">
-              <a:spAutoFit/>
-            </a:bodyPr>
-            <a:lstStyle/>
-            <a:p>
-              <a:r>
-                <a:rPr lang="en-US" dirty="0" smtClean="0"/>
-                <a:t>M</a:t>
-              </a:r>
-              <a:endParaRPr lang="en-US" dirty="0"/>
-            </a:p>
-          </p:txBody>
-        </p:sp>
-        <p:grpSp>
-          <p:nvGrpSpPr>
-            <p:cNvPr id="20" name="Group 19"/>
-            <p:cNvGrpSpPr/>
-            <p:nvPr/>
-          </p:nvGrpSpPr>
-          <p:grpSpPr>
-            <a:xfrm>
-              <a:off x="4452490" y="5834871"/>
-              <a:ext cx="2183840" cy="974441"/>
-              <a:chOff x="2911600" y="5694625"/>
-              <a:chExt cx="2183840" cy="974441"/>
-            </a:xfrm>
-          </p:grpSpPr>
-          <p:sp>
-            <p:nvSpPr>
-              <p:cNvPr id="5" name="Rectangle 4"/>
-              <p:cNvSpPr/>
-              <p:nvPr/>
-            </p:nvSpPr>
-            <p:spPr>
-              <a:xfrm>
-                <a:off x="2976627" y="5788570"/>
-                <a:ext cx="2004164" cy="839244"/>
-              </a:xfrm>
-              <a:prstGeom prst="rect">
-                <a:avLst/>
-              </a:prstGeom>
-            </p:spPr>
-            <p:style>
-              <a:lnRef idx="2">
-                <a:schemeClr val="accent1">
-                  <a:shade val="50000"/>
-                </a:schemeClr>
-              </a:lnRef>
-              <a:fillRef idx="1">
-                <a:schemeClr val="accent1"/>
-              </a:fillRef>
-              <a:effectRef idx="0">
-                <a:schemeClr val="accent1"/>
-              </a:effectRef>
-              <a:fontRef idx="minor">
-                <a:schemeClr val="lt1"/>
-              </a:fontRef>
-            </p:style>
-            <p:txBody>
-              <a:bodyPr rtlCol="0" anchor="ctr"/>
-              <a:lstStyle/>
-              <a:p>
-                <a:pPr algn="ctr"/>
-                <a:r>
-                  <a:rPr lang="en-US" dirty="0" smtClean="0"/>
-                  <a:t>Healthcare Plan</a:t>
-                </a:r>
-                <a:endParaRPr lang="en-US" dirty="0"/>
-              </a:p>
-            </p:txBody>
-          </p:sp>
-          <p:sp>
-            <p:nvSpPr>
-              <p:cNvPr id="30" name="Frame 29"/>
-              <p:cNvSpPr/>
-              <p:nvPr/>
-            </p:nvSpPr>
-            <p:spPr>
-              <a:xfrm>
-                <a:off x="2911600" y="5694625"/>
-                <a:ext cx="2183840" cy="974441"/>
-              </a:xfrm>
-              <a:prstGeom prst="frame">
-                <a:avLst/>
-              </a:prstGeom>
-            </p:spPr>
-            <p:style>
-              <a:lnRef idx="2">
-                <a:schemeClr val="accent1">
-                  <a:shade val="50000"/>
-                </a:schemeClr>
-              </a:lnRef>
-              <a:fillRef idx="1">
-                <a:schemeClr val="accent1"/>
-              </a:fillRef>
-              <a:effectRef idx="0">
-                <a:schemeClr val="accent1"/>
-              </a:effectRef>
-              <a:fontRef idx="minor">
-                <a:schemeClr val="lt1"/>
-              </a:fontRef>
-            </p:style>
-            <p:txBody>
-              <a:bodyPr rtlCol="0" anchor="ctr"/>
-              <a:lstStyle/>
-              <a:p>
-                <a:pPr algn="ctr"/>
-                <a:endParaRPr lang="en-US"/>
-              </a:p>
-            </p:txBody>
-          </p:sp>
-        </p:grpSp>
-        <p:sp>
-          <p:nvSpPr>
-            <p:cNvPr id="74" name="TextBox 73"/>
-            <p:cNvSpPr txBox="1"/>
-            <p:nvPr/>
-          </p:nvSpPr>
-          <p:spPr>
-            <a:xfrm>
-              <a:off x="10489664" y="3970483"/>
-              <a:ext cx="301686" cy="369332"/>
-            </a:xfrm>
-            <a:prstGeom prst="rect">
-              <a:avLst/>
-            </a:prstGeom>
-            <a:noFill/>
-          </p:spPr>
-          <p:txBody>
-            <a:bodyPr wrap="none" rtlCol="0">
-              <a:spAutoFit/>
-            </a:bodyPr>
-            <a:lstStyle/>
-            <a:p>
-              <a:r>
-                <a:rPr lang="en-US" dirty="0" smtClean="0"/>
-                <a:t>1</a:t>
-              </a:r>
-              <a:endParaRPr lang="en-US" dirty="0"/>
-            </a:p>
-          </p:txBody>
-        </p:sp>
-        <p:sp>
-          <p:nvSpPr>
-            <p:cNvPr id="76" name="TextBox 75"/>
-            <p:cNvSpPr txBox="1"/>
-            <p:nvPr/>
-          </p:nvSpPr>
-          <p:spPr>
-            <a:xfrm>
-              <a:off x="7543271" y="1183414"/>
-              <a:ext cx="381836" cy="369332"/>
-            </a:xfrm>
-            <a:prstGeom prst="rect">
-              <a:avLst/>
-            </a:prstGeom>
-            <a:noFill/>
-          </p:spPr>
-          <p:txBody>
-            <a:bodyPr wrap="none" rtlCol="0">
-              <a:spAutoFit/>
-            </a:bodyPr>
-            <a:lstStyle/>
-            <a:p>
-              <a:r>
-                <a:rPr lang="en-US" dirty="0" smtClean="0"/>
-                <a:t>M</a:t>
-              </a:r>
-              <a:endParaRPr lang="en-US" dirty="0"/>
-            </a:p>
-          </p:txBody>
-        </p:sp>
-        <p:sp>
-          <p:nvSpPr>
-            <p:cNvPr id="77" name="TextBox 76"/>
-            <p:cNvSpPr txBox="1"/>
-            <p:nvPr/>
-          </p:nvSpPr>
-          <p:spPr>
-            <a:xfrm>
-              <a:off x="7557338" y="868765"/>
-              <a:ext cx="301686" cy="369332"/>
-            </a:xfrm>
-            <a:prstGeom prst="rect">
-              <a:avLst/>
-            </a:prstGeom>
-            <a:noFill/>
-          </p:spPr>
-          <p:txBody>
-            <a:bodyPr wrap="none" rtlCol="0">
-              <a:spAutoFit/>
-            </a:bodyPr>
-            <a:lstStyle/>
-            <a:p>
-              <a:r>
-                <a:rPr lang="en-US" dirty="0" smtClean="0"/>
-                <a:t>1</a:t>
-              </a:r>
-              <a:endParaRPr lang="en-US" dirty="0"/>
-            </a:p>
-          </p:txBody>
-        </p:sp>
-        <p:sp>
-          <p:nvSpPr>
-            <p:cNvPr id="78" name="TextBox 77"/>
-            <p:cNvSpPr txBox="1"/>
-            <p:nvPr/>
-          </p:nvSpPr>
-          <p:spPr>
-            <a:xfrm>
-              <a:off x="10996082" y="2504757"/>
-              <a:ext cx="301686" cy="369332"/>
-            </a:xfrm>
-            <a:prstGeom prst="rect">
-              <a:avLst/>
-            </a:prstGeom>
-            <a:noFill/>
-          </p:spPr>
-          <p:txBody>
-            <a:bodyPr wrap="none" rtlCol="0">
-              <a:spAutoFit/>
-            </a:bodyPr>
-            <a:lstStyle/>
-            <a:p>
-              <a:r>
-                <a:rPr lang="en-US" dirty="0" smtClean="0"/>
-                <a:t>1</a:t>
-              </a:r>
-              <a:endParaRPr lang="en-US" dirty="0"/>
-            </a:p>
-          </p:txBody>
-        </p:sp>
-        <p:sp>
-          <p:nvSpPr>
-            <p:cNvPr id="79" name="TextBox 78"/>
-            <p:cNvSpPr txBox="1"/>
-            <p:nvPr/>
-          </p:nvSpPr>
-          <p:spPr>
-            <a:xfrm>
-              <a:off x="10549840" y="2488871"/>
-              <a:ext cx="301686" cy="369332"/>
-            </a:xfrm>
-            <a:prstGeom prst="rect">
-              <a:avLst/>
-            </a:prstGeom>
-            <a:noFill/>
-          </p:spPr>
-          <p:txBody>
-            <a:bodyPr wrap="none" rtlCol="0">
-              <a:spAutoFit/>
-            </a:bodyPr>
-            <a:lstStyle/>
-            <a:p>
-              <a:r>
-                <a:rPr lang="en-US" dirty="0" smtClean="0"/>
-                <a:t>1</a:t>
-              </a:r>
-              <a:endParaRPr lang="en-US" dirty="0"/>
+              <a:endParaRPr lang="en-US" sz="1400"/>
             </a:p>
           </p:txBody>
         </p:sp>
       </p:grpSp>
       <p:sp>
         <p:nvSpPr>
-          <p:cNvPr id="22" name="Title 21"/>
-          <p:cNvSpPr>
-            <a:spLocks noGrp="1"/>
-          </p:cNvSpPr>
-          <p:nvPr>
-            <p:ph type="title"/>
-          </p:nvPr>
-        </p:nvSpPr>
-        <p:spPr>
-          <a:xfrm>
-            <a:off x="530952" y="48126"/>
-            <a:ext cx="10515600" cy="559365"/>
-          </a:xfrm>
-        </p:spPr>
-        <p:txBody>
-          <a:bodyPr>
-            <a:normAutofit fontScale="90000"/>
-          </a:bodyPr>
-          <a:lstStyle/>
-          <a:p>
-            <a:pPr algn="ctr"/>
-            <a:r>
-              <a:rPr lang="en-US" dirty="0" smtClean="0"/>
-              <a:t>Database Design</a:t>
-            </a:r>
-            <a:endParaRPr lang="en-US" dirty="0"/>
-          </a:p>
-        </p:txBody>
-      </p:sp>
-      <p:sp>
-        <p:nvSpPr>
-          <p:cNvPr id="80" name="TextBox 79"/>
+          <p:cNvPr id="74" name="TextBox 73"/>
           <p:cNvSpPr txBox="1"/>
           <p:nvPr/>
         </p:nvSpPr>
         <p:spPr>
           <a:xfrm>
-            <a:off x="8813317" y="5382188"/>
-            <a:ext cx="301686" cy="369332"/>
+            <a:off x="10202956" y="3273015"/>
+            <a:ext cx="276038" cy="307777"/>
           </a:xfrm>
           <a:prstGeom prst="rect">
             <a:avLst/>
@@ -6522,22 +7250,23 @@
           <a:lstStyle/>
           <a:p>
             <a:r>
-              <a:rPr lang="en-US" dirty="0"/>
+              <a:rPr lang="en-US" sz="1400" dirty="0" smtClean="0"/>
               <a:t>1</a:t>
             </a:r>
-          </a:p>
-        </p:txBody>
-      </p:sp>
-      <p:sp>
-        <p:nvSpPr>
-          <p:cNvPr id="81" name="TextBox 80"/>
+            <a:endParaRPr lang="en-US" sz="1400" dirty="0"/>
+          </a:p>
+        </p:txBody>
+      </p:sp>
+      <p:sp>
+        <p:nvSpPr>
+          <p:cNvPr id="76" name="TextBox 75"/>
           <p:cNvSpPr txBox="1"/>
           <p:nvPr/>
         </p:nvSpPr>
         <p:spPr>
           <a:xfrm>
-            <a:off x="8245439" y="5367811"/>
-            <a:ext cx="301686" cy="334241"/>
+            <a:off x="7290823" y="1300314"/>
+            <a:ext cx="338554" cy="307777"/>
           </a:xfrm>
           <a:prstGeom prst="rect">
             <a:avLst/>
@@ -6551,13 +7280,494 @@
           <a:lstStyle/>
           <a:p>
             <a:r>
+              <a:rPr lang="en-US" sz="1400" dirty="0" smtClean="0"/>
+              <a:t>M</a:t>
+            </a:r>
+            <a:endParaRPr lang="en-US" sz="1400" dirty="0"/>
+          </a:p>
+        </p:txBody>
+      </p:sp>
+      <p:sp>
+        <p:nvSpPr>
+          <p:cNvPr id="77" name="TextBox 76"/>
+          <p:cNvSpPr txBox="1"/>
+          <p:nvPr/>
+        </p:nvSpPr>
+        <p:spPr>
+          <a:xfrm>
+            <a:off x="7302735" y="996040"/>
+            <a:ext cx="276038" cy="307777"/>
+          </a:xfrm>
+          <a:prstGeom prst="rect">
+            <a:avLst/>
+          </a:prstGeom>
+          <a:noFill/>
+        </p:spPr>
+        <p:txBody>
+          <a:bodyPr wrap="none" rtlCol="0">
+            <a:spAutoFit/>
+          </a:bodyPr>
+          <a:lstStyle/>
+          <a:p>
+            <a:r>
+              <a:rPr lang="en-US" sz="1400" dirty="0" smtClean="0"/>
+              <a:t>1</a:t>
+            </a:r>
+            <a:endParaRPr lang="en-US" sz="1400" dirty="0"/>
+          </a:p>
+        </p:txBody>
+      </p:sp>
+      <p:sp>
+        <p:nvSpPr>
+          <p:cNvPr id="78" name="TextBox 77"/>
+          <p:cNvSpPr txBox="1"/>
+          <p:nvPr/>
+        </p:nvSpPr>
+        <p:spPr>
+          <a:xfrm>
+            <a:off x="10478994" y="2330924"/>
+            <a:ext cx="276038" cy="307777"/>
+          </a:xfrm>
+          <a:prstGeom prst="rect">
+            <a:avLst/>
+          </a:prstGeom>
+          <a:noFill/>
+        </p:spPr>
+        <p:txBody>
+          <a:bodyPr wrap="none" rtlCol="0">
+            <a:spAutoFit/>
+          </a:bodyPr>
+          <a:lstStyle/>
+          <a:p>
+            <a:r>
+              <a:rPr lang="en-US" sz="1400" dirty="0" smtClean="0"/>
+              <a:t>1</a:t>
+            </a:r>
+            <a:endParaRPr lang="en-US" sz="1400" dirty="0"/>
+          </a:p>
+        </p:txBody>
+      </p:sp>
+      <p:sp>
+        <p:nvSpPr>
+          <p:cNvPr id="79" name="TextBox 78"/>
+          <p:cNvSpPr txBox="1"/>
+          <p:nvPr/>
+        </p:nvSpPr>
+        <p:spPr>
+          <a:xfrm>
+            <a:off x="10202956" y="2355080"/>
+            <a:ext cx="276038" cy="307777"/>
+          </a:xfrm>
+          <a:prstGeom prst="rect">
+            <a:avLst/>
+          </a:prstGeom>
+          <a:noFill/>
+        </p:spPr>
+        <p:txBody>
+          <a:bodyPr wrap="none" rtlCol="0">
+            <a:spAutoFit/>
+          </a:bodyPr>
+          <a:lstStyle/>
+          <a:p>
+            <a:r>
+              <a:rPr lang="en-US" sz="1400" dirty="0" smtClean="0"/>
+              <a:t>1</a:t>
+            </a:r>
+            <a:endParaRPr lang="en-US" sz="1400" dirty="0"/>
+          </a:p>
+        </p:txBody>
+      </p:sp>
+      <p:sp>
+        <p:nvSpPr>
+          <p:cNvPr id="22" name="Title 21"/>
+          <p:cNvSpPr>
+            <a:spLocks noGrp="1"/>
+          </p:cNvSpPr>
+          <p:nvPr>
+            <p:ph type="title"/>
+          </p:nvPr>
+        </p:nvSpPr>
+        <p:spPr>
+          <a:xfrm>
+            <a:off x="530952" y="48126"/>
+            <a:ext cx="10515600" cy="559365"/>
+          </a:xfrm>
+        </p:spPr>
+        <p:txBody>
+          <a:bodyPr>
+            <a:normAutofit fontScale="90000"/>
+          </a:bodyPr>
+          <a:lstStyle/>
+          <a:p>
+            <a:pPr algn="ctr"/>
+            <a:r>
               <a:rPr lang="en-US" dirty="0" smtClean="0"/>
+              <a:t>4. Database </a:t>
+            </a:r>
+            <a:r>
+              <a:rPr lang="en-US" dirty="0" smtClean="0"/>
+              <a:t>Design</a:t>
+            </a:r>
+            <a:endParaRPr lang="en-US" dirty="0"/>
+          </a:p>
+        </p:txBody>
+      </p:sp>
+      <p:sp>
+        <p:nvSpPr>
+          <p:cNvPr id="80" name="TextBox 79"/>
+          <p:cNvSpPr txBox="1"/>
+          <p:nvPr/>
+        </p:nvSpPr>
+        <p:spPr>
+          <a:xfrm>
+            <a:off x="8341674" y="4561245"/>
+            <a:ext cx="304557" cy="338554"/>
+          </a:xfrm>
+          <a:prstGeom prst="rect">
+            <a:avLst/>
+          </a:prstGeom>
+          <a:noFill/>
+        </p:spPr>
+        <p:txBody>
+          <a:bodyPr wrap="square" rtlCol="0">
+            <a:spAutoFit/>
+          </a:bodyPr>
+          <a:lstStyle/>
+          <a:p>
+            <a:r>
+              <a:rPr lang="en-US" sz="1600" dirty="0"/>
               <a:t>1</a:t>
             </a:r>
-            <a:endParaRPr lang="en-US" dirty="0"/>
-          </a:p>
-        </p:txBody>
-      </p:sp>
+          </a:p>
+        </p:txBody>
+      </p:sp>
+      <p:sp>
+        <p:nvSpPr>
+          <p:cNvPr id="81" name="TextBox 80"/>
+          <p:cNvSpPr txBox="1"/>
+          <p:nvPr/>
+        </p:nvSpPr>
+        <p:spPr>
+          <a:xfrm>
+            <a:off x="7990730" y="4561245"/>
+            <a:ext cx="288862" cy="338554"/>
+          </a:xfrm>
+          <a:prstGeom prst="rect">
+            <a:avLst/>
+          </a:prstGeom>
+          <a:noFill/>
+        </p:spPr>
+        <p:txBody>
+          <a:bodyPr wrap="none" rtlCol="0">
+            <a:spAutoFit/>
+          </a:bodyPr>
+          <a:lstStyle/>
+          <a:p>
+            <a:r>
+              <a:rPr lang="en-US" sz="1600" dirty="0" smtClean="0"/>
+              <a:t>1</a:t>
+            </a:r>
+            <a:endParaRPr lang="en-US" sz="1600" dirty="0"/>
+          </a:p>
+        </p:txBody>
+      </p:sp>
+      <p:cxnSp>
+        <p:nvCxnSpPr>
+          <p:cNvPr id="85" name="Straight Connector 84"/>
+          <p:cNvCxnSpPr>
+            <a:stCxn id="8" idx="2"/>
+            <a:endCxn id="15" idx="0"/>
+          </p:cNvCxnSpPr>
+          <p:nvPr/>
+        </p:nvCxnSpPr>
+        <p:spPr>
+          <a:xfrm>
+            <a:off x="8308045" y="4568425"/>
+            <a:ext cx="10057" cy="752704"/>
+          </a:xfrm>
+          <a:prstGeom prst="line">
+            <a:avLst/>
+          </a:prstGeom>
+        </p:spPr>
+        <p:style>
+          <a:lnRef idx="1">
+            <a:schemeClr val="accent1"/>
+          </a:lnRef>
+          <a:fillRef idx="0">
+            <a:schemeClr val="accent1"/>
+          </a:fillRef>
+          <a:effectRef idx="0">
+            <a:schemeClr val="accent1"/>
+          </a:effectRef>
+          <a:fontRef idx="minor">
+            <a:schemeClr val="tx1"/>
+          </a:fontRef>
+        </p:style>
+      </p:cxnSp>
+      <p:cxnSp>
+        <p:nvCxnSpPr>
+          <p:cNvPr id="103" name="Straight Connector 102"/>
+          <p:cNvCxnSpPr>
+            <a:stCxn id="12" idx="1"/>
+            <a:endCxn id="4" idx="3"/>
+          </p:cNvCxnSpPr>
+          <p:nvPr/>
+        </p:nvCxnSpPr>
+        <p:spPr>
+          <a:xfrm flipH="1">
+            <a:off x="7274912" y="1277843"/>
+            <a:ext cx="770488" cy="16994"/>
+          </a:xfrm>
+          <a:prstGeom prst="line">
+            <a:avLst/>
+          </a:prstGeom>
+        </p:spPr>
+        <p:style>
+          <a:lnRef idx="1">
+            <a:schemeClr val="accent1"/>
+          </a:lnRef>
+          <a:fillRef idx="0">
+            <a:schemeClr val="accent1"/>
+          </a:fillRef>
+          <a:effectRef idx="0">
+            <a:schemeClr val="accent1"/>
+          </a:effectRef>
+          <a:fontRef idx="minor">
+            <a:schemeClr val="tx1"/>
+          </a:fontRef>
+        </p:style>
+      </p:cxnSp>
+      <p:cxnSp>
+        <p:nvCxnSpPr>
+          <p:cNvPr id="105" name="Straight Connector 104"/>
+          <p:cNvCxnSpPr>
+            <a:stCxn id="10" idx="3"/>
+            <a:endCxn id="4" idx="1"/>
+          </p:cNvCxnSpPr>
+          <p:nvPr/>
+        </p:nvCxnSpPr>
+        <p:spPr>
+          <a:xfrm>
+            <a:off x="4863047" y="1294262"/>
+            <a:ext cx="714913" cy="575"/>
+          </a:xfrm>
+          <a:prstGeom prst="line">
+            <a:avLst/>
+          </a:prstGeom>
+        </p:spPr>
+        <p:style>
+          <a:lnRef idx="1">
+            <a:schemeClr val="accent1"/>
+          </a:lnRef>
+          <a:fillRef idx="0">
+            <a:schemeClr val="accent1"/>
+          </a:fillRef>
+          <a:effectRef idx="0">
+            <a:schemeClr val="accent1"/>
+          </a:effectRef>
+          <a:fontRef idx="minor">
+            <a:schemeClr val="tx1"/>
+          </a:fontRef>
+        </p:style>
+      </p:cxnSp>
+      <p:cxnSp>
+        <p:nvCxnSpPr>
+          <p:cNvPr id="107" name="Straight Connector 106"/>
+          <p:cNvCxnSpPr>
+            <a:stCxn id="10" idx="1"/>
+            <a:endCxn id="9" idx="3"/>
+          </p:cNvCxnSpPr>
+          <p:nvPr/>
+        </p:nvCxnSpPr>
+        <p:spPr>
+          <a:xfrm flipH="1" flipV="1">
+            <a:off x="2926927" y="1277843"/>
+            <a:ext cx="617445" cy="16419"/>
+          </a:xfrm>
+          <a:prstGeom prst="line">
+            <a:avLst/>
+          </a:prstGeom>
+        </p:spPr>
+        <p:style>
+          <a:lnRef idx="1">
+            <a:schemeClr val="accent1"/>
+          </a:lnRef>
+          <a:fillRef idx="0">
+            <a:schemeClr val="accent1"/>
+          </a:fillRef>
+          <a:effectRef idx="0">
+            <a:schemeClr val="accent1"/>
+          </a:effectRef>
+          <a:fontRef idx="minor">
+            <a:schemeClr val="tx1"/>
+          </a:fontRef>
+        </p:style>
+      </p:cxnSp>
+      <p:cxnSp>
+        <p:nvCxnSpPr>
+          <p:cNvPr id="116" name="Straight Connector 115"/>
+          <p:cNvCxnSpPr>
+            <a:stCxn id="8" idx="3"/>
+            <a:endCxn id="13" idx="1"/>
+          </p:cNvCxnSpPr>
+          <p:nvPr/>
+        </p:nvCxnSpPr>
+        <p:spPr>
+          <a:xfrm flipV="1">
+            <a:off x="9156521" y="4232263"/>
+            <a:ext cx="563226" cy="17483"/>
+          </a:xfrm>
+          <a:prstGeom prst="line">
+            <a:avLst/>
+          </a:prstGeom>
+        </p:spPr>
+        <p:style>
+          <a:lnRef idx="1">
+            <a:schemeClr val="accent1"/>
+          </a:lnRef>
+          <a:fillRef idx="0">
+            <a:schemeClr val="accent1"/>
+          </a:fillRef>
+          <a:effectRef idx="0">
+            <a:schemeClr val="accent1"/>
+          </a:effectRef>
+          <a:fontRef idx="minor">
+            <a:schemeClr val="tx1"/>
+          </a:fontRef>
+        </p:style>
+      </p:cxnSp>
+      <p:cxnSp>
+        <p:nvCxnSpPr>
+          <p:cNvPr id="121" name="Straight Connector 120"/>
+          <p:cNvCxnSpPr>
+            <a:stCxn id="8" idx="1"/>
+            <a:endCxn id="143" idx="3"/>
+          </p:cNvCxnSpPr>
+          <p:nvPr/>
+        </p:nvCxnSpPr>
+        <p:spPr>
+          <a:xfrm flipH="1" flipV="1">
+            <a:off x="6686942" y="4249059"/>
+            <a:ext cx="772627" cy="687"/>
+          </a:xfrm>
+          <a:prstGeom prst="line">
+            <a:avLst/>
+          </a:prstGeom>
+        </p:spPr>
+        <p:style>
+          <a:lnRef idx="1">
+            <a:schemeClr val="accent1"/>
+          </a:lnRef>
+          <a:fillRef idx="0">
+            <a:schemeClr val="accent1"/>
+          </a:fillRef>
+          <a:effectRef idx="0">
+            <a:schemeClr val="accent1"/>
+          </a:effectRef>
+          <a:fontRef idx="minor">
+            <a:schemeClr val="tx1"/>
+          </a:fontRef>
+        </p:style>
+      </p:cxnSp>
+      <p:cxnSp>
+        <p:nvCxnSpPr>
+          <p:cNvPr id="124" name="Straight Connector 123"/>
+          <p:cNvCxnSpPr>
+            <a:stCxn id="14" idx="3"/>
+            <a:endCxn id="7" idx="1"/>
+          </p:cNvCxnSpPr>
+          <p:nvPr/>
+        </p:nvCxnSpPr>
+        <p:spPr>
+          <a:xfrm>
+            <a:off x="7934250" y="2929254"/>
+            <a:ext cx="1727098" cy="12785"/>
+          </a:xfrm>
+          <a:prstGeom prst="line">
+            <a:avLst/>
+          </a:prstGeom>
+        </p:spPr>
+        <p:style>
+          <a:lnRef idx="1">
+            <a:schemeClr val="accent1"/>
+          </a:lnRef>
+          <a:fillRef idx="0">
+            <a:schemeClr val="accent1"/>
+          </a:fillRef>
+          <a:effectRef idx="0">
+            <a:schemeClr val="accent1"/>
+          </a:effectRef>
+          <a:fontRef idx="minor">
+            <a:schemeClr val="tx1"/>
+          </a:fontRef>
+        </p:style>
+      </p:cxnSp>
+      <p:cxnSp>
+        <p:nvCxnSpPr>
+          <p:cNvPr id="144" name="Straight Connector 143"/>
+          <p:cNvCxnSpPr>
+            <a:stCxn id="11" idx="3"/>
+            <a:endCxn id="6" idx="1"/>
+          </p:cNvCxnSpPr>
+          <p:nvPr/>
+        </p:nvCxnSpPr>
+        <p:spPr>
+          <a:xfrm flipV="1">
+            <a:off x="2657370" y="2935322"/>
+            <a:ext cx="511891" cy="10649"/>
+          </a:xfrm>
+          <a:prstGeom prst="line">
+            <a:avLst/>
+          </a:prstGeom>
+        </p:spPr>
+        <p:style>
+          <a:lnRef idx="1">
+            <a:schemeClr val="accent1"/>
+          </a:lnRef>
+          <a:fillRef idx="0">
+            <a:schemeClr val="accent1"/>
+          </a:fillRef>
+          <a:effectRef idx="0">
+            <a:schemeClr val="accent1"/>
+          </a:effectRef>
+          <a:fontRef idx="minor">
+            <a:schemeClr val="tx1"/>
+          </a:fontRef>
+        </p:style>
+      </p:cxnSp>
+      <p:cxnSp>
+        <p:nvCxnSpPr>
+          <p:cNvPr id="146" name="Straight Connector 145"/>
+          <p:cNvCxnSpPr>
+            <a:stCxn id="6" idx="3"/>
+            <a:endCxn id="14" idx="1"/>
+          </p:cNvCxnSpPr>
+          <p:nvPr/>
+        </p:nvCxnSpPr>
+        <p:spPr>
+          <a:xfrm flipV="1">
+            <a:off x="4866213" y="2929254"/>
+            <a:ext cx="1749362" cy="6068"/>
+          </a:xfrm>
+          <a:prstGeom prst="line">
+            <a:avLst/>
+          </a:prstGeom>
+        </p:spPr>
+        <p:style>
+          <a:lnRef idx="1">
+            <a:schemeClr val="accent1"/>
+          </a:lnRef>
+          <a:fillRef idx="0">
+            <a:schemeClr val="accent1"/>
+          </a:fillRef>
+          <a:effectRef idx="0">
+            <a:schemeClr val="accent1"/>
+          </a:effectRef>
+          <a:fontRef idx="minor">
+            <a:schemeClr val="tx1"/>
+          </a:fontRef>
+        </p:style>
+      </p:cxnSp>
     </p:spTree>
     <p:extLst>
       <p:ext uri="{BB962C8B-B14F-4D97-AF65-F5344CB8AC3E}">
@@ -6633,9 +7843,9 @@
           <a:bodyPr/>
           <a:lstStyle/>
           <a:p>
-            <a:pPr marL="514350" indent="-514350">
+            <a:pPr marL="571500" indent="-571500">
               <a:buFont typeface="+mj-lt"/>
-              <a:buAutoNum type="arabicPeriod"/>
+              <a:buAutoNum type="alphaLcParenR"/>
             </a:pPr>
             <a:r>
               <a:rPr lang="en-US" dirty="0" smtClean="0"/>
@@ -6643,9 +7853,9 @@
             </a:r>
           </a:p>
           <a:p>
-            <a:pPr marL="514350" indent="-514350">
+            <a:pPr marL="571500" indent="-571500">
               <a:buFont typeface="+mj-lt"/>
-              <a:buAutoNum type="arabicPeriod"/>
+              <a:buAutoNum type="alphaLcParenR"/>
             </a:pPr>
             <a:r>
               <a:rPr lang="en-US" dirty="0" smtClean="0"/>
@@ -6653,9 +7863,9 @@
             </a:r>
           </a:p>
           <a:p>
-            <a:pPr marL="514350" indent="-514350">
+            <a:pPr marL="571500" indent="-571500">
               <a:buFont typeface="+mj-lt"/>
-              <a:buAutoNum type="arabicPeriod"/>
+              <a:buAutoNum type="alphaLcParenR"/>
             </a:pPr>
             <a:r>
               <a:rPr lang="en-US" dirty="0" smtClean="0"/>
@@ -6663,9 +7873,9 @@
             </a:r>
           </a:p>
           <a:p>
-            <a:pPr marL="514350" indent="-514350">
+            <a:pPr marL="571500" indent="-571500">
               <a:buFont typeface="+mj-lt"/>
-              <a:buAutoNum type="arabicPeriod"/>
+              <a:buAutoNum type="alphaLcParenR"/>
             </a:pPr>
             <a:r>
               <a:rPr lang="en-US" dirty="0" smtClean="0"/>
@@ -6673,9 +7883,9 @@
             </a:r>
           </a:p>
           <a:p>
-            <a:pPr marL="514350" indent="-514350">
+            <a:pPr marL="571500" indent="-571500">
               <a:buFont typeface="+mj-lt"/>
-              <a:buAutoNum type="arabicPeriod"/>
+              <a:buAutoNum type="alphaLcParenR"/>
             </a:pPr>
             <a:r>
               <a:rPr lang="en-US" dirty="0" smtClean="0"/>
@@ -6683,9 +7893,9 @@
             </a:r>
           </a:p>
           <a:p>
-            <a:pPr marL="514350" indent="-514350">
+            <a:pPr marL="571500" indent="-571500">
               <a:buFont typeface="+mj-lt"/>
-              <a:buAutoNum type="arabicPeriod"/>
+              <a:buAutoNum type="alphaLcParenR"/>
             </a:pPr>
             <a:r>
               <a:rPr lang="en-US" dirty="0" smtClean="0"/>
@@ -6768,7 +7978,7 @@
           </p:nvPr>
         </p:nvPicPr>
         <p:blipFill>
-          <a:blip r:embed="rId2">
+          <a:blip r:embed="rId3">
             <a:extLst>
               <a:ext uri="{28A0092B-C50C-407E-A947-70E740481C1C}">
                 <a14:useLocalDpi xmlns:a14="http://schemas.microsoft.com/office/drawing/2010/main" val="0"/>
@@ -6781,7 +7991,7 @@
         </p:blipFill>
         <p:spPr>
           <a:xfrm>
-            <a:off x="1949116" y="2069433"/>
+            <a:off x="1800727" y="2069433"/>
             <a:ext cx="8590547" cy="3393766"/>
           </a:xfrm>
         </p:spPr>
@@ -6835,7 +8045,7 @@
         </p:nvSpPr>
         <p:spPr>
           <a:xfrm>
-            <a:off x="0" y="2767013"/>
+            <a:off x="838200" y="2767013"/>
             <a:ext cx="10515600" cy="1325562"/>
           </a:xfrm>
         </p:spPr>
@@ -7131,4 +8341,265 @@
     </a:ext>
   </a:extLst>
 </a:theme>
+</file>
+
+<file path=ppt/theme/theme2.xml><?xml version="1.0" encoding="utf-8"?>
+<a:theme xmlns:a="http://schemas.openxmlformats.org/drawingml/2006/main" name="Office Theme">
+  <a:themeElements>
+    <a:clrScheme name="Office">
+      <a:dk1>
+        <a:sysClr val="windowText" lastClr="000000"/>
+      </a:dk1>
+      <a:lt1>
+        <a:sysClr val="window" lastClr="FFFFFF"/>
+      </a:lt1>
+      <a:dk2>
+        <a:srgbClr val="44546A"/>
+      </a:dk2>
+      <a:lt2>
+        <a:srgbClr val="E7E6E6"/>
+      </a:lt2>
+      <a:accent1>
+        <a:srgbClr val="5B9BD5"/>
+      </a:accent1>
+      <a:accent2>
+        <a:srgbClr val="ED7D31"/>
+      </a:accent2>
+      <a:accent3>
+        <a:srgbClr val="A5A5A5"/>
+      </a:accent3>
+      <a:accent4>
+        <a:srgbClr val="FFC000"/>
+      </a:accent4>
+      <a:accent5>
+        <a:srgbClr val="4472C4"/>
+      </a:accent5>
+      <a:accent6>
+        <a:srgbClr val="70AD47"/>
+      </a:accent6>
+      <a:hlink>
+        <a:srgbClr val="0563C1"/>
+      </a:hlink>
+      <a:folHlink>
+        <a:srgbClr val="954F72"/>
+      </a:folHlink>
+    </a:clrScheme>
+    <a:fontScheme name="Office">
+      <a:majorFont>
+        <a:latin typeface="Calibri Light" panose="020F0302020204030204"/>
+        <a:ea typeface=""/>
+        <a:cs typeface=""/>
+        <a:font script="Jpan" typeface="ＭＳ Ｐゴシック"/>
+        <a:font script="Hang" typeface="맑은 고딕"/>
+        <a:font script="Hans" typeface="宋体"/>
+        <a:font script="Hant" typeface="新細明體"/>
+        <a:font script="Arab" typeface="Times New Roman"/>
+        <a:font script="Hebr" typeface="Times New Roman"/>
+        <a:font script="Thai" typeface="Angsana New"/>
+        <a:font script="Ethi" typeface="Nyala"/>
+        <a:font script="Beng" typeface="Vrinda"/>
+        <a:font script="Gujr" typeface="Shruti"/>
+        <a:font script="Khmr" typeface="MoolBoran"/>
+        <a:font script="Knda" typeface="Tunga"/>
+        <a:font script="Guru" typeface="Raavi"/>
+        <a:font script="Cans" typeface="Euphemia"/>
+        <a:font script="Cher" typeface="Plantagenet Cherokee"/>
+        <a:font script="Yiii" typeface="Microsoft Yi Baiti"/>
+        <a:font script="Tibt" typeface="Microsoft Himalaya"/>
+        <a:font script="Thaa" typeface="MV Boli"/>
+        <a:font script="Deva" typeface="Mangal"/>
+        <a:font script="Telu" typeface="Gautami"/>
+        <a:font script="Taml" typeface="Latha"/>
+        <a:font script="Syrc" typeface="Estrangelo Edessa"/>
+        <a:font script="Orya" typeface="Kalinga"/>
+        <a:font script="Mlym" typeface="Kartika"/>
+        <a:font script="Laoo" typeface="DokChampa"/>
+        <a:font script="Sinh" typeface="Iskoola Pota"/>
+        <a:font script="Mong" typeface="Mongolian Baiti"/>
+        <a:font script="Viet" typeface="Times New Roman"/>
+        <a:font script="Uigh" typeface="Microsoft Uighur"/>
+        <a:font script="Geor" typeface="Sylfaen"/>
+      </a:majorFont>
+      <a:minorFont>
+        <a:latin typeface="Calibri" panose="020F0502020204030204"/>
+        <a:ea typeface=""/>
+        <a:cs typeface=""/>
+        <a:font script="Jpan" typeface="ＭＳ Ｐゴシック"/>
+        <a:font script="Hang" typeface="맑은 고딕"/>
+        <a:font script="Hans" typeface="宋体"/>
+        <a:font script="Hant" typeface="新細明體"/>
+        <a:font script="Arab" typeface="Arial"/>
+        <a:font script="Hebr" typeface="Arial"/>
+        <a:font script="Thai" typeface="Cordia New"/>
+        <a:font script="Ethi" typeface="Nyala"/>
+        <a:font script="Beng" typeface="Vrinda"/>
+        <a:font script="Gujr" typeface="Shruti"/>
+        <a:font script="Khmr" typeface="DaunPenh"/>
+        <a:font script="Knda" typeface="Tunga"/>
+        <a:font script="Guru" typeface="Raavi"/>
+        <a:font script="Cans" typeface="Euphemia"/>
+        <a:font script="Cher" typeface="Plantagenet Cherokee"/>
+        <a:font script="Yiii" typeface="Microsoft Yi Baiti"/>
+        <a:font script="Tibt" typeface="Microsoft Himalaya"/>
+        <a:font script="Thaa" typeface="MV Boli"/>
+        <a:font script="Deva" typeface="Mangal"/>
+        <a:font script="Telu" typeface="Gautami"/>
+        <a:font script="Taml" typeface="Latha"/>
+        <a:font script="Syrc" typeface="Estrangelo Edessa"/>
+        <a:font script="Orya" typeface="Kalinga"/>
+        <a:font script="Mlym" typeface="Kartika"/>
+        <a:font script="Laoo" typeface="DokChampa"/>
+        <a:font script="Sinh" typeface="Iskoola Pota"/>
+        <a:font script="Mong" typeface="Mongolian Baiti"/>
+        <a:font script="Viet" typeface="Arial"/>
+        <a:font script="Uigh" typeface="Microsoft Uighur"/>
+        <a:font script="Geor" typeface="Sylfaen"/>
+      </a:minorFont>
+    </a:fontScheme>
+    <a:fmtScheme name="Office">
+      <a:fillStyleLst>
+        <a:solidFill>
+          <a:schemeClr val="phClr"/>
+        </a:solidFill>
+        <a:gradFill rotWithShape="1">
+          <a:gsLst>
+            <a:gs pos="0">
+              <a:schemeClr val="phClr">
+                <a:lumMod val="110000"/>
+                <a:satMod val="105000"/>
+                <a:tint val="67000"/>
+              </a:schemeClr>
+            </a:gs>
+            <a:gs pos="50000">
+              <a:schemeClr val="phClr">
+                <a:lumMod val="105000"/>
+                <a:satMod val="103000"/>
+                <a:tint val="73000"/>
+              </a:schemeClr>
+            </a:gs>
+            <a:gs pos="100000">
+              <a:schemeClr val="phClr">
+                <a:lumMod val="105000"/>
+                <a:satMod val="109000"/>
+                <a:tint val="81000"/>
+              </a:schemeClr>
+            </a:gs>
+          </a:gsLst>
+          <a:lin ang="5400000" scaled="0"/>
+        </a:gradFill>
+        <a:gradFill rotWithShape="1">
+          <a:gsLst>
+            <a:gs pos="0">
+              <a:schemeClr val="phClr">
+                <a:satMod val="103000"/>
+                <a:lumMod val="102000"/>
+                <a:tint val="94000"/>
+              </a:schemeClr>
+            </a:gs>
+            <a:gs pos="50000">
+              <a:schemeClr val="phClr">
+                <a:satMod val="110000"/>
+                <a:lumMod val="100000"/>
+                <a:shade val="100000"/>
+              </a:schemeClr>
+            </a:gs>
+            <a:gs pos="100000">
+              <a:schemeClr val="phClr">
+                <a:lumMod val="99000"/>
+                <a:satMod val="120000"/>
+                <a:shade val="78000"/>
+              </a:schemeClr>
+            </a:gs>
+          </a:gsLst>
+          <a:lin ang="5400000" scaled="0"/>
+        </a:gradFill>
+      </a:fillStyleLst>
+      <a:lnStyleLst>
+        <a:ln w="6350" cap="flat" cmpd="sng" algn="ctr">
+          <a:solidFill>
+            <a:schemeClr val="phClr"/>
+          </a:solidFill>
+          <a:prstDash val="solid"/>
+          <a:miter lim="800000"/>
+        </a:ln>
+        <a:ln w="12700" cap="flat" cmpd="sng" algn="ctr">
+          <a:solidFill>
+            <a:schemeClr val="phClr"/>
+          </a:solidFill>
+          <a:prstDash val="solid"/>
+          <a:miter lim="800000"/>
+        </a:ln>
+        <a:ln w="19050" cap="flat" cmpd="sng" algn="ctr">
+          <a:solidFill>
+            <a:schemeClr val="phClr"/>
+          </a:solidFill>
+          <a:prstDash val="solid"/>
+          <a:miter lim="800000"/>
+        </a:ln>
+      </a:lnStyleLst>
+      <a:effectStyleLst>
+        <a:effectStyle>
+          <a:effectLst/>
+        </a:effectStyle>
+        <a:effectStyle>
+          <a:effectLst/>
+        </a:effectStyle>
+        <a:effectStyle>
+          <a:effectLst>
+            <a:outerShdw blurRad="57150" dist="19050" dir="5400000" algn="ctr" rotWithShape="0">
+              <a:srgbClr val="000000">
+                <a:alpha val="63000"/>
+              </a:srgbClr>
+            </a:outerShdw>
+          </a:effectLst>
+        </a:effectStyle>
+      </a:effectStyleLst>
+      <a:bgFillStyleLst>
+        <a:solidFill>
+          <a:schemeClr val="phClr"/>
+        </a:solidFill>
+        <a:solidFill>
+          <a:schemeClr val="phClr">
+            <a:tint val="95000"/>
+            <a:satMod val="170000"/>
+          </a:schemeClr>
+        </a:solidFill>
+        <a:gradFill rotWithShape="1">
+          <a:gsLst>
+            <a:gs pos="0">
+              <a:schemeClr val="phClr">
+                <a:tint val="93000"/>
+                <a:satMod val="150000"/>
+                <a:shade val="98000"/>
+                <a:lumMod val="102000"/>
+              </a:schemeClr>
+            </a:gs>
+            <a:gs pos="50000">
+              <a:schemeClr val="phClr">
+                <a:tint val="98000"/>
+                <a:satMod val="130000"/>
+                <a:shade val="90000"/>
+                <a:lumMod val="103000"/>
+              </a:schemeClr>
+            </a:gs>
+            <a:gs pos="100000">
+              <a:schemeClr val="phClr">
+                <a:shade val="63000"/>
+                <a:satMod val="120000"/>
+              </a:schemeClr>
+            </a:gs>
+          </a:gsLst>
+          <a:lin ang="5400000" scaled="0"/>
+        </a:gradFill>
+      </a:bgFillStyleLst>
+    </a:fmtScheme>
+  </a:themeElements>
+  <a:objectDefaults/>
+  <a:extraClrSchemeLst/>
+  <a:extLst>
+    <a:ext uri="{05A4C25C-085E-4340-85A3-A5531E510DB2}">
+      <thm15:themeFamily xmlns:thm15="http://schemas.microsoft.com/office/thememl/2012/main" name="Office Theme" id="{62F939B6-93AF-4DB8-9C6B-D6C7DFDC589F}" vid="{4A3C46E8-61CC-4603-A589-7422A47A8E4A}"/>
+    </a:ext>
+  </a:extLst>
+</a:theme>
 </file>